--- a/control-flow.pptx
+++ b/control-flow.pptx
@@ -5,7 +5,7 @@
     <p:sldMasterId id="2147483648" r:id="rId1"/>
   </p:sldMasterIdLst>
   <p:notesMasterIdLst>
-    <p:notesMasterId r:id="rId18"/>
+    <p:notesMasterId r:id="rId31"/>
   </p:notesMasterIdLst>
   <p:sldIdLst>
     <p:sldId id="256" r:id="rId2"/>
@@ -24,6 +24,19 @@
     <p:sldId id="269" r:id="rId15"/>
     <p:sldId id="270" r:id="rId16"/>
     <p:sldId id="271" r:id="rId17"/>
+    <p:sldId id="272" r:id="rId18"/>
+    <p:sldId id="273" r:id="rId19"/>
+    <p:sldId id="274" r:id="rId20"/>
+    <p:sldId id="275" r:id="rId21"/>
+    <p:sldId id="276" r:id="rId22"/>
+    <p:sldId id="277" r:id="rId23"/>
+    <p:sldId id="278" r:id="rId24"/>
+    <p:sldId id="279" r:id="rId25"/>
+    <p:sldId id="280" r:id="rId26"/>
+    <p:sldId id="281" r:id="rId27"/>
+    <p:sldId id="282" r:id="rId28"/>
+    <p:sldId id="283" r:id="rId29"/>
+    <p:sldId id="284" r:id="rId30"/>
   </p:sldIdLst>
   <p:sldSz cx="12192000" cy="6858000"/>
   <p:notesSz cx="6858000" cy="9144000"/>
@@ -122,6 +135,11 @@
       </a:defRPr>
     </a:lvl9pPr>
   </p:defaultTextStyle>
+  <p:extLst>
+    <p:ext uri="{EFAFB233-063F-42B5-8137-9DF3F51BA10A}">
+      <p15:sldGuideLst xmlns:p15="http://schemas.microsoft.com/office/powerpoint/2012/main"/>
+    </p:ext>
+  </p:extLst>
 </p:presentation>
 </file>
 
@@ -207,7 +225,7 @@
           <a:p>
             <a:fld id="{11C5E079-93CC-3A49-A7E8-CDC9279F5CB2}" type="datetimeFigureOut">
               <a:rPr lang="en-US" smtClean="0"/>
-              <a:t>1/15/20</a:t>
+              <a:t>1/24/20</a:t>
             </a:fld>
             <a:endParaRPr lang="en-US"/>
           </a:p>
@@ -621,7 +639,7 @@
           <a:p>
             <a:fld id="{6628963F-B015-1848-BE19-FAC9AC65E151}" type="datetime1">
               <a:rPr lang="en-US" smtClean="0"/>
-              <a:t>1/15/20</a:t>
+              <a:t>1/24/20</a:t>
             </a:fld>
             <a:endParaRPr lang="en-US"/>
           </a:p>
@@ -822,7 +840,7 @@
           <a:p>
             <a:fld id="{583273FB-9FE4-374B-9CA1-370AC90F67F3}" type="datetime1">
               <a:rPr lang="en-US" smtClean="0"/>
-              <a:t>1/15/20</a:t>
+              <a:t>1/24/20</a:t>
             </a:fld>
             <a:endParaRPr lang="en-US"/>
           </a:p>
@@ -1033,7 +1051,7 @@
           <a:p>
             <a:fld id="{8D6543D1-4C5C-4F46-BE0A-E076C73D9C07}" type="datetime1">
               <a:rPr lang="en-US" smtClean="0"/>
-              <a:t>1/15/20</a:t>
+              <a:t>1/24/20</a:t>
             </a:fld>
             <a:endParaRPr lang="en-US"/>
           </a:p>
@@ -1234,7 +1252,7 @@
           <a:p>
             <a:fld id="{73D64961-30E1-8D4A-8B74-0D23E39AA62A}" type="datetime1">
               <a:rPr lang="en-US" smtClean="0"/>
-              <a:t>1/15/20</a:t>
+              <a:t>1/24/20</a:t>
             </a:fld>
             <a:endParaRPr lang="en-US"/>
           </a:p>
@@ -1512,7 +1530,7 @@
           <a:p>
             <a:fld id="{B89D5430-3CE5-D443-BD24-7D8BF9AF6108}" type="datetime1">
               <a:rPr lang="en-US" smtClean="0"/>
-              <a:t>1/15/20</a:t>
+              <a:t>1/24/20</a:t>
             </a:fld>
             <a:endParaRPr lang="en-US"/>
           </a:p>
@@ -1780,7 +1798,7 @@
           <a:p>
             <a:fld id="{8E9F9F15-0FC7-754E-A145-F1DB4E617FA2}" type="datetime1">
               <a:rPr lang="en-US" smtClean="0"/>
-              <a:t>1/15/20</a:t>
+              <a:t>1/24/20</a:t>
             </a:fld>
             <a:endParaRPr lang="en-US"/>
           </a:p>
@@ -2195,7 +2213,7 @@
           <a:p>
             <a:fld id="{D81B8FD6-E02C-574F-A0A2-853EEB5CBB81}" type="datetime1">
               <a:rPr lang="en-US" smtClean="0"/>
-              <a:t>1/15/20</a:t>
+              <a:t>1/24/20</a:t>
             </a:fld>
             <a:endParaRPr lang="en-US"/>
           </a:p>
@@ -2339,7 +2357,7 @@
           <a:p>
             <a:fld id="{BB502A58-1D1A-7141-9C02-0A2F0A65C726}" type="datetime1">
               <a:rPr lang="en-US" smtClean="0"/>
-              <a:t>1/15/20</a:t>
+              <a:t>1/24/20</a:t>
             </a:fld>
             <a:endParaRPr lang="en-US"/>
           </a:p>
@@ -2455,7 +2473,7 @@
           <a:p>
             <a:fld id="{66D897BC-C17E-3848-A084-9C80F62284FF}" type="datetime1">
               <a:rPr lang="en-US" smtClean="0"/>
-              <a:t>1/15/20</a:t>
+              <a:t>1/24/20</a:t>
             </a:fld>
             <a:endParaRPr lang="en-US"/>
           </a:p>
@@ -2769,7 +2787,7 @@
           <a:p>
             <a:fld id="{E5580422-3072-F64E-81EE-35E913182534}" type="datetime1">
               <a:rPr lang="en-US" smtClean="0"/>
-              <a:t>1/15/20</a:t>
+              <a:t>1/24/20</a:t>
             </a:fld>
             <a:endParaRPr lang="en-US"/>
           </a:p>
@@ -3060,7 +3078,7 @@
           <a:p>
             <a:fld id="{83AD4383-5FA7-E642-B16C-62BA5A0C7DCE}" type="datetime1">
               <a:rPr lang="en-US" smtClean="0"/>
-              <a:t>1/15/20</a:t>
+              <a:t>1/24/20</a:t>
             </a:fld>
             <a:endParaRPr lang="en-US"/>
           </a:p>
@@ -3304,7 +3322,7 @@
           <a:p>
             <a:fld id="{8B0031C1-176B-7F42-AC3F-27F1861D3040}" type="datetime1">
               <a:rPr lang="en-US" smtClean="0"/>
-              <a:t>1/15/20</a:t>
+              <a:t>1/24/20</a:t>
             </a:fld>
             <a:endParaRPr lang="en-US"/>
           </a:p>
@@ -6072,6 +6090,619 @@
 </p:sld>
 </file>
 
+<file path=ppt/slides/slide17.xml><?xml version="1.0" encoding="utf-8"?>
+<p:sld xmlns:a="http://schemas.openxmlformats.org/drawingml/2006/main" xmlns:r="http://schemas.openxmlformats.org/officeDocument/2006/relationships" xmlns:p="http://schemas.openxmlformats.org/presentationml/2006/main">
+  <p:cSld>
+    <p:spTree>
+      <p:nvGrpSpPr>
+        <p:cNvPr id="1" name=""/>
+        <p:cNvGrpSpPr/>
+        <p:nvPr/>
+      </p:nvGrpSpPr>
+      <p:grpSpPr>
+        <a:xfrm>
+          <a:off x="0" y="0"/>
+          <a:ext cx="0" cy="0"/>
+          <a:chOff x="0" y="0"/>
+          <a:chExt cx="0" cy="0"/>
+        </a:xfrm>
+      </p:grpSpPr>
+      <p:sp>
+        <p:nvSpPr>
+          <p:cNvPr id="2" name="Title 1">
+            <a:extLst>
+              <a:ext uri="{FF2B5EF4-FFF2-40B4-BE49-F238E27FC236}">
+                <a16:creationId xmlns:a16="http://schemas.microsoft.com/office/drawing/2014/main" id="{CAD010CF-B650-1D4F-9663-6E9DE2D0CE8B}"/>
+              </a:ext>
+            </a:extLst>
+          </p:cNvPr>
+          <p:cNvSpPr>
+            <a:spLocks noGrp="1"/>
+          </p:cNvSpPr>
+          <p:nvPr>
+            <p:ph type="title"/>
+          </p:nvPr>
+        </p:nvSpPr>
+        <p:spPr/>
+        <p:txBody>
+          <a:bodyPr/>
+          <a:lstStyle/>
+          <a:p>
+            <a:r>
+              <a:rPr lang="en-US" dirty="0"/>
+              <a:t>Assignment Operators</a:t>
+            </a:r>
+          </a:p>
+        </p:txBody>
+      </p:sp>
+      <p:sp>
+        <p:nvSpPr>
+          <p:cNvPr id="3" name="Content Placeholder 2">
+            <a:extLst>
+              <a:ext uri="{FF2B5EF4-FFF2-40B4-BE49-F238E27FC236}">
+                <a16:creationId xmlns:a16="http://schemas.microsoft.com/office/drawing/2014/main" id="{58E44E04-8B91-F14F-9E76-4CB7115475FA}"/>
+              </a:ext>
+            </a:extLst>
+          </p:cNvPr>
+          <p:cNvSpPr>
+            <a:spLocks noGrp="1"/>
+          </p:cNvSpPr>
+          <p:nvPr>
+            <p:ph idx="1"/>
+          </p:nvPr>
+        </p:nvSpPr>
+        <p:spPr/>
+        <p:txBody>
+          <a:bodyPr>
+            <a:noAutofit/>
+          </a:bodyPr>
+          <a:lstStyle/>
+          <a:p>
+            <a:r>
+              <a:rPr lang="en-US" sz="2200" dirty="0"/>
+              <a:t>Assignment operators modify memory:</a:t>
+            </a:r>
+          </a:p>
+          <a:p>
+            <a:pPr lvl="1"/>
+            <a:r>
+              <a:rPr lang="en-US" sz="2200" dirty="0"/>
+              <a:t>+=</a:t>
+            </a:r>
+          </a:p>
+          <a:p>
+            <a:pPr lvl="1"/>
+            <a:r>
+              <a:rPr lang="en-US" sz="2200" dirty="0"/>
+              <a:t>*=</a:t>
+            </a:r>
+          </a:p>
+          <a:p>
+            <a:pPr lvl="1"/>
+            <a:r>
+              <a:rPr lang="en-US" sz="2200" dirty="0"/>
+              <a:t>op=</a:t>
+            </a:r>
+          </a:p>
+          <a:p>
+            <a:r>
+              <a:rPr lang="en-US" sz="2200" dirty="0"/>
+              <a:t>Advantage: </a:t>
+            </a:r>
+          </a:p>
+          <a:p>
+            <a:pPr lvl="1"/>
+            <a:r>
+              <a:rPr lang="en-US" sz="2200" dirty="0"/>
+              <a:t>address calculation performed just once </a:t>
+            </a:r>
+          </a:p>
+          <a:p>
+            <a:pPr lvl="1"/>
+            <a:r>
+              <a:rPr lang="en-US" sz="2200" dirty="0"/>
+              <a:t>simplifies code (we write a lot of  something = something + </a:t>
+            </a:r>
+            <a:r>
+              <a:rPr lang="en-US" sz="2200" dirty="0" err="1"/>
+              <a:t>somethingelse</a:t>
+            </a:r>
+            <a:r>
+              <a:rPr lang="en-US" sz="2200" dirty="0"/>
+              <a:t>)</a:t>
+            </a:r>
+          </a:p>
+          <a:p>
+            <a:r>
+              <a:rPr lang="en-US" sz="2200" dirty="0"/>
+              <a:t>C provides an assignment operator for each of its binary arithmetic and bit-wise operators, for a total of 10</a:t>
+            </a:r>
+          </a:p>
+          <a:p>
+            <a:pPr lvl="1"/>
+            <a:r>
+              <a:rPr lang="en-US" sz="2200" dirty="0"/>
+              <a:t>also prefix and postfix [</a:t>
+            </a:r>
+            <a:r>
+              <a:rPr lang="en-US" sz="2200" dirty="0" err="1"/>
+              <a:t>in|de</a:t>
+            </a:r>
+            <a:r>
+              <a:rPr lang="en-US" sz="2200" dirty="0"/>
+              <a:t>]</a:t>
+            </a:r>
+            <a:r>
+              <a:rPr lang="en-US" sz="2200" dirty="0" err="1"/>
+              <a:t>crements</a:t>
+            </a:r>
+            <a:r>
+              <a:rPr lang="en-US" sz="2200" dirty="0"/>
+              <a:t>: var++, ++var, var-- and –var</a:t>
+            </a:r>
+          </a:p>
+          <a:p>
+            <a:r>
+              <a:rPr lang="en-US" sz="2200" dirty="0"/>
+              <a:t>Prefix form: syntactic sugar for += and -=</a:t>
+            </a:r>
+          </a:p>
+        </p:txBody>
+      </p:sp>
+      <p:sp>
+        <p:nvSpPr>
+          <p:cNvPr id="4" name="Footer Placeholder 3">
+            <a:extLst>
+              <a:ext uri="{FF2B5EF4-FFF2-40B4-BE49-F238E27FC236}">
+                <a16:creationId xmlns:a16="http://schemas.microsoft.com/office/drawing/2014/main" id="{4F2F4CC8-DD49-5546-BB91-6D864ED389B1}"/>
+              </a:ext>
+            </a:extLst>
+          </p:cNvPr>
+          <p:cNvSpPr>
+            <a:spLocks noGrp="1"/>
+          </p:cNvSpPr>
+          <p:nvPr>
+            <p:ph type="ftr" sz="quarter" idx="11"/>
+          </p:nvPr>
+        </p:nvSpPr>
+        <p:spPr/>
+        <p:txBody>
+          <a:bodyPr/>
+          <a:lstStyle/>
+          <a:p>
+            <a:r>
+              <a:rPr lang="en-US"/>
+              <a:t>Principles of Programming Languages</a:t>
+            </a:r>
+          </a:p>
+        </p:txBody>
+      </p:sp>
+      <p:sp>
+        <p:nvSpPr>
+          <p:cNvPr id="5" name="Slide Number Placeholder 4">
+            <a:extLst>
+              <a:ext uri="{FF2B5EF4-FFF2-40B4-BE49-F238E27FC236}">
+                <a16:creationId xmlns:a16="http://schemas.microsoft.com/office/drawing/2014/main" id="{5644DC75-A76A-B349-BFFD-CC0F7EAA6036}"/>
+              </a:ext>
+            </a:extLst>
+          </p:cNvPr>
+          <p:cNvSpPr>
+            <a:spLocks noGrp="1"/>
+          </p:cNvSpPr>
+          <p:nvPr>
+            <p:ph type="sldNum" sz="quarter" idx="12"/>
+          </p:nvPr>
+        </p:nvSpPr>
+        <p:spPr/>
+        <p:txBody>
+          <a:bodyPr/>
+          <a:lstStyle/>
+          <a:p>
+            <a:fld id="{ABC98F02-4831-DB41-B2A1-83D581DBC9B9}" type="slidenum">
+              <a:rPr lang="en-US" smtClean="0"/>
+              <a:t>17</a:t>
+            </a:fld>
+            <a:endParaRPr lang="en-US"/>
+          </a:p>
+        </p:txBody>
+      </p:sp>
+    </p:spTree>
+    <p:extLst>
+      <p:ext uri="{BB962C8B-B14F-4D97-AF65-F5344CB8AC3E}">
+        <p14:creationId xmlns:p14="http://schemas.microsoft.com/office/powerpoint/2010/main" val="3435547643"/>
+      </p:ext>
+    </p:extLst>
+  </p:cSld>
+  <p:clrMapOvr>
+    <a:masterClrMapping/>
+  </p:clrMapOvr>
+</p:sld>
+</file>
+
+<file path=ppt/slides/slide18.xml><?xml version="1.0" encoding="utf-8"?>
+<p:sld xmlns:a="http://schemas.openxmlformats.org/drawingml/2006/main" xmlns:r="http://schemas.openxmlformats.org/officeDocument/2006/relationships" xmlns:p="http://schemas.openxmlformats.org/presentationml/2006/main">
+  <p:cSld>
+    <p:spTree>
+      <p:nvGrpSpPr>
+        <p:cNvPr id="1" name=""/>
+        <p:cNvGrpSpPr/>
+        <p:nvPr/>
+      </p:nvGrpSpPr>
+      <p:grpSpPr>
+        <a:xfrm>
+          <a:off x="0" y="0"/>
+          <a:ext cx="0" cy="0"/>
+          <a:chOff x="0" y="0"/>
+          <a:chExt cx="0" cy="0"/>
+        </a:xfrm>
+      </p:grpSpPr>
+      <p:sp>
+        <p:nvSpPr>
+          <p:cNvPr id="2" name="Title 1">
+            <a:extLst>
+              <a:ext uri="{FF2B5EF4-FFF2-40B4-BE49-F238E27FC236}">
+                <a16:creationId xmlns:a16="http://schemas.microsoft.com/office/drawing/2014/main" id="{CAD010CF-B650-1D4F-9663-6E9DE2D0CE8B}"/>
+              </a:ext>
+            </a:extLst>
+          </p:cNvPr>
+          <p:cNvSpPr>
+            <a:spLocks noGrp="1"/>
+          </p:cNvSpPr>
+          <p:nvPr>
+            <p:ph type="title"/>
+          </p:nvPr>
+        </p:nvSpPr>
+        <p:spPr/>
+        <p:txBody>
+          <a:bodyPr/>
+          <a:lstStyle/>
+          <a:p>
+            <a:r>
+              <a:rPr lang="en-US" dirty="0"/>
+              <a:t>Assignment Operators</a:t>
+            </a:r>
+          </a:p>
+        </p:txBody>
+      </p:sp>
+      <p:sp>
+        <p:nvSpPr>
+          <p:cNvPr id="3" name="Content Placeholder 2">
+            <a:extLst>
+              <a:ext uri="{FF2B5EF4-FFF2-40B4-BE49-F238E27FC236}">
+                <a16:creationId xmlns:a16="http://schemas.microsoft.com/office/drawing/2014/main" id="{58E44E04-8B91-F14F-9E76-4CB7115475FA}"/>
+              </a:ext>
+            </a:extLst>
+          </p:cNvPr>
+          <p:cNvSpPr>
+            <a:spLocks noGrp="1"/>
+          </p:cNvSpPr>
+          <p:nvPr>
+            <p:ph idx="1"/>
+          </p:nvPr>
+        </p:nvSpPr>
+        <p:spPr>
+          <a:xfrm>
+            <a:off x="849086" y="1825625"/>
+            <a:ext cx="10515600" cy="4351338"/>
+          </a:xfrm>
+        </p:spPr>
+        <p:txBody>
+          <a:bodyPr>
+            <a:noAutofit/>
+          </a:bodyPr>
+          <a:lstStyle/>
+          <a:p>
+            <a:r>
+              <a:rPr lang="en-US" sz="2200" dirty="0"/>
+              <a:t>Postfix form: NOT syntactic sugar, i.e. has different semantics. Consider:</a:t>
+            </a:r>
+          </a:p>
+          <a:p>
+            <a:pPr marL="457200" lvl="1" indent="0">
+              <a:buNone/>
+            </a:pPr>
+            <a:r>
+              <a:rPr lang="en-US" sz="1800" dirty="0"/>
+              <a:t>*p++ = *q++;</a:t>
+            </a:r>
+          </a:p>
+          <a:p>
+            <a:r>
+              <a:rPr lang="en-US" sz="2600" dirty="0"/>
+              <a:t>The above copies values from q to p, then advances both pointers</a:t>
+            </a:r>
+          </a:p>
+        </p:txBody>
+      </p:sp>
+      <p:sp>
+        <p:nvSpPr>
+          <p:cNvPr id="4" name="Footer Placeholder 3">
+            <a:extLst>
+              <a:ext uri="{FF2B5EF4-FFF2-40B4-BE49-F238E27FC236}">
+                <a16:creationId xmlns:a16="http://schemas.microsoft.com/office/drawing/2014/main" id="{4F2F4CC8-DD49-5546-BB91-6D864ED389B1}"/>
+              </a:ext>
+            </a:extLst>
+          </p:cNvPr>
+          <p:cNvSpPr>
+            <a:spLocks noGrp="1"/>
+          </p:cNvSpPr>
+          <p:nvPr>
+            <p:ph type="ftr" sz="quarter" idx="11"/>
+          </p:nvPr>
+        </p:nvSpPr>
+        <p:spPr/>
+        <p:txBody>
+          <a:bodyPr/>
+          <a:lstStyle/>
+          <a:p>
+            <a:r>
+              <a:rPr lang="en-US"/>
+              <a:t>Principles of Programming Languages</a:t>
+            </a:r>
+          </a:p>
+        </p:txBody>
+      </p:sp>
+      <p:sp>
+        <p:nvSpPr>
+          <p:cNvPr id="5" name="Slide Number Placeholder 4">
+            <a:extLst>
+              <a:ext uri="{FF2B5EF4-FFF2-40B4-BE49-F238E27FC236}">
+                <a16:creationId xmlns:a16="http://schemas.microsoft.com/office/drawing/2014/main" id="{5644DC75-A76A-B349-BFFD-CC0F7EAA6036}"/>
+              </a:ext>
+            </a:extLst>
+          </p:cNvPr>
+          <p:cNvSpPr>
+            <a:spLocks noGrp="1"/>
+          </p:cNvSpPr>
+          <p:nvPr>
+            <p:ph type="sldNum" sz="quarter" idx="12"/>
+          </p:nvPr>
+        </p:nvSpPr>
+        <p:spPr/>
+        <p:txBody>
+          <a:bodyPr/>
+          <a:lstStyle/>
+          <a:p>
+            <a:fld id="{ABC98F02-4831-DB41-B2A1-83D581DBC9B9}" type="slidenum">
+              <a:rPr lang="en-US" smtClean="0"/>
+              <a:t>18</a:t>
+            </a:fld>
+            <a:endParaRPr lang="en-US"/>
+          </a:p>
+        </p:txBody>
+      </p:sp>
+    </p:spTree>
+    <p:extLst>
+      <p:ext uri="{BB962C8B-B14F-4D97-AF65-F5344CB8AC3E}">
+        <p14:creationId xmlns:p14="http://schemas.microsoft.com/office/powerpoint/2010/main" val="3842255684"/>
+      </p:ext>
+    </p:extLst>
+  </p:cSld>
+  <p:clrMapOvr>
+    <a:masterClrMapping/>
+  </p:clrMapOvr>
+</p:sld>
+</file>
+
+<file path=ppt/slides/slide19.xml><?xml version="1.0" encoding="utf-8"?>
+<p:sld xmlns:a="http://schemas.openxmlformats.org/drawingml/2006/main" xmlns:r="http://schemas.openxmlformats.org/officeDocument/2006/relationships" xmlns:p="http://schemas.openxmlformats.org/presentationml/2006/main">
+  <p:cSld>
+    <p:spTree>
+      <p:nvGrpSpPr>
+        <p:cNvPr id="1" name=""/>
+        <p:cNvGrpSpPr/>
+        <p:nvPr/>
+      </p:nvGrpSpPr>
+      <p:grpSpPr>
+        <a:xfrm>
+          <a:off x="0" y="0"/>
+          <a:ext cx="0" cy="0"/>
+          <a:chOff x="0" y="0"/>
+          <a:chExt cx="0" cy="0"/>
+        </a:xfrm>
+      </p:grpSpPr>
+      <p:sp>
+        <p:nvSpPr>
+          <p:cNvPr id="2" name="Title 1">
+            <a:extLst>
+              <a:ext uri="{FF2B5EF4-FFF2-40B4-BE49-F238E27FC236}">
+                <a16:creationId xmlns:a16="http://schemas.microsoft.com/office/drawing/2014/main" id="{B4A0EB4E-1AA4-2B4C-8ABD-782442005571}"/>
+              </a:ext>
+            </a:extLst>
+          </p:cNvPr>
+          <p:cNvSpPr>
+            <a:spLocks noGrp="1"/>
+          </p:cNvSpPr>
+          <p:nvPr>
+            <p:ph type="title"/>
+          </p:nvPr>
+        </p:nvSpPr>
+        <p:spPr/>
+        <p:txBody>
+          <a:bodyPr/>
+          <a:lstStyle/>
+          <a:p>
+            <a:r>
+              <a:rPr lang="en-US" dirty="0"/>
+              <a:t>Initialization</a:t>
+            </a:r>
+          </a:p>
+        </p:txBody>
+      </p:sp>
+      <p:sp>
+        <p:nvSpPr>
+          <p:cNvPr id="3" name="Content Placeholder 2">
+            <a:extLst>
+              <a:ext uri="{FF2B5EF4-FFF2-40B4-BE49-F238E27FC236}">
+                <a16:creationId xmlns:a16="http://schemas.microsoft.com/office/drawing/2014/main" id="{89AF9150-0147-1040-AEBF-269A379D5ED1}"/>
+              </a:ext>
+            </a:extLst>
+          </p:cNvPr>
+          <p:cNvSpPr>
+            <a:spLocks noGrp="1"/>
+          </p:cNvSpPr>
+          <p:nvPr>
+            <p:ph idx="1"/>
+          </p:nvPr>
+        </p:nvSpPr>
+        <p:spPr/>
+        <p:txBody>
+          <a:bodyPr>
+            <a:normAutofit/>
+          </a:bodyPr>
+          <a:lstStyle/>
+          <a:p>
+            <a:r>
+              <a:rPr lang="en-US" sz="2200" dirty="0"/>
+              <a:t>Not all (imperative) languages provide mechanisms for declaration + initialization (a la c </a:t>
+            </a:r>
+            <a:r>
+              <a:rPr lang="en-US" sz="2200" dirty="0">
+                <a:sym typeface="Wingdings" pitchFamily="2" charset="2"/>
+              </a:rPr>
+              <a:t> int c = (2 * something);)</a:t>
+            </a:r>
+          </a:p>
+          <a:p>
+            <a:r>
+              <a:rPr lang="en-US" sz="2200" dirty="0">
+                <a:sym typeface="Wingdings" pitchFamily="2" charset="2"/>
+              </a:rPr>
+              <a:t>Useful to initialize variables:</a:t>
+            </a:r>
+          </a:p>
+          <a:p>
+            <a:pPr lvl="1"/>
+            <a:r>
+              <a:rPr lang="en-US" sz="2200" dirty="0">
+                <a:sym typeface="Wingdings" pitchFamily="2" charset="2"/>
+              </a:rPr>
+              <a:t>static variables local to subroutines need an initial value (usually 0)</a:t>
+            </a:r>
+          </a:p>
+          <a:p>
+            <a:pPr lvl="1"/>
+            <a:r>
+              <a:rPr lang="en-US" sz="2200" dirty="0">
+                <a:sym typeface="Wingdings" pitchFamily="2" charset="2"/>
+              </a:rPr>
+              <a:t>Initialized static variables can use global memory</a:t>
+            </a:r>
+          </a:p>
+          <a:p>
+            <a:pPr lvl="1"/>
+            <a:r>
+              <a:rPr lang="en-US" sz="2200" dirty="0">
+                <a:sym typeface="Wingdings" pitchFamily="2" charset="2"/>
+              </a:rPr>
+              <a:t>Avoid computational errors</a:t>
+            </a:r>
+          </a:p>
+          <a:p>
+            <a:r>
+              <a:rPr lang="en-US" sz="2200" dirty="0">
+                <a:sym typeface="Wingdings" pitchFamily="2" charset="2"/>
+              </a:rPr>
+              <a:t>Most languages will have mechanisms to initialize variables for pre-built datatypes</a:t>
+            </a:r>
+          </a:p>
+          <a:p>
+            <a:r>
+              <a:rPr lang="en-US" sz="2200" dirty="0">
+                <a:sym typeface="Wingdings" pitchFamily="2" charset="2"/>
+              </a:rPr>
+              <a:t>Special mechanisms for “aggregate” types, i.e. arrays, structures</a:t>
+            </a:r>
+          </a:p>
+          <a:p>
+            <a:r>
+              <a:rPr lang="en-US" sz="2200" dirty="0">
+                <a:sym typeface="Wingdings" pitchFamily="2" charset="2"/>
+              </a:rPr>
+              <a:t>Initialization saves time only for statically allocated variables, not for stack variables nor for heap variables</a:t>
+            </a:r>
+          </a:p>
+          <a:p>
+            <a:endParaRPr lang="en-US" sz="2200" dirty="0">
+              <a:sym typeface="Wingdings" pitchFamily="2" charset="2"/>
+            </a:endParaRPr>
+          </a:p>
+          <a:p>
+            <a:pPr lvl="1"/>
+            <a:endParaRPr lang="en-US" sz="2200" dirty="0"/>
+          </a:p>
+        </p:txBody>
+      </p:sp>
+      <p:sp>
+        <p:nvSpPr>
+          <p:cNvPr id="4" name="Footer Placeholder 3">
+            <a:extLst>
+              <a:ext uri="{FF2B5EF4-FFF2-40B4-BE49-F238E27FC236}">
+                <a16:creationId xmlns:a16="http://schemas.microsoft.com/office/drawing/2014/main" id="{7EA9CF60-7B4D-FD4F-B8EA-2015AAA8675D}"/>
+              </a:ext>
+            </a:extLst>
+          </p:cNvPr>
+          <p:cNvSpPr>
+            <a:spLocks noGrp="1"/>
+          </p:cNvSpPr>
+          <p:nvPr>
+            <p:ph type="ftr" sz="quarter" idx="11"/>
+          </p:nvPr>
+        </p:nvSpPr>
+        <p:spPr/>
+        <p:txBody>
+          <a:bodyPr/>
+          <a:lstStyle/>
+          <a:p>
+            <a:r>
+              <a:rPr lang="en-US"/>
+              <a:t>Principles of Programming Languages</a:t>
+            </a:r>
+          </a:p>
+        </p:txBody>
+      </p:sp>
+      <p:sp>
+        <p:nvSpPr>
+          <p:cNvPr id="5" name="Slide Number Placeholder 4">
+            <a:extLst>
+              <a:ext uri="{FF2B5EF4-FFF2-40B4-BE49-F238E27FC236}">
+                <a16:creationId xmlns:a16="http://schemas.microsoft.com/office/drawing/2014/main" id="{CDF8E211-BD44-0849-A8CF-8A6C33472BFD}"/>
+              </a:ext>
+            </a:extLst>
+          </p:cNvPr>
+          <p:cNvSpPr>
+            <a:spLocks noGrp="1"/>
+          </p:cNvSpPr>
+          <p:nvPr>
+            <p:ph type="sldNum" sz="quarter" idx="12"/>
+          </p:nvPr>
+        </p:nvSpPr>
+        <p:spPr/>
+        <p:txBody>
+          <a:bodyPr/>
+          <a:lstStyle/>
+          <a:p>
+            <a:fld id="{ABC98F02-4831-DB41-B2A1-83D581DBC9B9}" type="slidenum">
+              <a:rPr lang="en-US" smtClean="0"/>
+              <a:t>19</a:t>
+            </a:fld>
+            <a:endParaRPr lang="en-US"/>
+          </a:p>
+        </p:txBody>
+      </p:sp>
+    </p:spTree>
+    <p:extLst>
+      <p:ext uri="{BB962C8B-B14F-4D97-AF65-F5344CB8AC3E}">
+        <p14:creationId xmlns:p14="http://schemas.microsoft.com/office/powerpoint/2010/main" val="3521490672"/>
+      </p:ext>
+    </p:extLst>
+  </p:cSld>
+  <p:clrMapOvr>
+    <a:masterClrMapping/>
+  </p:clrMapOvr>
+</p:sld>
+</file>
+
 <file path=ppt/slides/slide2.xml><?xml version="1.0" encoding="utf-8"?>
 <p:sld xmlns:a="http://schemas.openxmlformats.org/drawingml/2006/main" xmlns:r="http://schemas.openxmlformats.org/officeDocument/2006/relationships" xmlns:p="http://schemas.openxmlformats.org/presentationml/2006/main">
   <p:cSld>
@@ -6257,6 +6888,4337 @@
     <p:extLst>
       <p:ext uri="{BB962C8B-B14F-4D97-AF65-F5344CB8AC3E}">
         <p14:creationId xmlns:p14="http://schemas.microsoft.com/office/powerpoint/2010/main" val="900279339"/>
+      </p:ext>
+    </p:extLst>
+  </p:cSld>
+  <p:clrMapOvr>
+    <a:masterClrMapping/>
+  </p:clrMapOvr>
+</p:sld>
+</file>
+
+<file path=ppt/slides/slide20.xml><?xml version="1.0" encoding="utf-8"?>
+<p:sld xmlns:a="http://schemas.openxmlformats.org/drawingml/2006/main" xmlns:r="http://schemas.openxmlformats.org/officeDocument/2006/relationships" xmlns:p="http://schemas.openxmlformats.org/presentationml/2006/main">
+  <p:cSld>
+    <p:spTree>
+      <p:nvGrpSpPr>
+        <p:cNvPr id="1" name=""/>
+        <p:cNvGrpSpPr/>
+        <p:nvPr/>
+      </p:nvGrpSpPr>
+      <p:grpSpPr>
+        <a:xfrm>
+          <a:off x="0" y="0"/>
+          <a:ext cx="0" cy="0"/>
+          <a:chOff x="0" y="0"/>
+          <a:chExt cx="0" cy="0"/>
+        </a:xfrm>
+      </p:grpSpPr>
+      <p:sp>
+        <p:nvSpPr>
+          <p:cNvPr id="2" name="Title 1">
+            <a:extLst>
+              <a:ext uri="{FF2B5EF4-FFF2-40B4-BE49-F238E27FC236}">
+                <a16:creationId xmlns:a16="http://schemas.microsoft.com/office/drawing/2014/main" id="{57D13241-B387-C542-BFE5-2C41FC7CF4E8}"/>
+              </a:ext>
+            </a:extLst>
+          </p:cNvPr>
+          <p:cNvSpPr>
+            <a:spLocks noGrp="1"/>
+          </p:cNvSpPr>
+          <p:nvPr>
+            <p:ph type="title"/>
+          </p:nvPr>
+        </p:nvSpPr>
+        <p:spPr/>
+        <p:txBody>
+          <a:bodyPr/>
+          <a:lstStyle/>
+          <a:p>
+            <a:r>
+              <a:rPr lang="en-US" dirty="0"/>
+              <a:t>Definite Assignment</a:t>
+            </a:r>
+          </a:p>
+        </p:txBody>
+      </p:sp>
+      <p:sp>
+        <p:nvSpPr>
+          <p:cNvPr id="3" name="Content Placeholder 2">
+            <a:extLst>
+              <a:ext uri="{FF2B5EF4-FFF2-40B4-BE49-F238E27FC236}">
+                <a16:creationId xmlns:a16="http://schemas.microsoft.com/office/drawing/2014/main" id="{41DFB636-A2D8-E145-9BC3-CF2674F2ECBC}"/>
+              </a:ext>
+            </a:extLst>
+          </p:cNvPr>
+          <p:cNvSpPr>
+            <a:spLocks noGrp="1"/>
+          </p:cNvSpPr>
+          <p:nvPr>
+            <p:ph idx="1"/>
+          </p:nvPr>
+        </p:nvSpPr>
+        <p:spPr>
+          <a:xfrm>
+            <a:off x="838200" y="1825625"/>
+            <a:ext cx="5475514" cy="4351338"/>
+          </a:xfrm>
+        </p:spPr>
+        <p:txBody>
+          <a:bodyPr/>
+          <a:lstStyle/>
+          <a:p>
+            <a:r>
+              <a:rPr lang="en-US" dirty="0"/>
+              <a:t>Uses the (static) control flow of the program</a:t>
+            </a:r>
+          </a:p>
+          <a:p>
+            <a:r>
+              <a:rPr lang="en-US" dirty="0"/>
+              <a:t>Conservative analysis</a:t>
+            </a:r>
+          </a:p>
+          <a:p>
+            <a:r>
+              <a:rPr lang="en-US" dirty="0"/>
+              <a:t>Considers every possible execution path in the program</a:t>
+            </a:r>
+          </a:p>
+          <a:p>
+            <a:r>
+              <a:rPr lang="en-US" dirty="0"/>
+              <a:t>Languages like java use this</a:t>
+            </a:r>
+          </a:p>
+          <a:p>
+            <a:r>
+              <a:rPr lang="en-US" dirty="0"/>
+              <a:t>Example:</a:t>
+            </a:r>
+          </a:p>
+        </p:txBody>
+      </p:sp>
+      <p:sp>
+        <p:nvSpPr>
+          <p:cNvPr id="4" name="Footer Placeholder 3">
+            <a:extLst>
+              <a:ext uri="{FF2B5EF4-FFF2-40B4-BE49-F238E27FC236}">
+                <a16:creationId xmlns:a16="http://schemas.microsoft.com/office/drawing/2014/main" id="{D59A4132-76D9-B647-8B34-4B86AE612525}"/>
+              </a:ext>
+            </a:extLst>
+          </p:cNvPr>
+          <p:cNvSpPr>
+            <a:spLocks noGrp="1"/>
+          </p:cNvSpPr>
+          <p:nvPr>
+            <p:ph type="ftr" sz="quarter" idx="11"/>
+          </p:nvPr>
+        </p:nvSpPr>
+        <p:spPr/>
+        <p:txBody>
+          <a:bodyPr/>
+          <a:lstStyle/>
+          <a:p>
+            <a:r>
+              <a:rPr lang="en-US"/>
+              <a:t>Principles of Programming Languages</a:t>
+            </a:r>
+          </a:p>
+        </p:txBody>
+      </p:sp>
+      <p:sp>
+        <p:nvSpPr>
+          <p:cNvPr id="5" name="Slide Number Placeholder 4">
+            <a:extLst>
+              <a:ext uri="{FF2B5EF4-FFF2-40B4-BE49-F238E27FC236}">
+                <a16:creationId xmlns:a16="http://schemas.microsoft.com/office/drawing/2014/main" id="{88FD1DCA-45EA-2D4C-812A-CBE874F4F98B}"/>
+              </a:ext>
+            </a:extLst>
+          </p:cNvPr>
+          <p:cNvSpPr>
+            <a:spLocks noGrp="1"/>
+          </p:cNvSpPr>
+          <p:nvPr>
+            <p:ph type="sldNum" sz="quarter" idx="12"/>
+          </p:nvPr>
+        </p:nvSpPr>
+        <p:spPr/>
+        <p:txBody>
+          <a:bodyPr/>
+          <a:lstStyle/>
+          <a:p>
+            <a:fld id="{ABC98F02-4831-DB41-B2A1-83D581DBC9B9}" type="slidenum">
+              <a:rPr lang="en-US" smtClean="0"/>
+              <a:t>20</a:t>
+            </a:fld>
+            <a:endParaRPr lang="en-US"/>
+          </a:p>
+        </p:txBody>
+      </p:sp>
+      <p:sp>
+        <p:nvSpPr>
+          <p:cNvPr id="6" name="TextBox 5">
+            <a:extLst>
+              <a:ext uri="{FF2B5EF4-FFF2-40B4-BE49-F238E27FC236}">
+                <a16:creationId xmlns:a16="http://schemas.microsoft.com/office/drawing/2014/main" id="{79F1793B-06C2-B441-9EFB-99D71C281BF3}"/>
+              </a:ext>
+            </a:extLst>
+          </p:cNvPr>
+          <p:cNvSpPr txBox="1"/>
+          <p:nvPr/>
+        </p:nvSpPr>
+        <p:spPr>
+          <a:xfrm>
+            <a:off x="6814458" y="1825625"/>
+            <a:ext cx="4424609" cy="3785652"/>
+          </a:xfrm>
+          <a:custGeom>
+            <a:avLst/>
+            <a:gdLst>
+              <a:gd name="connsiteX0" fmla="*/ 0 w 4424609"/>
+              <a:gd name="connsiteY0" fmla="*/ 0 h 3785652"/>
+              <a:gd name="connsiteX1" fmla="*/ 641568 w 4424609"/>
+              <a:gd name="connsiteY1" fmla="*/ 0 h 3785652"/>
+              <a:gd name="connsiteX2" fmla="*/ 1061906 w 4424609"/>
+              <a:gd name="connsiteY2" fmla="*/ 0 h 3785652"/>
+              <a:gd name="connsiteX3" fmla="*/ 1570736 w 4424609"/>
+              <a:gd name="connsiteY3" fmla="*/ 0 h 3785652"/>
+              <a:gd name="connsiteX4" fmla="*/ 2079566 w 4424609"/>
+              <a:gd name="connsiteY4" fmla="*/ 0 h 3785652"/>
+              <a:gd name="connsiteX5" fmla="*/ 2499904 w 4424609"/>
+              <a:gd name="connsiteY5" fmla="*/ 0 h 3785652"/>
+              <a:gd name="connsiteX6" fmla="*/ 3097226 w 4424609"/>
+              <a:gd name="connsiteY6" fmla="*/ 0 h 3785652"/>
+              <a:gd name="connsiteX7" fmla="*/ 3650302 w 4424609"/>
+              <a:gd name="connsiteY7" fmla="*/ 0 h 3785652"/>
+              <a:gd name="connsiteX8" fmla="*/ 4424609 w 4424609"/>
+              <a:gd name="connsiteY8" fmla="*/ 0 h 3785652"/>
+              <a:gd name="connsiteX9" fmla="*/ 4424609 w 4424609"/>
+              <a:gd name="connsiteY9" fmla="*/ 427238 h 3785652"/>
+              <a:gd name="connsiteX10" fmla="*/ 4424609 w 4424609"/>
+              <a:gd name="connsiteY10" fmla="*/ 930189 h 3785652"/>
+              <a:gd name="connsiteX11" fmla="*/ 4424609 w 4424609"/>
+              <a:gd name="connsiteY11" fmla="*/ 1357427 h 3785652"/>
+              <a:gd name="connsiteX12" fmla="*/ 4424609 w 4424609"/>
+              <a:gd name="connsiteY12" fmla="*/ 1936091 h 3785652"/>
+              <a:gd name="connsiteX13" fmla="*/ 4424609 w 4424609"/>
+              <a:gd name="connsiteY13" fmla="*/ 2552611 h 3785652"/>
+              <a:gd name="connsiteX14" fmla="*/ 4424609 w 4424609"/>
+              <a:gd name="connsiteY14" fmla="*/ 3055562 h 3785652"/>
+              <a:gd name="connsiteX15" fmla="*/ 4424609 w 4424609"/>
+              <a:gd name="connsiteY15" fmla="*/ 3785652 h 3785652"/>
+              <a:gd name="connsiteX16" fmla="*/ 3871533 w 4424609"/>
+              <a:gd name="connsiteY16" fmla="*/ 3785652 h 3785652"/>
+              <a:gd name="connsiteX17" fmla="*/ 3362703 w 4424609"/>
+              <a:gd name="connsiteY17" fmla="*/ 3785652 h 3785652"/>
+              <a:gd name="connsiteX18" fmla="*/ 2898119 w 4424609"/>
+              <a:gd name="connsiteY18" fmla="*/ 3785652 h 3785652"/>
+              <a:gd name="connsiteX19" fmla="*/ 2389289 w 4424609"/>
+              <a:gd name="connsiteY19" fmla="*/ 3785652 h 3785652"/>
+              <a:gd name="connsiteX20" fmla="*/ 1836213 w 4424609"/>
+              <a:gd name="connsiteY20" fmla="*/ 3785652 h 3785652"/>
+              <a:gd name="connsiteX21" fmla="*/ 1283137 w 4424609"/>
+              <a:gd name="connsiteY21" fmla="*/ 3785652 h 3785652"/>
+              <a:gd name="connsiteX22" fmla="*/ 641568 w 4424609"/>
+              <a:gd name="connsiteY22" fmla="*/ 3785652 h 3785652"/>
+              <a:gd name="connsiteX23" fmla="*/ 0 w 4424609"/>
+              <a:gd name="connsiteY23" fmla="*/ 3785652 h 3785652"/>
+              <a:gd name="connsiteX24" fmla="*/ 0 w 4424609"/>
+              <a:gd name="connsiteY24" fmla="*/ 3320558 h 3785652"/>
+              <a:gd name="connsiteX25" fmla="*/ 0 w 4424609"/>
+              <a:gd name="connsiteY25" fmla="*/ 2779750 h 3785652"/>
+              <a:gd name="connsiteX26" fmla="*/ 0 w 4424609"/>
+              <a:gd name="connsiteY26" fmla="*/ 2314656 h 3785652"/>
+              <a:gd name="connsiteX27" fmla="*/ 0 w 4424609"/>
+              <a:gd name="connsiteY27" fmla="*/ 1773848 h 3785652"/>
+              <a:gd name="connsiteX28" fmla="*/ 0 w 4424609"/>
+              <a:gd name="connsiteY28" fmla="*/ 1233041 h 3785652"/>
+              <a:gd name="connsiteX29" fmla="*/ 0 w 4424609"/>
+              <a:gd name="connsiteY29" fmla="*/ 654377 h 3785652"/>
+              <a:gd name="connsiteX30" fmla="*/ 0 w 4424609"/>
+              <a:gd name="connsiteY30" fmla="*/ 0 h 3785652"/>
+            </a:gdLst>
+            <a:ahLst/>
+            <a:cxnLst>
+              <a:cxn ang="0">
+                <a:pos x="connsiteX0" y="connsiteY0"/>
+              </a:cxn>
+              <a:cxn ang="0">
+                <a:pos x="connsiteX1" y="connsiteY1"/>
+              </a:cxn>
+              <a:cxn ang="0">
+                <a:pos x="connsiteX2" y="connsiteY2"/>
+              </a:cxn>
+              <a:cxn ang="0">
+                <a:pos x="connsiteX3" y="connsiteY3"/>
+              </a:cxn>
+              <a:cxn ang="0">
+                <a:pos x="connsiteX4" y="connsiteY4"/>
+              </a:cxn>
+              <a:cxn ang="0">
+                <a:pos x="connsiteX5" y="connsiteY5"/>
+              </a:cxn>
+              <a:cxn ang="0">
+                <a:pos x="connsiteX6" y="connsiteY6"/>
+              </a:cxn>
+              <a:cxn ang="0">
+                <a:pos x="connsiteX7" y="connsiteY7"/>
+              </a:cxn>
+              <a:cxn ang="0">
+                <a:pos x="connsiteX8" y="connsiteY8"/>
+              </a:cxn>
+              <a:cxn ang="0">
+                <a:pos x="connsiteX9" y="connsiteY9"/>
+              </a:cxn>
+              <a:cxn ang="0">
+                <a:pos x="connsiteX10" y="connsiteY10"/>
+              </a:cxn>
+              <a:cxn ang="0">
+                <a:pos x="connsiteX11" y="connsiteY11"/>
+              </a:cxn>
+              <a:cxn ang="0">
+                <a:pos x="connsiteX12" y="connsiteY12"/>
+              </a:cxn>
+              <a:cxn ang="0">
+                <a:pos x="connsiteX13" y="connsiteY13"/>
+              </a:cxn>
+              <a:cxn ang="0">
+                <a:pos x="connsiteX14" y="connsiteY14"/>
+              </a:cxn>
+              <a:cxn ang="0">
+                <a:pos x="connsiteX15" y="connsiteY15"/>
+              </a:cxn>
+              <a:cxn ang="0">
+                <a:pos x="connsiteX16" y="connsiteY16"/>
+              </a:cxn>
+              <a:cxn ang="0">
+                <a:pos x="connsiteX17" y="connsiteY17"/>
+              </a:cxn>
+              <a:cxn ang="0">
+                <a:pos x="connsiteX18" y="connsiteY18"/>
+              </a:cxn>
+              <a:cxn ang="0">
+                <a:pos x="connsiteX19" y="connsiteY19"/>
+              </a:cxn>
+              <a:cxn ang="0">
+                <a:pos x="connsiteX20" y="connsiteY20"/>
+              </a:cxn>
+              <a:cxn ang="0">
+                <a:pos x="connsiteX21" y="connsiteY21"/>
+              </a:cxn>
+              <a:cxn ang="0">
+                <a:pos x="connsiteX22" y="connsiteY22"/>
+              </a:cxn>
+              <a:cxn ang="0">
+                <a:pos x="connsiteX23" y="connsiteY23"/>
+              </a:cxn>
+              <a:cxn ang="0">
+                <a:pos x="connsiteX24" y="connsiteY24"/>
+              </a:cxn>
+              <a:cxn ang="0">
+                <a:pos x="connsiteX25" y="connsiteY25"/>
+              </a:cxn>
+              <a:cxn ang="0">
+                <a:pos x="connsiteX26" y="connsiteY26"/>
+              </a:cxn>
+              <a:cxn ang="0">
+                <a:pos x="connsiteX27" y="connsiteY27"/>
+              </a:cxn>
+              <a:cxn ang="0">
+                <a:pos x="connsiteX28" y="connsiteY28"/>
+              </a:cxn>
+              <a:cxn ang="0">
+                <a:pos x="connsiteX29" y="connsiteY29"/>
+              </a:cxn>
+              <a:cxn ang="0">
+                <a:pos x="connsiteX30" y="connsiteY30"/>
+              </a:cxn>
+            </a:cxnLst>
+            <a:rect l="l" t="t" r="r" b="b"/>
+            <a:pathLst>
+              <a:path w="4424609" h="3785652" extrusionOk="0">
+                <a:moveTo>
+                  <a:pt x="0" y="0"/>
+                </a:moveTo>
+                <a:cubicBezTo>
+                  <a:pt x="215866" y="-27986"/>
+                  <a:pt x="448998" y="21043"/>
+                  <a:pt x="641568" y="0"/>
+                </a:cubicBezTo>
+                <a:cubicBezTo>
+                  <a:pt x="834138" y="-21043"/>
+                  <a:pt x="932499" y="44367"/>
+                  <a:pt x="1061906" y="0"/>
+                </a:cubicBezTo>
+                <a:cubicBezTo>
+                  <a:pt x="1191313" y="-44367"/>
+                  <a:pt x="1454222" y="56143"/>
+                  <a:pt x="1570736" y="0"/>
+                </a:cubicBezTo>
+                <a:cubicBezTo>
+                  <a:pt x="1687250" y="-56143"/>
+                  <a:pt x="1907661" y="45941"/>
+                  <a:pt x="2079566" y="0"/>
+                </a:cubicBezTo>
+                <a:cubicBezTo>
+                  <a:pt x="2251471" y="-45941"/>
+                  <a:pt x="2317039" y="3145"/>
+                  <a:pt x="2499904" y="0"/>
+                </a:cubicBezTo>
+                <a:cubicBezTo>
+                  <a:pt x="2682769" y="-3145"/>
+                  <a:pt x="2976867" y="31729"/>
+                  <a:pt x="3097226" y="0"/>
+                </a:cubicBezTo>
+                <a:cubicBezTo>
+                  <a:pt x="3217585" y="-31729"/>
+                  <a:pt x="3518918" y="29468"/>
+                  <a:pt x="3650302" y="0"/>
+                </a:cubicBezTo>
+                <a:cubicBezTo>
+                  <a:pt x="3781686" y="-29468"/>
+                  <a:pt x="4218372" y="43638"/>
+                  <a:pt x="4424609" y="0"/>
+                </a:cubicBezTo>
+                <a:cubicBezTo>
+                  <a:pt x="4465146" y="161249"/>
+                  <a:pt x="4405380" y="298211"/>
+                  <a:pt x="4424609" y="427238"/>
+                </a:cubicBezTo>
+                <a:cubicBezTo>
+                  <a:pt x="4443838" y="556265"/>
+                  <a:pt x="4410513" y="749753"/>
+                  <a:pt x="4424609" y="930189"/>
+                </a:cubicBezTo>
+                <a:cubicBezTo>
+                  <a:pt x="4438705" y="1110625"/>
+                  <a:pt x="4414597" y="1160010"/>
+                  <a:pt x="4424609" y="1357427"/>
+                </a:cubicBezTo>
+                <a:cubicBezTo>
+                  <a:pt x="4434621" y="1554844"/>
+                  <a:pt x="4361189" y="1777323"/>
+                  <a:pt x="4424609" y="1936091"/>
+                </a:cubicBezTo>
+                <a:cubicBezTo>
+                  <a:pt x="4488029" y="2094859"/>
+                  <a:pt x="4396517" y="2407059"/>
+                  <a:pt x="4424609" y="2552611"/>
+                </a:cubicBezTo>
+                <a:cubicBezTo>
+                  <a:pt x="4452701" y="2698163"/>
+                  <a:pt x="4373431" y="2831332"/>
+                  <a:pt x="4424609" y="3055562"/>
+                </a:cubicBezTo>
+                <a:cubicBezTo>
+                  <a:pt x="4475787" y="3279792"/>
+                  <a:pt x="4419296" y="3528334"/>
+                  <a:pt x="4424609" y="3785652"/>
+                </a:cubicBezTo>
+                <a:cubicBezTo>
+                  <a:pt x="4194703" y="3814608"/>
+                  <a:pt x="4005386" y="3750876"/>
+                  <a:pt x="3871533" y="3785652"/>
+                </a:cubicBezTo>
+                <a:cubicBezTo>
+                  <a:pt x="3737680" y="3820428"/>
+                  <a:pt x="3610060" y="3730662"/>
+                  <a:pt x="3362703" y="3785652"/>
+                </a:cubicBezTo>
+                <a:cubicBezTo>
+                  <a:pt x="3115346" y="3840642"/>
+                  <a:pt x="3088088" y="3782312"/>
+                  <a:pt x="2898119" y="3785652"/>
+                </a:cubicBezTo>
+                <a:cubicBezTo>
+                  <a:pt x="2708150" y="3788992"/>
+                  <a:pt x="2514603" y="3726914"/>
+                  <a:pt x="2389289" y="3785652"/>
+                </a:cubicBezTo>
+                <a:cubicBezTo>
+                  <a:pt x="2263975" y="3844390"/>
+                  <a:pt x="1965925" y="3751019"/>
+                  <a:pt x="1836213" y="3785652"/>
+                </a:cubicBezTo>
+                <a:cubicBezTo>
+                  <a:pt x="1706501" y="3820285"/>
+                  <a:pt x="1426887" y="3749586"/>
+                  <a:pt x="1283137" y="3785652"/>
+                </a:cubicBezTo>
+                <a:cubicBezTo>
+                  <a:pt x="1139387" y="3821718"/>
+                  <a:pt x="774709" y="3741917"/>
+                  <a:pt x="641568" y="3785652"/>
+                </a:cubicBezTo>
+                <a:cubicBezTo>
+                  <a:pt x="508427" y="3829387"/>
+                  <a:pt x="292126" y="3737865"/>
+                  <a:pt x="0" y="3785652"/>
+                </a:cubicBezTo>
+                <a:cubicBezTo>
+                  <a:pt x="-36636" y="3631983"/>
+                  <a:pt x="6026" y="3529646"/>
+                  <a:pt x="0" y="3320558"/>
+                </a:cubicBezTo>
+                <a:cubicBezTo>
+                  <a:pt x="-6026" y="3111470"/>
+                  <a:pt x="54751" y="2968705"/>
+                  <a:pt x="0" y="2779750"/>
+                </a:cubicBezTo>
+                <a:cubicBezTo>
+                  <a:pt x="-54751" y="2590795"/>
+                  <a:pt x="10133" y="2433990"/>
+                  <a:pt x="0" y="2314656"/>
+                </a:cubicBezTo>
+                <a:cubicBezTo>
+                  <a:pt x="-10133" y="2195322"/>
+                  <a:pt x="49392" y="1969758"/>
+                  <a:pt x="0" y="1773848"/>
+                </a:cubicBezTo>
+                <a:cubicBezTo>
+                  <a:pt x="-49392" y="1577938"/>
+                  <a:pt x="19284" y="1361994"/>
+                  <a:pt x="0" y="1233041"/>
+                </a:cubicBezTo>
+                <a:cubicBezTo>
+                  <a:pt x="-19284" y="1104088"/>
+                  <a:pt x="42860" y="788015"/>
+                  <a:pt x="0" y="654377"/>
+                </a:cubicBezTo>
+                <a:cubicBezTo>
+                  <a:pt x="-42860" y="520739"/>
+                  <a:pt x="4973" y="147269"/>
+                  <a:pt x="0" y="0"/>
+                </a:cubicBezTo>
+                <a:close/>
+              </a:path>
+            </a:pathLst>
+          </a:custGeom>
+          <a:noFill/>
+          <a:ln w="38100">
+            <a:solidFill>
+              <a:srgbClr val="0070C0"/>
+            </a:solidFill>
+            <a:extLst>
+              <a:ext uri="{C807C97D-BFC1-408E-A445-0C87EB9F89A2}">
+                <ask:lineSketchStyleProps xmlns:ask="http://schemas.microsoft.com/office/drawing/2018/sketchyshapes" sd="414578267">
+                  <a:prstGeom prst="rect">
+                    <a:avLst/>
+                  </a:prstGeom>
+                  <ask:type>
+                    <ask:lineSketchScribble/>
+                  </ask:type>
+                </ask:lineSketchStyleProps>
+              </a:ext>
+            </a:extLst>
+          </a:ln>
+        </p:spPr>
+        <p:txBody>
+          <a:bodyPr wrap="none" rtlCol="0">
+            <a:spAutoFit/>
+          </a:bodyPr>
+          <a:lstStyle/>
+          <a:p>
+            <a:r>
+              <a:rPr lang="en-US" sz="2400" dirty="0">
+                <a:solidFill>
+                  <a:srgbClr val="0070C0"/>
+                </a:solidFill>
+                <a:latin typeface="Courier" pitchFamily="2" charset="0"/>
+              </a:rPr>
+              <a:t>int </a:t>
+            </a:r>
+            <a:r>
+              <a:rPr lang="en-US" sz="2400" dirty="0" err="1">
+                <a:solidFill>
+                  <a:srgbClr val="0070C0"/>
+                </a:solidFill>
+                <a:latin typeface="Courier" pitchFamily="2" charset="0"/>
+              </a:rPr>
+              <a:t>i</a:t>
+            </a:r>
+            <a:r>
+              <a:rPr lang="en-US" sz="2400" dirty="0">
+                <a:solidFill>
+                  <a:srgbClr val="0070C0"/>
+                </a:solidFill>
+                <a:latin typeface="Courier" pitchFamily="2" charset="0"/>
+              </a:rPr>
+              <a:t>;</a:t>
+            </a:r>
+          </a:p>
+          <a:p>
+            <a:r>
+              <a:rPr lang="en-US" sz="2400" dirty="0">
+                <a:solidFill>
+                  <a:srgbClr val="0070C0"/>
+                </a:solidFill>
+                <a:latin typeface="Courier" pitchFamily="2" charset="0"/>
+              </a:rPr>
+              <a:t>int j = 3;</a:t>
+            </a:r>
+          </a:p>
+          <a:p>
+            <a:r>
+              <a:rPr lang="en-US" sz="2400" dirty="0">
+                <a:solidFill>
+                  <a:srgbClr val="0070C0"/>
+                </a:solidFill>
+                <a:latin typeface="Courier" pitchFamily="2" charset="0"/>
+              </a:rPr>
+              <a:t>…</a:t>
+            </a:r>
+          </a:p>
+          <a:p>
+            <a:r>
+              <a:rPr lang="en-US" sz="2400" dirty="0">
+                <a:solidFill>
+                  <a:srgbClr val="0070C0"/>
+                </a:solidFill>
+                <a:latin typeface="Courier" pitchFamily="2" charset="0"/>
+              </a:rPr>
+              <a:t>if (j &gt; 0) {</a:t>
+            </a:r>
+          </a:p>
+          <a:p>
+            <a:r>
+              <a:rPr lang="en-US" sz="2400" dirty="0">
+                <a:solidFill>
+                  <a:srgbClr val="0070C0"/>
+                </a:solidFill>
+                <a:latin typeface="Courier" pitchFamily="2" charset="0"/>
+              </a:rPr>
+              <a:t>  </a:t>
+            </a:r>
+            <a:r>
+              <a:rPr lang="en-US" sz="2400" dirty="0" err="1">
+                <a:solidFill>
+                  <a:srgbClr val="0070C0"/>
+                </a:solidFill>
+                <a:latin typeface="Courier" pitchFamily="2" charset="0"/>
+              </a:rPr>
+              <a:t>i</a:t>
+            </a:r>
+            <a:r>
+              <a:rPr lang="en-US" sz="2400" dirty="0">
+                <a:solidFill>
+                  <a:srgbClr val="0070C0"/>
+                </a:solidFill>
+                <a:latin typeface="Courier" pitchFamily="2" charset="0"/>
+              </a:rPr>
+              <a:t> = 2;</a:t>
+            </a:r>
+          </a:p>
+          <a:p>
+            <a:r>
+              <a:rPr lang="en-US" sz="2400" dirty="0">
+                <a:solidFill>
+                  <a:srgbClr val="0070C0"/>
+                </a:solidFill>
+                <a:latin typeface="Courier" pitchFamily="2" charset="0"/>
+              </a:rPr>
+              <a:t>}</a:t>
+            </a:r>
+          </a:p>
+          <a:p>
+            <a:r>
+              <a:rPr lang="en-US" sz="2400" dirty="0">
+                <a:solidFill>
+                  <a:srgbClr val="0070C0"/>
+                </a:solidFill>
+                <a:latin typeface="Courier" pitchFamily="2" charset="0"/>
+              </a:rPr>
+              <a:t>…</a:t>
+            </a:r>
+          </a:p>
+          <a:p>
+            <a:r>
+              <a:rPr lang="en-US" sz="2400" dirty="0">
+                <a:solidFill>
+                  <a:srgbClr val="0070C0"/>
+                </a:solidFill>
+                <a:latin typeface="Courier" pitchFamily="2" charset="0"/>
+              </a:rPr>
+              <a:t>if (j &lt; 0) {</a:t>
+            </a:r>
+          </a:p>
+          <a:p>
+            <a:r>
+              <a:rPr lang="en-US" sz="2400" dirty="0">
+                <a:solidFill>
+                  <a:srgbClr val="0070C0"/>
+                </a:solidFill>
+                <a:latin typeface="Courier" pitchFamily="2" charset="0"/>
+              </a:rPr>
+              <a:t> // do something with </a:t>
+            </a:r>
+            <a:r>
+              <a:rPr lang="en-US" sz="2400" dirty="0" err="1">
+                <a:solidFill>
+                  <a:srgbClr val="0070C0"/>
+                </a:solidFill>
+                <a:latin typeface="Courier" pitchFamily="2" charset="0"/>
+              </a:rPr>
+              <a:t>i</a:t>
+            </a:r>
+            <a:endParaRPr lang="en-US" sz="2400" dirty="0">
+              <a:solidFill>
+                <a:srgbClr val="0070C0"/>
+              </a:solidFill>
+              <a:latin typeface="Courier" pitchFamily="2" charset="0"/>
+            </a:endParaRPr>
+          </a:p>
+          <a:p>
+            <a:r>
+              <a:rPr lang="en-US" sz="2400" dirty="0">
+                <a:solidFill>
+                  <a:srgbClr val="0070C0"/>
+                </a:solidFill>
+                <a:latin typeface="Courier" pitchFamily="2" charset="0"/>
+              </a:rPr>
+              <a:t>}</a:t>
+            </a:r>
+          </a:p>
+        </p:txBody>
+      </p:sp>
+      <p:sp>
+        <p:nvSpPr>
+          <p:cNvPr id="7" name="Right Arrow 6">
+            <a:extLst>
+              <a:ext uri="{FF2B5EF4-FFF2-40B4-BE49-F238E27FC236}">
+                <a16:creationId xmlns:a16="http://schemas.microsoft.com/office/drawing/2014/main" id="{BB0EF521-0B1A-A340-A108-9760FEBF9459}"/>
+              </a:ext>
+            </a:extLst>
+          </p:cNvPr>
+          <p:cNvSpPr/>
+          <p:nvPr/>
+        </p:nvSpPr>
+        <p:spPr>
+          <a:xfrm flipV="1">
+            <a:off x="3107871" y="4822371"/>
+            <a:ext cx="3537857" cy="365125"/>
+          </a:xfrm>
+          <a:prstGeom prst="rightArrow">
+            <a:avLst/>
+          </a:prstGeom>
+        </p:spPr>
+        <p:style>
+          <a:lnRef idx="2">
+            <a:schemeClr val="accent1">
+              <a:shade val="50000"/>
+            </a:schemeClr>
+          </a:lnRef>
+          <a:fillRef idx="1">
+            <a:schemeClr val="accent1"/>
+          </a:fillRef>
+          <a:effectRef idx="0">
+            <a:schemeClr val="accent1"/>
+          </a:effectRef>
+          <a:fontRef idx="minor">
+            <a:schemeClr val="lt1"/>
+          </a:fontRef>
+        </p:style>
+        <p:txBody>
+          <a:bodyPr rtlCol="0" anchor="ctr"/>
+          <a:lstStyle/>
+          <a:p>
+            <a:pPr algn="ctr"/>
+            <a:endParaRPr lang="en-US"/>
+          </a:p>
+        </p:txBody>
+      </p:sp>
+      <p:sp>
+        <p:nvSpPr>
+          <p:cNvPr id="8" name="Curved Left Arrow 7">
+            <a:extLst>
+              <a:ext uri="{FF2B5EF4-FFF2-40B4-BE49-F238E27FC236}">
+                <a16:creationId xmlns:a16="http://schemas.microsoft.com/office/drawing/2014/main" id="{6C11F85B-94B2-C44C-B9C9-B8557787938C}"/>
+              </a:ext>
+            </a:extLst>
+          </p:cNvPr>
+          <p:cNvSpPr/>
+          <p:nvPr/>
+        </p:nvSpPr>
+        <p:spPr>
+          <a:xfrm>
+            <a:off x="8425544" y="1926772"/>
+            <a:ext cx="1469570" cy="1791680"/>
+          </a:xfrm>
+          <a:prstGeom prst="curvedLeftArrow">
+            <a:avLst>
+              <a:gd name="adj1" fmla="val 6889"/>
+              <a:gd name="adj2" fmla="val 26905"/>
+              <a:gd name="adj3" fmla="val 21296"/>
+            </a:avLst>
+          </a:prstGeom>
+        </p:spPr>
+        <p:style>
+          <a:lnRef idx="2">
+            <a:schemeClr val="accent1">
+              <a:shade val="50000"/>
+            </a:schemeClr>
+          </a:lnRef>
+          <a:fillRef idx="1">
+            <a:schemeClr val="accent1"/>
+          </a:fillRef>
+          <a:effectRef idx="0">
+            <a:schemeClr val="accent1"/>
+          </a:effectRef>
+          <a:fontRef idx="minor">
+            <a:schemeClr val="lt1"/>
+          </a:fontRef>
+        </p:style>
+        <p:txBody>
+          <a:bodyPr rtlCol="0" anchor="ctr"/>
+          <a:lstStyle/>
+          <a:p>
+            <a:pPr algn="ctr"/>
+            <a:endParaRPr lang="en-US">
+              <a:solidFill>
+                <a:schemeClr val="tx1"/>
+              </a:solidFill>
+            </a:endParaRPr>
+          </a:p>
+        </p:txBody>
+      </p:sp>
+      <p:sp>
+        <p:nvSpPr>
+          <p:cNvPr id="9" name="TextBox 8">
+            <a:extLst>
+              <a:ext uri="{FF2B5EF4-FFF2-40B4-BE49-F238E27FC236}">
+                <a16:creationId xmlns:a16="http://schemas.microsoft.com/office/drawing/2014/main" id="{BA502A34-7400-6D46-B683-BB9979F4EF39}"/>
+              </a:ext>
+            </a:extLst>
+          </p:cNvPr>
+          <p:cNvSpPr txBox="1"/>
+          <p:nvPr/>
+        </p:nvSpPr>
+        <p:spPr>
+          <a:xfrm>
+            <a:off x="9943667" y="2231572"/>
+            <a:ext cx="540533" cy="1015663"/>
+          </a:xfrm>
+          <a:prstGeom prst="rect">
+            <a:avLst/>
+          </a:prstGeom>
+          <a:noFill/>
+        </p:spPr>
+        <p:txBody>
+          <a:bodyPr wrap="none" rtlCol="0">
+            <a:spAutoFit/>
+          </a:bodyPr>
+          <a:lstStyle/>
+          <a:p>
+            <a:r>
+              <a:rPr lang="en-US" sz="6000" dirty="0">
+                <a:solidFill>
+                  <a:srgbClr val="0070C0"/>
+                </a:solidFill>
+              </a:rPr>
+              <a:t>?</a:t>
+            </a:r>
+          </a:p>
+        </p:txBody>
+      </p:sp>
+      <p:cxnSp>
+        <p:nvCxnSpPr>
+          <p:cNvPr id="11" name="Straight Arrow Connector 10">
+            <a:extLst>
+              <a:ext uri="{FF2B5EF4-FFF2-40B4-BE49-F238E27FC236}">
+                <a16:creationId xmlns:a16="http://schemas.microsoft.com/office/drawing/2014/main" id="{97D12209-7229-9249-B6F2-FD8DA6E0019A}"/>
+              </a:ext>
+            </a:extLst>
+          </p:cNvPr>
+          <p:cNvCxnSpPr>
+            <a:cxnSpLocks/>
+          </p:cNvCxnSpPr>
+          <p:nvPr/>
+        </p:nvCxnSpPr>
+        <p:spPr>
+          <a:xfrm>
+            <a:off x="7489371" y="3718451"/>
+            <a:ext cx="468086" cy="1103920"/>
+          </a:xfrm>
+          <a:prstGeom prst="straightConnector1">
+            <a:avLst/>
+          </a:prstGeom>
+          <a:ln w="76200">
+            <a:solidFill>
+              <a:srgbClr val="FF0000"/>
+            </a:solidFill>
+            <a:tailEnd type="triangle"/>
+          </a:ln>
+        </p:spPr>
+        <p:style>
+          <a:lnRef idx="1">
+            <a:schemeClr val="accent1"/>
+          </a:lnRef>
+          <a:fillRef idx="0">
+            <a:schemeClr val="accent1"/>
+          </a:fillRef>
+          <a:effectRef idx="0">
+            <a:schemeClr val="accent1"/>
+          </a:effectRef>
+          <a:fontRef idx="minor">
+            <a:schemeClr val="tx1"/>
+          </a:fontRef>
+        </p:style>
+      </p:cxnSp>
+      <p:sp>
+        <p:nvSpPr>
+          <p:cNvPr id="13" name="Oval 12">
+            <a:extLst>
+              <a:ext uri="{FF2B5EF4-FFF2-40B4-BE49-F238E27FC236}">
+                <a16:creationId xmlns:a16="http://schemas.microsoft.com/office/drawing/2014/main" id="{86F524C7-B423-284F-A4F0-A38F7E1CD38A}"/>
+              </a:ext>
+            </a:extLst>
+          </p:cNvPr>
+          <p:cNvSpPr/>
+          <p:nvPr/>
+        </p:nvSpPr>
+        <p:spPr>
+          <a:xfrm>
+            <a:off x="6455229" y="1690688"/>
+            <a:ext cx="1828800" cy="540884"/>
+          </a:xfrm>
+          <a:prstGeom prst="ellipse">
+            <a:avLst/>
+          </a:prstGeom>
+          <a:noFill/>
+          <a:ln w="38100">
+            <a:solidFill>
+              <a:srgbClr val="FF0000"/>
+            </a:solidFill>
+          </a:ln>
+        </p:spPr>
+        <p:style>
+          <a:lnRef idx="2">
+            <a:schemeClr val="accent1">
+              <a:shade val="50000"/>
+            </a:schemeClr>
+          </a:lnRef>
+          <a:fillRef idx="1">
+            <a:schemeClr val="accent1"/>
+          </a:fillRef>
+          <a:effectRef idx="0">
+            <a:schemeClr val="accent1"/>
+          </a:effectRef>
+          <a:fontRef idx="minor">
+            <a:schemeClr val="lt1"/>
+          </a:fontRef>
+        </p:style>
+        <p:txBody>
+          <a:bodyPr rtlCol="0" anchor="ctr"/>
+          <a:lstStyle/>
+          <a:p>
+            <a:pPr algn="ctr"/>
+            <a:endParaRPr lang="en-US"/>
+          </a:p>
+        </p:txBody>
+      </p:sp>
+    </p:spTree>
+    <p:extLst>
+      <p:ext uri="{BB962C8B-B14F-4D97-AF65-F5344CB8AC3E}">
+        <p14:creationId xmlns:p14="http://schemas.microsoft.com/office/powerpoint/2010/main" val="3641483226"/>
+      </p:ext>
+    </p:extLst>
+  </p:cSld>
+  <p:clrMapOvr>
+    <a:masterClrMapping/>
+  </p:clrMapOvr>
+</p:sld>
+</file>
+
+<file path=ppt/slides/slide21.xml><?xml version="1.0" encoding="utf-8"?>
+<p:sld xmlns:a="http://schemas.openxmlformats.org/drawingml/2006/main" xmlns:r="http://schemas.openxmlformats.org/officeDocument/2006/relationships" xmlns:p="http://schemas.openxmlformats.org/presentationml/2006/main">
+  <p:cSld>
+    <p:spTree>
+      <p:nvGrpSpPr>
+        <p:cNvPr id="1" name=""/>
+        <p:cNvGrpSpPr/>
+        <p:nvPr/>
+      </p:nvGrpSpPr>
+      <p:grpSpPr>
+        <a:xfrm>
+          <a:off x="0" y="0"/>
+          <a:ext cx="0" cy="0"/>
+          <a:chOff x="0" y="0"/>
+          <a:chExt cx="0" cy="0"/>
+        </a:xfrm>
+      </p:grpSpPr>
+      <p:sp>
+        <p:nvSpPr>
+          <p:cNvPr id="2" name="Title 1">
+            <a:extLst>
+              <a:ext uri="{FF2B5EF4-FFF2-40B4-BE49-F238E27FC236}">
+                <a16:creationId xmlns:a16="http://schemas.microsoft.com/office/drawing/2014/main" id="{49C09EDC-77AB-6C4B-986A-95427D5EE8CB}"/>
+              </a:ext>
+            </a:extLst>
+          </p:cNvPr>
+          <p:cNvSpPr>
+            <a:spLocks noGrp="1"/>
+          </p:cNvSpPr>
+          <p:nvPr>
+            <p:ph type="title"/>
+          </p:nvPr>
+        </p:nvSpPr>
+        <p:spPr/>
+        <p:txBody>
+          <a:bodyPr/>
+          <a:lstStyle/>
+          <a:p>
+            <a:r>
+              <a:rPr lang="en-US" dirty="0"/>
+              <a:t>Ordering in Expressions</a:t>
+            </a:r>
+          </a:p>
+        </p:txBody>
+      </p:sp>
+      <p:sp>
+        <p:nvSpPr>
+          <p:cNvPr id="3" name="Content Placeholder 2">
+            <a:extLst>
+              <a:ext uri="{FF2B5EF4-FFF2-40B4-BE49-F238E27FC236}">
+                <a16:creationId xmlns:a16="http://schemas.microsoft.com/office/drawing/2014/main" id="{4909DEF4-5CEC-A94A-BE1C-D0E93E09F8D2}"/>
+              </a:ext>
+            </a:extLst>
+          </p:cNvPr>
+          <p:cNvSpPr>
+            <a:spLocks noGrp="1"/>
+          </p:cNvSpPr>
+          <p:nvPr>
+            <p:ph idx="1"/>
+          </p:nvPr>
+        </p:nvSpPr>
+        <p:spPr>
+          <a:xfrm>
+            <a:off x="489857" y="1690688"/>
+            <a:ext cx="7315200" cy="4351338"/>
+          </a:xfrm>
+        </p:spPr>
+        <p:txBody>
+          <a:bodyPr>
+            <a:normAutofit lnSpcReduction="10000"/>
+          </a:bodyPr>
+          <a:lstStyle/>
+          <a:p>
+            <a:pPr>
+              <a:lnSpc>
+                <a:spcPct val="120000"/>
+              </a:lnSpc>
+            </a:pPr>
+            <a:r>
+              <a:rPr lang="en-US" sz="2200" dirty="0"/>
+              <a:t>Precedence and associativity define order in which binary infix operators are evaluated</a:t>
+            </a:r>
+          </a:p>
+          <a:p>
+            <a:pPr lvl="1">
+              <a:lnSpc>
+                <a:spcPct val="120000"/>
+              </a:lnSpc>
+            </a:pPr>
+            <a:r>
+              <a:rPr lang="en-US" sz="2200" dirty="0"/>
+              <a:t>Do not necessarily specify orders in which operands are evaluated</a:t>
+            </a:r>
+          </a:p>
+          <a:p>
+            <a:pPr>
+              <a:lnSpc>
+                <a:spcPct val="120000"/>
+              </a:lnSpc>
+            </a:pPr>
+            <a:r>
+              <a:rPr lang="en-US" sz="2200" dirty="0"/>
+              <a:t>Example 1:  a – g(b) – c * d </a:t>
+            </a:r>
+          </a:p>
+          <a:p>
+            <a:pPr>
+              <a:lnSpc>
+                <a:spcPct val="120000"/>
+              </a:lnSpc>
+            </a:pPr>
+            <a:r>
+              <a:rPr lang="en-US" sz="2200" dirty="0"/>
+              <a:t>Equivalent to :  ( a – g(b)) - (c * d)</a:t>
+            </a:r>
+          </a:p>
+          <a:p>
+            <a:pPr>
+              <a:lnSpc>
+                <a:spcPct val="120000"/>
+              </a:lnSpc>
+            </a:pPr>
+            <a:r>
+              <a:rPr lang="en-US" sz="2200" dirty="0"/>
+              <a:t>But: which one is evaluated first: (a – g(b)) or (c * d)</a:t>
+            </a:r>
+          </a:p>
+          <a:p>
+            <a:pPr>
+              <a:lnSpc>
+                <a:spcPct val="120000"/>
+              </a:lnSpc>
+            </a:pPr>
+            <a:r>
+              <a:rPr lang="en-US" sz="2200" dirty="0"/>
+              <a:t>Example 2: f(a, g(b), h(c))</a:t>
+            </a:r>
+          </a:p>
+          <a:p>
+            <a:pPr>
+              <a:lnSpc>
+                <a:spcPct val="120000"/>
+              </a:lnSpc>
+            </a:pPr>
+            <a:r>
+              <a:rPr lang="en-US" sz="2200" dirty="0"/>
+              <a:t>In which order are the arguments evaluated?</a:t>
+            </a:r>
+          </a:p>
+        </p:txBody>
+      </p:sp>
+      <p:sp>
+        <p:nvSpPr>
+          <p:cNvPr id="4" name="Footer Placeholder 3">
+            <a:extLst>
+              <a:ext uri="{FF2B5EF4-FFF2-40B4-BE49-F238E27FC236}">
+                <a16:creationId xmlns:a16="http://schemas.microsoft.com/office/drawing/2014/main" id="{ADAFF087-ED0B-404E-BCAE-AF5DF0CD49C1}"/>
+              </a:ext>
+            </a:extLst>
+          </p:cNvPr>
+          <p:cNvSpPr>
+            <a:spLocks noGrp="1"/>
+          </p:cNvSpPr>
+          <p:nvPr>
+            <p:ph type="ftr" sz="quarter" idx="11"/>
+          </p:nvPr>
+        </p:nvSpPr>
+        <p:spPr/>
+        <p:txBody>
+          <a:bodyPr/>
+          <a:lstStyle/>
+          <a:p>
+            <a:r>
+              <a:rPr lang="en-US"/>
+              <a:t>Principles of Programming Languages</a:t>
+            </a:r>
+          </a:p>
+        </p:txBody>
+      </p:sp>
+      <p:sp>
+        <p:nvSpPr>
+          <p:cNvPr id="5" name="Slide Number Placeholder 4">
+            <a:extLst>
+              <a:ext uri="{FF2B5EF4-FFF2-40B4-BE49-F238E27FC236}">
+                <a16:creationId xmlns:a16="http://schemas.microsoft.com/office/drawing/2014/main" id="{DB390BA3-7418-8045-B9AD-2A8C7F59CAE9}"/>
+              </a:ext>
+            </a:extLst>
+          </p:cNvPr>
+          <p:cNvSpPr>
+            <a:spLocks noGrp="1"/>
+          </p:cNvSpPr>
+          <p:nvPr>
+            <p:ph type="sldNum" sz="quarter" idx="12"/>
+          </p:nvPr>
+        </p:nvSpPr>
+        <p:spPr/>
+        <p:txBody>
+          <a:bodyPr/>
+          <a:lstStyle/>
+          <a:p>
+            <a:fld id="{ABC98F02-4831-DB41-B2A1-83D581DBC9B9}" type="slidenum">
+              <a:rPr lang="en-US" smtClean="0"/>
+              <a:t>21</a:t>
+            </a:fld>
+            <a:endParaRPr lang="en-US"/>
+          </a:p>
+        </p:txBody>
+      </p:sp>
+      <p:sp>
+        <p:nvSpPr>
+          <p:cNvPr id="6" name="Content Placeholder 2">
+            <a:extLst>
+              <a:ext uri="{FF2B5EF4-FFF2-40B4-BE49-F238E27FC236}">
+                <a16:creationId xmlns:a16="http://schemas.microsoft.com/office/drawing/2014/main" id="{7F1984C0-BF30-254C-8079-E0D46AE27EA1}"/>
+              </a:ext>
+            </a:extLst>
+          </p:cNvPr>
+          <p:cNvSpPr txBox="1">
+            <a:spLocks/>
+          </p:cNvSpPr>
+          <p:nvPr/>
+        </p:nvSpPr>
+        <p:spPr>
+          <a:xfrm>
+            <a:off x="8305800" y="1690688"/>
+            <a:ext cx="3047999" cy="4351338"/>
+          </a:xfrm>
+          <a:prstGeom prst="rect">
+            <a:avLst/>
+          </a:prstGeom>
+        </p:spPr>
+        <p:txBody>
+          <a:bodyPr vert="horz" lIns="91440" tIns="45720" rIns="91440" bIns="45720" rtlCol="0">
+            <a:normAutofit lnSpcReduction="10000"/>
+          </a:bodyPr>
+          <a:lstStyle>
+            <a:lvl1pPr marL="228600" indent="-228600" algn="l" defTabSz="914400" rtl="0" eaLnBrk="1" latinLnBrk="0" hangingPunct="1">
+              <a:lnSpc>
+                <a:spcPct val="90000"/>
+              </a:lnSpc>
+              <a:spcBef>
+                <a:spcPts val="1000"/>
+              </a:spcBef>
+              <a:buFont typeface="Arial" panose="020B0604020202020204" pitchFamily="34" charset="0"/>
+              <a:buChar char="•"/>
+              <a:defRPr sz="2800" kern="1200">
+                <a:solidFill>
+                  <a:schemeClr val="tx1"/>
+                </a:solidFill>
+                <a:latin typeface="+mn-lt"/>
+                <a:ea typeface="+mn-ea"/>
+                <a:cs typeface="+mn-cs"/>
+              </a:defRPr>
+            </a:lvl1pPr>
+            <a:lvl2pPr marL="685800" indent="-228600" algn="l" defTabSz="914400" rtl="0" eaLnBrk="1" latinLnBrk="0" hangingPunct="1">
+              <a:lnSpc>
+                <a:spcPct val="90000"/>
+              </a:lnSpc>
+              <a:spcBef>
+                <a:spcPts val="500"/>
+              </a:spcBef>
+              <a:buFont typeface="Arial" panose="020B0604020202020204" pitchFamily="34" charset="0"/>
+              <a:buChar char="•"/>
+              <a:defRPr sz="2400" kern="1200">
+                <a:solidFill>
+                  <a:schemeClr val="tx1"/>
+                </a:solidFill>
+                <a:latin typeface="+mn-lt"/>
+                <a:ea typeface="+mn-ea"/>
+                <a:cs typeface="+mn-cs"/>
+              </a:defRPr>
+            </a:lvl2pPr>
+            <a:lvl3pPr marL="1143000" indent="-228600" algn="l" defTabSz="914400" rtl="0" eaLnBrk="1" latinLnBrk="0" hangingPunct="1">
+              <a:lnSpc>
+                <a:spcPct val="90000"/>
+              </a:lnSpc>
+              <a:spcBef>
+                <a:spcPts val="500"/>
+              </a:spcBef>
+              <a:buFont typeface="Arial" panose="020B0604020202020204" pitchFamily="34" charset="0"/>
+              <a:buChar char="•"/>
+              <a:defRPr sz="2000" kern="1200">
+                <a:solidFill>
+                  <a:schemeClr val="tx1"/>
+                </a:solidFill>
+                <a:latin typeface="+mn-lt"/>
+                <a:ea typeface="+mn-ea"/>
+                <a:cs typeface="+mn-cs"/>
+              </a:defRPr>
+            </a:lvl3pPr>
+            <a:lvl4pPr marL="1600200" indent="-228600" algn="l" defTabSz="914400" rtl="0" eaLnBrk="1" latinLnBrk="0" hangingPunct="1">
+              <a:lnSpc>
+                <a:spcPct val="90000"/>
+              </a:lnSpc>
+              <a:spcBef>
+                <a:spcPts val="500"/>
+              </a:spcBef>
+              <a:buFont typeface="Arial" panose="020B0604020202020204" pitchFamily="34" charset="0"/>
+              <a:buChar char="•"/>
+              <a:defRPr sz="1800" kern="1200">
+                <a:solidFill>
+                  <a:schemeClr val="tx1"/>
+                </a:solidFill>
+                <a:latin typeface="+mn-lt"/>
+                <a:ea typeface="+mn-ea"/>
+                <a:cs typeface="+mn-cs"/>
+              </a:defRPr>
+            </a:lvl4pPr>
+            <a:lvl5pPr marL="2057400" indent="-228600" algn="l" defTabSz="914400" rtl="0" eaLnBrk="1" latinLnBrk="0" hangingPunct="1">
+              <a:lnSpc>
+                <a:spcPct val="90000"/>
+              </a:lnSpc>
+              <a:spcBef>
+                <a:spcPts val="500"/>
+              </a:spcBef>
+              <a:buFont typeface="Arial" panose="020B0604020202020204" pitchFamily="34" charset="0"/>
+              <a:buChar char="•"/>
+              <a:defRPr sz="1800" kern="1200">
+                <a:solidFill>
+                  <a:schemeClr val="tx1"/>
+                </a:solidFill>
+                <a:latin typeface="+mn-lt"/>
+                <a:ea typeface="+mn-ea"/>
+                <a:cs typeface="+mn-cs"/>
+              </a:defRPr>
+            </a:lvl5pPr>
+            <a:lvl6pPr marL="2514600" indent="-228600" algn="l" defTabSz="914400" rtl="0" eaLnBrk="1" latinLnBrk="0" hangingPunct="1">
+              <a:lnSpc>
+                <a:spcPct val="90000"/>
+              </a:lnSpc>
+              <a:spcBef>
+                <a:spcPts val="500"/>
+              </a:spcBef>
+              <a:buFont typeface="Arial" panose="020B0604020202020204" pitchFamily="34" charset="0"/>
+              <a:buChar char="•"/>
+              <a:defRPr sz="1800" kern="1200">
+                <a:solidFill>
+                  <a:schemeClr val="tx1"/>
+                </a:solidFill>
+                <a:latin typeface="+mn-lt"/>
+                <a:ea typeface="+mn-ea"/>
+                <a:cs typeface="+mn-cs"/>
+              </a:defRPr>
+            </a:lvl6pPr>
+            <a:lvl7pPr marL="2971800" indent="-228600" algn="l" defTabSz="914400" rtl="0" eaLnBrk="1" latinLnBrk="0" hangingPunct="1">
+              <a:lnSpc>
+                <a:spcPct val="90000"/>
+              </a:lnSpc>
+              <a:spcBef>
+                <a:spcPts val="500"/>
+              </a:spcBef>
+              <a:buFont typeface="Arial" panose="020B0604020202020204" pitchFamily="34" charset="0"/>
+              <a:buChar char="•"/>
+              <a:defRPr sz="1800" kern="1200">
+                <a:solidFill>
+                  <a:schemeClr val="tx1"/>
+                </a:solidFill>
+                <a:latin typeface="+mn-lt"/>
+                <a:ea typeface="+mn-ea"/>
+                <a:cs typeface="+mn-cs"/>
+              </a:defRPr>
+            </a:lvl7pPr>
+            <a:lvl8pPr marL="3429000" indent="-228600" algn="l" defTabSz="914400" rtl="0" eaLnBrk="1" latinLnBrk="0" hangingPunct="1">
+              <a:lnSpc>
+                <a:spcPct val="90000"/>
+              </a:lnSpc>
+              <a:spcBef>
+                <a:spcPts val="500"/>
+              </a:spcBef>
+              <a:buFont typeface="Arial" panose="020B0604020202020204" pitchFamily="34" charset="0"/>
+              <a:buChar char="•"/>
+              <a:defRPr sz="1800" kern="1200">
+                <a:solidFill>
+                  <a:schemeClr val="tx1"/>
+                </a:solidFill>
+                <a:latin typeface="+mn-lt"/>
+                <a:ea typeface="+mn-ea"/>
+                <a:cs typeface="+mn-cs"/>
+              </a:defRPr>
+            </a:lvl8pPr>
+            <a:lvl9pPr marL="3886200" indent="-228600" algn="l" defTabSz="914400" rtl="0" eaLnBrk="1" latinLnBrk="0" hangingPunct="1">
+              <a:lnSpc>
+                <a:spcPct val="90000"/>
+              </a:lnSpc>
+              <a:spcBef>
+                <a:spcPts val="500"/>
+              </a:spcBef>
+              <a:buFont typeface="Arial" panose="020B0604020202020204" pitchFamily="34" charset="0"/>
+              <a:buChar char="•"/>
+              <a:defRPr sz="1800" kern="1200">
+                <a:solidFill>
+                  <a:schemeClr val="tx1"/>
+                </a:solidFill>
+                <a:latin typeface="+mn-lt"/>
+                <a:ea typeface="+mn-ea"/>
+                <a:cs typeface="+mn-cs"/>
+              </a:defRPr>
+            </a:lvl9pPr>
+          </a:lstStyle>
+          <a:p>
+            <a:pPr>
+              <a:lnSpc>
+                <a:spcPct val="120000"/>
+              </a:lnSpc>
+            </a:pPr>
+            <a:r>
+              <a:rPr lang="en-US" sz="2200" dirty="0"/>
+              <a:t>This is important because of:</a:t>
+            </a:r>
+          </a:p>
+          <a:p>
+            <a:pPr lvl="1">
+              <a:lnSpc>
+                <a:spcPct val="120000"/>
+              </a:lnSpc>
+            </a:pPr>
+            <a:r>
+              <a:rPr lang="en-US" sz="2200" dirty="0"/>
+              <a:t>side effects</a:t>
+            </a:r>
+          </a:p>
+          <a:p>
+            <a:pPr lvl="1">
+              <a:lnSpc>
+                <a:spcPct val="120000"/>
+              </a:lnSpc>
+            </a:pPr>
+            <a:r>
+              <a:rPr lang="en-US" sz="2200" dirty="0"/>
+              <a:t>Code speed</a:t>
+            </a:r>
+          </a:p>
+          <a:p>
+            <a:pPr>
+              <a:lnSpc>
+                <a:spcPct val="120000"/>
+              </a:lnSpc>
+            </a:pPr>
+            <a:r>
+              <a:rPr lang="en-US" sz="2200" dirty="0"/>
+              <a:t>Usually this is “implementation dependent”</a:t>
+            </a:r>
+          </a:p>
+          <a:p>
+            <a:pPr>
+              <a:lnSpc>
+                <a:spcPct val="120000"/>
+              </a:lnSpc>
+            </a:pPr>
+            <a:r>
+              <a:rPr lang="en-US" sz="2200" dirty="0"/>
+              <a:t>Java and C# evaluate arguments from left to right</a:t>
+            </a:r>
+          </a:p>
+        </p:txBody>
+      </p:sp>
+    </p:spTree>
+    <p:extLst>
+      <p:ext uri="{BB962C8B-B14F-4D97-AF65-F5344CB8AC3E}">
+        <p14:creationId xmlns:p14="http://schemas.microsoft.com/office/powerpoint/2010/main" val="2613287111"/>
+      </p:ext>
+    </p:extLst>
+  </p:cSld>
+  <p:clrMapOvr>
+    <a:masterClrMapping/>
+  </p:clrMapOvr>
+</p:sld>
+</file>
+
+<file path=ppt/slides/slide22.xml><?xml version="1.0" encoding="utf-8"?>
+<p:sld xmlns:a="http://schemas.openxmlformats.org/drawingml/2006/main" xmlns:r="http://schemas.openxmlformats.org/officeDocument/2006/relationships" xmlns:p="http://schemas.openxmlformats.org/presentationml/2006/main">
+  <p:cSld>
+    <p:spTree>
+      <p:nvGrpSpPr>
+        <p:cNvPr id="1" name=""/>
+        <p:cNvGrpSpPr/>
+        <p:nvPr/>
+      </p:nvGrpSpPr>
+      <p:grpSpPr>
+        <a:xfrm>
+          <a:off x="0" y="0"/>
+          <a:ext cx="0" cy="0"/>
+          <a:chOff x="0" y="0"/>
+          <a:chExt cx="0" cy="0"/>
+        </a:xfrm>
+      </p:grpSpPr>
+      <p:sp>
+        <p:nvSpPr>
+          <p:cNvPr id="2" name="Title 1">
+            <a:extLst>
+              <a:ext uri="{FF2B5EF4-FFF2-40B4-BE49-F238E27FC236}">
+                <a16:creationId xmlns:a16="http://schemas.microsoft.com/office/drawing/2014/main" id="{5726F864-D44C-7241-95F9-888A9D1472D2}"/>
+              </a:ext>
+            </a:extLst>
+          </p:cNvPr>
+          <p:cNvSpPr>
+            <a:spLocks noGrp="1"/>
+          </p:cNvSpPr>
+          <p:nvPr>
+            <p:ph type="title"/>
+          </p:nvPr>
+        </p:nvSpPr>
+        <p:spPr/>
+        <p:txBody>
+          <a:bodyPr/>
+          <a:lstStyle/>
+          <a:p>
+            <a:r>
+              <a:rPr lang="en-US" dirty="0"/>
+              <a:t>Short-Circuit Evaluation</a:t>
+            </a:r>
+          </a:p>
+        </p:txBody>
+      </p:sp>
+      <p:sp>
+        <p:nvSpPr>
+          <p:cNvPr id="3" name="Content Placeholder 2">
+            <a:extLst>
+              <a:ext uri="{FF2B5EF4-FFF2-40B4-BE49-F238E27FC236}">
+                <a16:creationId xmlns:a16="http://schemas.microsoft.com/office/drawing/2014/main" id="{34CEF3F2-9A4F-B847-9D90-C3282E10B2CF}"/>
+              </a:ext>
+            </a:extLst>
+          </p:cNvPr>
+          <p:cNvSpPr>
+            <a:spLocks noGrp="1"/>
+          </p:cNvSpPr>
+          <p:nvPr>
+            <p:ph idx="1"/>
+          </p:nvPr>
+        </p:nvSpPr>
+        <p:spPr>
+          <a:xfrm>
+            <a:off x="696686" y="1597025"/>
+            <a:ext cx="5018314" cy="4351338"/>
+          </a:xfrm>
+        </p:spPr>
+        <p:txBody>
+          <a:bodyPr>
+            <a:noAutofit/>
+          </a:bodyPr>
+          <a:lstStyle/>
+          <a:p>
+            <a:pPr marL="0" indent="0">
+              <a:buNone/>
+            </a:pPr>
+            <a:r>
+              <a:rPr lang="en-US" sz="2200" dirty="0"/>
+              <a:t>Consider:</a:t>
+            </a:r>
+          </a:p>
+          <a:p>
+            <a:r>
+              <a:rPr lang="en-US" sz="2200" dirty="0"/>
+              <a:t>if (a &lt; b &amp;&amp; b &lt; c) { …}</a:t>
+            </a:r>
+          </a:p>
+          <a:p>
+            <a:r>
+              <a:rPr lang="en-US" sz="2200" dirty="0"/>
+              <a:t>for (</a:t>
+            </a:r>
+            <a:r>
+              <a:rPr lang="en-US" sz="2200" dirty="0" err="1"/>
+              <a:t>i</a:t>
+            </a:r>
+            <a:r>
+              <a:rPr lang="en-US" sz="2200" dirty="0"/>
+              <a:t> = 0; </a:t>
+            </a:r>
+            <a:r>
+              <a:rPr lang="en-US" sz="2200" dirty="0" err="1"/>
+              <a:t>i</a:t>
+            </a:r>
+            <a:r>
+              <a:rPr lang="en-US" sz="2200" dirty="0"/>
+              <a:t> &lt; N &amp;&amp; A[</a:t>
+            </a:r>
+            <a:r>
+              <a:rPr lang="en-US" sz="2200" dirty="0" err="1"/>
+              <a:t>i</a:t>
+            </a:r>
+            <a:r>
+              <a:rPr lang="en-US" sz="2200" dirty="0"/>
+              <a:t>] != NULL; </a:t>
+            </a:r>
+            <a:r>
+              <a:rPr lang="en-US" sz="2200" dirty="0" err="1"/>
+              <a:t>i</a:t>
+            </a:r>
+            <a:r>
+              <a:rPr lang="en-US" sz="2200" dirty="0"/>
+              <a:t>++)</a:t>
+            </a:r>
+          </a:p>
+          <a:p>
+            <a:r>
+              <a:rPr lang="en-US" sz="2200" dirty="0"/>
+              <a:t>for (</a:t>
+            </a:r>
+            <a:r>
+              <a:rPr lang="en-US" sz="2200" dirty="0" err="1"/>
+              <a:t>i</a:t>
+            </a:r>
+            <a:r>
+              <a:rPr lang="en-US" sz="2200" dirty="0"/>
+              <a:t> = 0; A[</a:t>
+            </a:r>
+            <a:r>
+              <a:rPr lang="en-US" sz="2200" dirty="0" err="1"/>
+              <a:t>i</a:t>
+            </a:r>
+            <a:r>
+              <a:rPr lang="en-US" sz="2200" dirty="0"/>
+              <a:t>] != NULL &amp;&amp; </a:t>
+            </a:r>
+            <a:r>
+              <a:rPr lang="en-US" sz="2200" dirty="0" err="1"/>
+              <a:t>i</a:t>
+            </a:r>
+            <a:r>
+              <a:rPr lang="en-US" sz="2200" dirty="0"/>
+              <a:t> &lt; N; </a:t>
+            </a:r>
+            <a:r>
+              <a:rPr lang="en-US" sz="2200" dirty="0" err="1"/>
+              <a:t>i</a:t>
+            </a:r>
+            <a:r>
+              <a:rPr lang="en-US" sz="2200" dirty="0"/>
+              <a:t>++)</a:t>
+            </a:r>
+          </a:p>
+          <a:p>
+            <a:pPr marL="0" indent="0">
+              <a:buNone/>
+            </a:pPr>
+            <a:r>
+              <a:rPr lang="en-US" sz="2200" dirty="0"/>
+              <a:t>Idea: avoid unnecessary work</a:t>
+            </a:r>
+          </a:p>
+          <a:p>
+            <a:pPr marL="0" indent="0">
+              <a:buNone/>
+            </a:pPr>
+            <a:r>
+              <a:rPr lang="en-US" sz="2200" dirty="0"/>
+              <a:t>Problem: some of the leftover work could desired side effects</a:t>
+            </a:r>
+          </a:p>
+          <a:p>
+            <a:pPr marL="0" indent="0">
+              <a:buNone/>
+            </a:pPr>
+            <a:r>
+              <a:rPr lang="en-US" sz="2200" dirty="0"/>
+              <a:t>Example: while ( a = </a:t>
+            </a:r>
+            <a:r>
+              <a:rPr lang="en-US" sz="2200" dirty="0" err="1"/>
+              <a:t>my_function</a:t>
+            </a:r>
+            <a:r>
+              <a:rPr lang="en-US" sz="2200" dirty="0"/>
+              <a:t>(</a:t>
+            </a:r>
+            <a:r>
+              <a:rPr lang="en-US" sz="2200" dirty="0" err="1"/>
+              <a:t>x,a</a:t>
+            </a:r>
+            <a:r>
+              <a:rPr lang="en-US" sz="2200" dirty="0"/>
+              <a:t>) &amp;&amp; x++) { … }</a:t>
+            </a:r>
+          </a:p>
+          <a:p>
+            <a:pPr marL="0" indent="0">
+              <a:buNone/>
+            </a:pPr>
+            <a:r>
+              <a:rPr lang="en-US" sz="2200" dirty="0"/>
+              <a:t>Language dependent</a:t>
+            </a:r>
+          </a:p>
+          <a:p>
+            <a:pPr marL="0" indent="0">
+              <a:buNone/>
+            </a:pPr>
+            <a:r>
+              <a:rPr lang="en-US" sz="2200" dirty="0"/>
+              <a:t>Some languages (I didn’t know this) might have dedicated operators for short-circuit</a:t>
+            </a:r>
+          </a:p>
+        </p:txBody>
+      </p:sp>
+      <p:sp>
+        <p:nvSpPr>
+          <p:cNvPr id="4" name="Footer Placeholder 3">
+            <a:extLst>
+              <a:ext uri="{FF2B5EF4-FFF2-40B4-BE49-F238E27FC236}">
+                <a16:creationId xmlns:a16="http://schemas.microsoft.com/office/drawing/2014/main" id="{055D083A-E6FF-B241-B9D9-397A49BC1231}"/>
+              </a:ext>
+            </a:extLst>
+          </p:cNvPr>
+          <p:cNvSpPr>
+            <a:spLocks noGrp="1"/>
+          </p:cNvSpPr>
+          <p:nvPr>
+            <p:ph type="ftr" sz="quarter" idx="11"/>
+          </p:nvPr>
+        </p:nvSpPr>
+        <p:spPr/>
+        <p:txBody>
+          <a:bodyPr/>
+          <a:lstStyle/>
+          <a:p>
+            <a:r>
+              <a:rPr lang="en-US"/>
+              <a:t>Principles of Programming Languages</a:t>
+            </a:r>
+          </a:p>
+        </p:txBody>
+      </p:sp>
+      <p:sp>
+        <p:nvSpPr>
+          <p:cNvPr id="5" name="Slide Number Placeholder 4">
+            <a:extLst>
+              <a:ext uri="{FF2B5EF4-FFF2-40B4-BE49-F238E27FC236}">
+                <a16:creationId xmlns:a16="http://schemas.microsoft.com/office/drawing/2014/main" id="{37FE65D3-7D72-C447-AE0F-DA7BE4E12D36}"/>
+              </a:ext>
+            </a:extLst>
+          </p:cNvPr>
+          <p:cNvSpPr>
+            <a:spLocks noGrp="1"/>
+          </p:cNvSpPr>
+          <p:nvPr>
+            <p:ph type="sldNum" sz="quarter" idx="12"/>
+          </p:nvPr>
+        </p:nvSpPr>
+        <p:spPr/>
+        <p:txBody>
+          <a:bodyPr/>
+          <a:lstStyle/>
+          <a:p>
+            <a:fld id="{ABC98F02-4831-DB41-B2A1-83D581DBC9B9}" type="slidenum">
+              <a:rPr lang="en-US" smtClean="0"/>
+              <a:t>22</a:t>
+            </a:fld>
+            <a:endParaRPr lang="en-US"/>
+          </a:p>
+        </p:txBody>
+      </p:sp>
+      <p:sp>
+        <p:nvSpPr>
+          <p:cNvPr id="6" name="Content Placeholder 2">
+            <a:extLst>
+              <a:ext uri="{FF2B5EF4-FFF2-40B4-BE49-F238E27FC236}">
+                <a16:creationId xmlns:a16="http://schemas.microsoft.com/office/drawing/2014/main" id="{75468EC6-1740-B64A-AE41-4B85B9EC730F}"/>
+              </a:ext>
+            </a:extLst>
+          </p:cNvPr>
+          <p:cNvSpPr txBox="1">
+            <a:spLocks/>
+          </p:cNvSpPr>
+          <p:nvPr/>
+        </p:nvSpPr>
+        <p:spPr>
+          <a:xfrm>
+            <a:off x="6477002" y="1597025"/>
+            <a:ext cx="5475514" cy="4351338"/>
+          </a:xfrm>
+          <a:prstGeom prst="rect">
+            <a:avLst/>
+          </a:prstGeom>
+        </p:spPr>
+        <p:txBody>
+          <a:bodyPr vert="horz" lIns="91440" tIns="45720" rIns="91440" bIns="45720" rtlCol="0">
+            <a:noAutofit/>
+          </a:bodyPr>
+          <a:lstStyle>
+            <a:lvl1pPr marL="228600" indent="-228600" algn="l" defTabSz="914400" rtl="0" eaLnBrk="1" latinLnBrk="0" hangingPunct="1">
+              <a:lnSpc>
+                <a:spcPct val="90000"/>
+              </a:lnSpc>
+              <a:spcBef>
+                <a:spcPts val="1000"/>
+              </a:spcBef>
+              <a:buFont typeface="Arial" panose="020B0604020202020204" pitchFamily="34" charset="0"/>
+              <a:buChar char="•"/>
+              <a:defRPr sz="2800" kern="1200">
+                <a:solidFill>
+                  <a:schemeClr val="tx1"/>
+                </a:solidFill>
+                <a:latin typeface="+mn-lt"/>
+                <a:ea typeface="+mn-ea"/>
+                <a:cs typeface="+mn-cs"/>
+              </a:defRPr>
+            </a:lvl1pPr>
+            <a:lvl2pPr marL="685800" indent="-228600" algn="l" defTabSz="914400" rtl="0" eaLnBrk="1" latinLnBrk="0" hangingPunct="1">
+              <a:lnSpc>
+                <a:spcPct val="90000"/>
+              </a:lnSpc>
+              <a:spcBef>
+                <a:spcPts val="500"/>
+              </a:spcBef>
+              <a:buFont typeface="Arial" panose="020B0604020202020204" pitchFamily="34" charset="0"/>
+              <a:buChar char="•"/>
+              <a:defRPr sz="2400" kern="1200">
+                <a:solidFill>
+                  <a:schemeClr val="tx1"/>
+                </a:solidFill>
+                <a:latin typeface="+mn-lt"/>
+                <a:ea typeface="+mn-ea"/>
+                <a:cs typeface="+mn-cs"/>
+              </a:defRPr>
+            </a:lvl2pPr>
+            <a:lvl3pPr marL="1143000" indent="-228600" algn="l" defTabSz="914400" rtl="0" eaLnBrk="1" latinLnBrk="0" hangingPunct="1">
+              <a:lnSpc>
+                <a:spcPct val="90000"/>
+              </a:lnSpc>
+              <a:spcBef>
+                <a:spcPts val="500"/>
+              </a:spcBef>
+              <a:buFont typeface="Arial" panose="020B0604020202020204" pitchFamily="34" charset="0"/>
+              <a:buChar char="•"/>
+              <a:defRPr sz="2000" kern="1200">
+                <a:solidFill>
+                  <a:schemeClr val="tx1"/>
+                </a:solidFill>
+                <a:latin typeface="+mn-lt"/>
+                <a:ea typeface="+mn-ea"/>
+                <a:cs typeface="+mn-cs"/>
+              </a:defRPr>
+            </a:lvl3pPr>
+            <a:lvl4pPr marL="1600200" indent="-228600" algn="l" defTabSz="914400" rtl="0" eaLnBrk="1" latinLnBrk="0" hangingPunct="1">
+              <a:lnSpc>
+                <a:spcPct val="90000"/>
+              </a:lnSpc>
+              <a:spcBef>
+                <a:spcPts val="500"/>
+              </a:spcBef>
+              <a:buFont typeface="Arial" panose="020B0604020202020204" pitchFamily="34" charset="0"/>
+              <a:buChar char="•"/>
+              <a:defRPr sz="1800" kern="1200">
+                <a:solidFill>
+                  <a:schemeClr val="tx1"/>
+                </a:solidFill>
+                <a:latin typeface="+mn-lt"/>
+                <a:ea typeface="+mn-ea"/>
+                <a:cs typeface="+mn-cs"/>
+              </a:defRPr>
+            </a:lvl4pPr>
+            <a:lvl5pPr marL="2057400" indent="-228600" algn="l" defTabSz="914400" rtl="0" eaLnBrk="1" latinLnBrk="0" hangingPunct="1">
+              <a:lnSpc>
+                <a:spcPct val="90000"/>
+              </a:lnSpc>
+              <a:spcBef>
+                <a:spcPts val="500"/>
+              </a:spcBef>
+              <a:buFont typeface="Arial" panose="020B0604020202020204" pitchFamily="34" charset="0"/>
+              <a:buChar char="•"/>
+              <a:defRPr sz="1800" kern="1200">
+                <a:solidFill>
+                  <a:schemeClr val="tx1"/>
+                </a:solidFill>
+                <a:latin typeface="+mn-lt"/>
+                <a:ea typeface="+mn-ea"/>
+                <a:cs typeface="+mn-cs"/>
+              </a:defRPr>
+            </a:lvl5pPr>
+            <a:lvl6pPr marL="2514600" indent="-228600" algn="l" defTabSz="914400" rtl="0" eaLnBrk="1" latinLnBrk="0" hangingPunct="1">
+              <a:lnSpc>
+                <a:spcPct val="90000"/>
+              </a:lnSpc>
+              <a:spcBef>
+                <a:spcPts val="500"/>
+              </a:spcBef>
+              <a:buFont typeface="Arial" panose="020B0604020202020204" pitchFamily="34" charset="0"/>
+              <a:buChar char="•"/>
+              <a:defRPr sz="1800" kern="1200">
+                <a:solidFill>
+                  <a:schemeClr val="tx1"/>
+                </a:solidFill>
+                <a:latin typeface="+mn-lt"/>
+                <a:ea typeface="+mn-ea"/>
+                <a:cs typeface="+mn-cs"/>
+              </a:defRPr>
+            </a:lvl6pPr>
+            <a:lvl7pPr marL="2971800" indent="-228600" algn="l" defTabSz="914400" rtl="0" eaLnBrk="1" latinLnBrk="0" hangingPunct="1">
+              <a:lnSpc>
+                <a:spcPct val="90000"/>
+              </a:lnSpc>
+              <a:spcBef>
+                <a:spcPts val="500"/>
+              </a:spcBef>
+              <a:buFont typeface="Arial" panose="020B0604020202020204" pitchFamily="34" charset="0"/>
+              <a:buChar char="•"/>
+              <a:defRPr sz="1800" kern="1200">
+                <a:solidFill>
+                  <a:schemeClr val="tx1"/>
+                </a:solidFill>
+                <a:latin typeface="+mn-lt"/>
+                <a:ea typeface="+mn-ea"/>
+                <a:cs typeface="+mn-cs"/>
+              </a:defRPr>
+            </a:lvl7pPr>
+            <a:lvl8pPr marL="3429000" indent="-228600" algn="l" defTabSz="914400" rtl="0" eaLnBrk="1" latinLnBrk="0" hangingPunct="1">
+              <a:lnSpc>
+                <a:spcPct val="90000"/>
+              </a:lnSpc>
+              <a:spcBef>
+                <a:spcPts val="500"/>
+              </a:spcBef>
+              <a:buFont typeface="Arial" panose="020B0604020202020204" pitchFamily="34" charset="0"/>
+              <a:buChar char="•"/>
+              <a:defRPr sz="1800" kern="1200">
+                <a:solidFill>
+                  <a:schemeClr val="tx1"/>
+                </a:solidFill>
+                <a:latin typeface="+mn-lt"/>
+                <a:ea typeface="+mn-ea"/>
+                <a:cs typeface="+mn-cs"/>
+              </a:defRPr>
+            </a:lvl8pPr>
+            <a:lvl9pPr marL="3886200" indent="-228600" algn="l" defTabSz="914400" rtl="0" eaLnBrk="1" latinLnBrk="0" hangingPunct="1">
+              <a:lnSpc>
+                <a:spcPct val="90000"/>
+              </a:lnSpc>
+              <a:spcBef>
+                <a:spcPts val="500"/>
+              </a:spcBef>
+              <a:buFont typeface="Arial" panose="020B0604020202020204" pitchFamily="34" charset="0"/>
+              <a:buChar char="•"/>
+              <a:defRPr sz="1800" kern="1200">
+                <a:solidFill>
+                  <a:schemeClr val="tx1"/>
+                </a:solidFill>
+                <a:latin typeface="+mn-lt"/>
+                <a:ea typeface="+mn-ea"/>
+                <a:cs typeface="+mn-cs"/>
+              </a:defRPr>
+            </a:lvl9pPr>
+          </a:lstStyle>
+          <a:p>
+            <a:pPr marL="0" indent="0">
+              <a:buFont typeface="Arial" panose="020B0604020202020204" pitchFamily="34" charset="0"/>
+              <a:buNone/>
+            </a:pPr>
+            <a:r>
+              <a:rPr lang="en-US" sz="2200" dirty="0"/>
+              <a:t>Ada provides:</a:t>
+            </a:r>
+          </a:p>
+          <a:p>
+            <a:r>
+              <a:rPr lang="en-US" sz="2200" dirty="0">
+                <a:latin typeface="Courier" pitchFamily="2" charset="0"/>
+              </a:rPr>
+              <a:t>and</a:t>
+            </a:r>
+            <a:r>
+              <a:rPr lang="en-US" sz="2200" dirty="0"/>
+              <a:t>  vs </a:t>
+            </a:r>
+            <a:r>
+              <a:rPr lang="en-US" sz="2200" dirty="0">
+                <a:latin typeface="Courier" pitchFamily="2" charset="0"/>
+              </a:rPr>
+              <a:t>and</a:t>
+            </a:r>
+            <a:r>
+              <a:rPr lang="en-US" sz="2200" dirty="0"/>
+              <a:t> followed by </a:t>
+            </a:r>
+            <a:r>
+              <a:rPr lang="en-US" sz="2200" dirty="0">
+                <a:latin typeface="Courier" pitchFamily="2" charset="0"/>
+              </a:rPr>
+              <a:t>then</a:t>
+            </a:r>
+          </a:p>
+          <a:p>
+            <a:r>
+              <a:rPr lang="en-US" sz="2200" dirty="0">
+                <a:latin typeface="Courier" pitchFamily="2" charset="0"/>
+              </a:rPr>
+              <a:t>or </a:t>
+            </a:r>
+            <a:r>
+              <a:rPr lang="en-US" sz="2200" dirty="0"/>
+              <a:t> vs </a:t>
+            </a:r>
+            <a:r>
+              <a:rPr lang="en-US" sz="2200" dirty="0">
+                <a:latin typeface="Courier" pitchFamily="2" charset="0"/>
+              </a:rPr>
+              <a:t>or</a:t>
+            </a:r>
+            <a:r>
+              <a:rPr lang="en-US" sz="2200" dirty="0"/>
+              <a:t> followed by </a:t>
+            </a:r>
+            <a:r>
+              <a:rPr lang="en-US" sz="2200" dirty="0">
+                <a:latin typeface="Courier" pitchFamily="2" charset="0"/>
+              </a:rPr>
+              <a:t>else</a:t>
+            </a:r>
+          </a:p>
+          <a:p>
+            <a:pPr marL="0" indent="0">
+              <a:buFont typeface="Arial" panose="020B0604020202020204" pitchFamily="34" charset="0"/>
+              <a:buNone/>
+            </a:pPr>
+            <a:r>
+              <a:rPr lang="en-US" sz="2200" dirty="0"/>
+              <a:t>Examples:</a:t>
+            </a:r>
+          </a:p>
+          <a:p>
+            <a:r>
+              <a:rPr lang="en-US" sz="2200" dirty="0"/>
+              <a:t>if (d = 0.0 </a:t>
+            </a:r>
+            <a:r>
+              <a:rPr lang="en-US" sz="2200" dirty="0">
+                <a:highlight>
+                  <a:srgbClr val="00FF00"/>
+                </a:highlight>
+              </a:rPr>
+              <a:t>or else </a:t>
+            </a:r>
+            <a:r>
+              <a:rPr lang="en-US" sz="2200" dirty="0"/>
+              <a:t>n/d &lt; threshold) then ..</a:t>
+            </a:r>
+          </a:p>
+          <a:p>
+            <a:r>
+              <a:rPr lang="en-US" sz="2200" dirty="0"/>
+              <a:t>if (p /= null </a:t>
+            </a:r>
+            <a:r>
+              <a:rPr lang="en-US" sz="2200" dirty="0">
+                <a:highlight>
+                  <a:srgbClr val="00FF00"/>
+                </a:highlight>
+              </a:rPr>
+              <a:t>and then </a:t>
+            </a:r>
+            <a:r>
+              <a:rPr lang="en-US" sz="2200" dirty="0" err="1"/>
+              <a:t>p.parent</a:t>
+            </a:r>
+            <a:r>
+              <a:rPr lang="en-US" sz="2200" dirty="0"/>
+              <a:t> = </a:t>
+            </a:r>
+            <a:r>
+              <a:rPr lang="en-US" sz="2200" dirty="0" err="1"/>
+              <a:t>someval</a:t>
+            </a:r>
+            <a:r>
+              <a:rPr lang="en-US" sz="2200" dirty="0"/>
+              <a:t>) …</a:t>
+            </a:r>
+          </a:p>
+          <a:p>
+            <a:endParaRPr lang="en-US" sz="2200" dirty="0"/>
+          </a:p>
+          <a:p>
+            <a:pPr marL="0" indent="0">
+              <a:buFont typeface="Arial" panose="020B0604020202020204" pitchFamily="34" charset="0"/>
+              <a:buNone/>
+            </a:pPr>
+            <a:r>
+              <a:rPr lang="en-US" sz="2200" dirty="0"/>
+              <a:t>Semantically equivalent to nested ifs, additional logic and control flow</a:t>
+            </a:r>
+          </a:p>
+        </p:txBody>
+      </p:sp>
+    </p:spTree>
+    <p:extLst>
+      <p:ext uri="{BB962C8B-B14F-4D97-AF65-F5344CB8AC3E}">
+        <p14:creationId xmlns:p14="http://schemas.microsoft.com/office/powerpoint/2010/main" val="788250384"/>
+      </p:ext>
+    </p:extLst>
+  </p:cSld>
+  <p:clrMapOvr>
+    <a:masterClrMapping/>
+  </p:clrMapOvr>
+</p:sld>
+</file>
+
+<file path=ppt/slides/slide23.xml><?xml version="1.0" encoding="utf-8"?>
+<p:sld xmlns:a="http://schemas.openxmlformats.org/drawingml/2006/main" xmlns:r="http://schemas.openxmlformats.org/officeDocument/2006/relationships" xmlns:p="http://schemas.openxmlformats.org/presentationml/2006/main">
+  <p:cSld>
+    <p:spTree>
+      <p:nvGrpSpPr>
+        <p:cNvPr id="1" name=""/>
+        <p:cNvGrpSpPr/>
+        <p:nvPr/>
+      </p:nvGrpSpPr>
+      <p:grpSpPr>
+        <a:xfrm>
+          <a:off x="0" y="0"/>
+          <a:ext cx="0" cy="0"/>
+          <a:chOff x="0" y="0"/>
+          <a:chExt cx="0" cy="0"/>
+        </a:xfrm>
+      </p:grpSpPr>
+      <p:sp>
+        <p:nvSpPr>
+          <p:cNvPr id="2" name="Title 1">
+            <a:extLst>
+              <a:ext uri="{FF2B5EF4-FFF2-40B4-BE49-F238E27FC236}">
+                <a16:creationId xmlns:a16="http://schemas.microsoft.com/office/drawing/2014/main" id="{35A192E8-12F9-0C41-9DA9-5BDAE54AD17B}"/>
+              </a:ext>
+            </a:extLst>
+          </p:cNvPr>
+          <p:cNvSpPr>
+            <a:spLocks noGrp="1"/>
+          </p:cNvSpPr>
+          <p:nvPr>
+            <p:ph type="title"/>
+          </p:nvPr>
+        </p:nvSpPr>
+        <p:spPr/>
+        <p:txBody>
+          <a:bodyPr/>
+          <a:lstStyle/>
+          <a:p>
+            <a:r>
+              <a:rPr lang="en-US" dirty="0"/>
+              <a:t>Structured and Unstructured Flow</a:t>
+            </a:r>
+          </a:p>
+        </p:txBody>
+      </p:sp>
+      <p:sp>
+        <p:nvSpPr>
+          <p:cNvPr id="3" name="Content Placeholder 2">
+            <a:extLst>
+              <a:ext uri="{FF2B5EF4-FFF2-40B4-BE49-F238E27FC236}">
+                <a16:creationId xmlns:a16="http://schemas.microsoft.com/office/drawing/2014/main" id="{0CC24E84-738C-884D-9DDC-145228008448}"/>
+              </a:ext>
+            </a:extLst>
+          </p:cNvPr>
+          <p:cNvSpPr>
+            <a:spLocks noGrp="1"/>
+          </p:cNvSpPr>
+          <p:nvPr>
+            <p:ph idx="1"/>
+          </p:nvPr>
+        </p:nvSpPr>
+        <p:spPr>
+          <a:xfrm>
+            <a:off x="387927" y="1825625"/>
+            <a:ext cx="8559484" cy="4351338"/>
+          </a:xfrm>
+        </p:spPr>
+        <p:txBody>
+          <a:bodyPr>
+            <a:noAutofit/>
+          </a:bodyPr>
+          <a:lstStyle/>
+          <a:p>
+            <a:r>
+              <a:rPr lang="en-US" sz="2200" dirty="0"/>
+              <a:t>In memory, all instructions are stored in contiguous fashion</a:t>
+            </a:r>
+          </a:p>
+          <a:p>
+            <a:r>
+              <a:rPr lang="en-US" sz="2200" i="1" dirty="0"/>
+              <a:t>Structured</a:t>
+            </a:r>
+            <a:r>
+              <a:rPr lang="en-US" sz="2200" dirty="0"/>
+              <a:t> refers refers to using control-flow structures (if-then, for, while, do, repeat, case/switch, exceptions, break/exit) </a:t>
+            </a:r>
+            <a:r>
+              <a:rPr lang="en-US" sz="2200" dirty="0">
+                <a:sym typeface="Wingdings" pitchFamily="2" charset="2"/>
+              </a:rPr>
+              <a:t> </a:t>
+            </a:r>
+            <a:r>
+              <a:rPr lang="en-US" sz="2200" i="1" dirty="0">
+                <a:sym typeface="Wingdings" pitchFamily="2" charset="2"/>
+              </a:rPr>
+              <a:t>top-down design</a:t>
+            </a:r>
+          </a:p>
+          <a:p>
+            <a:r>
+              <a:rPr lang="en-US" sz="2200" dirty="0">
+                <a:sym typeface="Wingdings" pitchFamily="2" charset="2"/>
+              </a:rPr>
+              <a:t>Many control-flow constructs were introduced from Algol 60</a:t>
+            </a:r>
+            <a:endParaRPr lang="en-US" sz="2200" dirty="0"/>
+          </a:p>
+          <a:p>
+            <a:r>
+              <a:rPr lang="en-US" sz="2200" i="1" dirty="0"/>
+              <a:t>Unstructured</a:t>
+            </a:r>
+            <a:r>
+              <a:rPr lang="en-US" sz="2200" dirty="0"/>
+              <a:t> relies on labels and unconditional jumps (as in assembly)</a:t>
+            </a:r>
+          </a:p>
+          <a:p>
+            <a:r>
+              <a:rPr lang="en-US" sz="2200" dirty="0"/>
+              <a:t>Label: Identifier serving as placeholder for some instruction position</a:t>
+            </a:r>
+          </a:p>
+          <a:p>
+            <a:r>
+              <a:rPr lang="en-US" sz="2200" dirty="0"/>
+              <a:t>Jump: some instruction in the PL that forces continuing execution at the target of the jump</a:t>
+            </a:r>
+          </a:p>
+          <a:p>
+            <a:r>
+              <a:rPr lang="en-US" sz="2200" dirty="0"/>
+              <a:t>Some languages no dot support unstructured control-flow</a:t>
+            </a:r>
+          </a:p>
+          <a:p>
+            <a:r>
+              <a:rPr lang="en-US" sz="2200" dirty="0"/>
+              <a:t>Unstructured flow considered bad (makes code hard to read, maintain, </a:t>
+            </a:r>
+            <a:r>
+              <a:rPr lang="en-US" sz="2200" dirty="0" err="1"/>
+              <a:t>etc</a:t>
+            </a:r>
+            <a:r>
+              <a:rPr lang="en-US" sz="2200" dirty="0"/>
+              <a:t>)</a:t>
+            </a:r>
+          </a:p>
+        </p:txBody>
+      </p:sp>
+      <p:sp>
+        <p:nvSpPr>
+          <p:cNvPr id="4" name="Footer Placeholder 3">
+            <a:extLst>
+              <a:ext uri="{FF2B5EF4-FFF2-40B4-BE49-F238E27FC236}">
+                <a16:creationId xmlns:a16="http://schemas.microsoft.com/office/drawing/2014/main" id="{070394E6-5C21-4B4B-A9BF-60D31B57FC83}"/>
+              </a:ext>
+            </a:extLst>
+          </p:cNvPr>
+          <p:cNvSpPr>
+            <a:spLocks noGrp="1"/>
+          </p:cNvSpPr>
+          <p:nvPr>
+            <p:ph type="ftr" sz="quarter" idx="11"/>
+          </p:nvPr>
+        </p:nvSpPr>
+        <p:spPr/>
+        <p:txBody>
+          <a:bodyPr/>
+          <a:lstStyle/>
+          <a:p>
+            <a:r>
+              <a:rPr lang="en-US"/>
+              <a:t>Principles of Programming Languages</a:t>
+            </a:r>
+          </a:p>
+        </p:txBody>
+      </p:sp>
+      <p:sp>
+        <p:nvSpPr>
+          <p:cNvPr id="5" name="Slide Number Placeholder 4">
+            <a:extLst>
+              <a:ext uri="{FF2B5EF4-FFF2-40B4-BE49-F238E27FC236}">
+                <a16:creationId xmlns:a16="http://schemas.microsoft.com/office/drawing/2014/main" id="{AD4E7054-0612-F440-829E-1C0F74467BF7}"/>
+              </a:ext>
+            </a:extLst>
+          </p:cNvPr>
+          <p:cNvSpPr>
+            <a:spLocks noGrp="1"/>
+          </p:cNvSpPr>
+          <p:nvPr>
+            <p:ph type="sldNum" sz="quarter" idx="12"/>
+          </p:nvPr>
+        </p:nvSpPr>
+        <p:spPr/>
+        <p:txBody>
+          <a:bodyPr/>
+          <a:lstStyle/>
+          <a:p>
+            <a:fld id="{ABC98F02-4831-DB41-B2A1-83D581DBC9B9}" type="slidenum">
+              <a:rPr lang="en-US" smtClean="0"/>
+              <a:t>23</a:t>
+            </a:fld>
+            <a:endParaRPr lang="en-US" dirty="0"/>
+          </a:p>
+        </p:txBody>
+      </p:sp>
+      <p:sp>
+        <p:nvSpPr>
+          <p:cNvPr id="6" name="Rectangle 5">
+            <a:extLst>
+              <a:ext uri="{FF2B5EF4-FFF2-40B4-BE49-F238E27FC236}">
+                <a16:creationId xmlns:a16="http://schemas.microsoft.com/office/drawing/2014/main" id="{488E3519-54DD-EB49-B92D-057421BD54EF}"/>
+              </a:ext>
+            </a:extLst>
+          </p:cNvPr>
+          <p:cNvSpPr/>
+          <p:nvPr/>
+        </p:nvSpPr>
+        <p:spPr>
+          <a:xfrm>
+            <a:off x="9060872" y="1335809"/>
+            <a:ext cx="2951019" cy="709757"/>
+          </a:xfrm>
+          <a:prstGeom prst="rect">
+            <a:avLst/>
+          </a:prstGeom>
+          <a:noFill/>
+          <a:ln w="38100">
+            <a:solidFill>
+              <a:srgbClr val="0070C0"/>
+            </a:solidFill>
+          </a:ln>
+        </p:spPr>
+        <p:style>
+          <a:lnRef idx="2">
+            <a:schemeClr val="accent1">
+              <a:shade val="50000"/>
+            </a:schemeClr>
+          </a:lnRef>
+          <a:fillRef idx="1">
+            <a:schemeClr val="accent1"/>
+          </a:fillRef>
+          <a:effectRef idx="0">
+            <a:schemeClr val="accent1"/>
+          </a:effectRef>
+          <a:fontRef idx="minor">
+            <a:schemeClr val="lt1"/>
+          </a:fontRef>
+        </p:style>
+        <p:txBody>
+          <a:bodyPr rtlCol="0" anchor="ctr"/>
+          <a:lstStyle/>
+          <a:p>
+            <a:pPr algn="ctr"/>
+            <a:endParaRPr lang="en-US" dirty="0"/>
+          </a:p>
+        </p:txBody>
+      </p:sp>
+      <p:sp>
+        <p:nvSpPr>
+          <p:cNvPr id="11" name="TextBox 10">
+            <a:extLst>
+              <a:ext uri="{FF2B5EF4-FFF2-40B4-BE49-F238E27FC236}">
+                <a16:creationId xmlns:a16="http://schemas.microsoft.com/office/drawing/2014/main" id="{9D21951A-B1A7-7949-BBA8-891C692C1835}"/>
+              </a:ext>
+            </a:extLst>
+          </p:cNvPr>
+          <p:cNvSpPr txBox="1"/>
+          <p:nvPr/>
+        </p:nvSpPr>
+        <p:spPr>
+          <a:xfrm>
+            <a:off x="9613277" y="1477529"/>
+            <a:ext cx="1955268" cy="369332"/>
+          </a:xfrm>
+          <a:prstGeom prst="rect">
+            <a:avLst/>
+          </a:prstGeom>
+          <a:noFill/>
+        </p:spPr>
+        <p:txBody>
+          <a:bodyPr wrap="square" rtlCol="0">
+            <a:spAutoFit/>
+          </a:bodyPr>
+          <a:lstStyle/>
+          <a:p>
+            <a:r>
+              <a:rPr lang="en-US" dirty="0"/>
+              <a:t>Instruction 1</a:t>
+            </a:r>
+          </a:p>
+        </p:txBody>
+      </p:sp>
+      <p:sp>
+        <p:nvSpPr>
+          <p:cNvPr id="15" name="Rectangle 14">
+            <a:extLst>
+              <a:ext uri="{FF2B5EF4-FFF2-40B4-BE49-F238E27FC236}">
+                <a16:creationId xmlns:a16="http://schemas.microsoft.com/office/drawing/2014/main" id="{C881BD94-6DA1-054D-AF16-568853F44F99}"/>
+              </a:ext>
+            </a:extLst>
+          </p:cNvPr>
+          <p:cNvSpPr/>
+          <p:nvPr/>
+        </p:nvSpPr>
+        <p:spPr>
+          <a:xfrm>
+            <a:off x="9060872" y="2045566"/>
+            <a:ext cx="2951019" cy="709757"/>
+          </a:xfrm>
+          <a:prstGeom prst="rect">
+            <a:avLst/>
+          </a:prstGeom>
+          <a:noFill/>
+          <a:ln w="38100">
+            <a:solidFill>
+              <a:srgbClr val="0070C0"/>
+            </a:solidFill>
+          </a:ln>
+        </p:spPr>
+        <p:style>
+          <a:lnRef idx="2">
+            <a:schemeClr val="accent1">
+              <a:shade val="50000"/>
+            </a:schemeClr>
+          </a:lnRef>
+          <a:fillRef idx="1">
+            <a:schemeClr val="accent1"/>
+          </a:fillRef>
+          <a:effectRef idx="0">
+            <a:schemeClr val="accent1"/>
+          </a:effectRef>
+          <a:fontRef idx="minor">
+            <a:schemeClr val="lt1"/>
+          </a:fontRef>
+        </p:style>
+        <p:txBody>
+          <a:bodyPr rtlCol="0" anchor="ctr"/>
+          <a:lstStyle/>
+          <a:p>
+            <a:pPr algn="ctr"/>
+            <a:endParaRPr lang="en-US" dirty="0"/>
+          </a:p>
+        </p:txBody>
+      </p:sp>
+      <p:sp>
+        <p:nvSpPr>
+          <p:cNvPr id="16" name="TextBox 15">
+            <a:extLst>
+              <a:ext uri="{FF2B5EF4-FFF2-40B4-BE49-F238E27FC236}">
+                <a16:creationId xmlns:a16="http://schemas.microsoft.com/office/drawing/2014/main" id="{478412CB-FAB0-4F4C-A2E4-EF004DF0E3B0}"/>
+              </a:ext>
+            </a:extLst>
+          </p:cNvPr>
+          <p:cNvSpPr txBox="1"/>
+          <p:nvPr/>
+        </p:nvSpPr>
+        <p:spPr>
+          <a:xfrm>
+            <a:off x="10001211" y="2187286"/>
+            <a:ext cx="339380" cy="369332"/>
+          </a:xfrm>
+          <a:prstGeom prst="rect">
+            <a:avLst/>
+          </a:prstGeom>
+          <a:noFill/>
+        </p:spPr>
+        <p:txBody>
+          <a:bodyPr wrap="square" rtlCol="0">
+            <a:spAutoFit/>
+          </a:bodyPr>
+          <a:lstStyle/>
+          <a:p>
+            <a:r>
+              <a:rPr lang="en-US" dirty="0"/>
+              <a:t>…</a:t>
+            </a:r>
+          </a:p>
+        </p:txBody>
+      </p:sp>
+      <p:sp>
+        <p:nvSpPr>
+          <p:cNvPr id="17" name="Rectangle 16">
+            <a:extLst>
+              <a:ext uri="{FF2B5EF4-FFF2-40B4-BE49-F238E27FC236}">
+                <a16:creationId xmlns:a16="http://schemas.microsoft.com/office/drawing/2014/main" id="{DBB800A2-ED82-1E46-9E90-FF248E1844D9}"/>
+              </a:ext>
+            </a:extLst>
+          </p:cNvPr>
+          <p:cNvSpPr/>
+          <p:nvPr/>
+        </p:nvSpPr>
+        <p:spPr>
+          <a:xfrm>
+            <a:off x="9060872" y="2756477"/>
+            <a:ext cx="2951019" cy="709757"/>
+          </a:xfrm>
+          <a:prstGeom prst="rect">
+            <a:avLst/>
+          </a:prstGeom>
+          <a:noFill/>
+          <a:ln w="38100">
+            <a:solidFill>
+              <a:srgbClr val="0070C0"/>
+            </a:solidFill>
+          </a:ln>
+        </p:spPr>
+        <p:style>
+          <a:lnRef idx="2">
+            <a:schemeClr val="accent1">
+              <a:shade val="50000"/>
+            </a:schemeClr>
+          </a:lnRef>
+          <a:fillRef idx="1">
+            <a:schemeClr val="accent1"/>
+          </a:fillRef>
+          <a:effectRef idx="0">
+            <a:schemeClr val="accent1"/>
+          </a:effectRef>
+          <a:fontRef idx="minor">
+            <a:schemeClr val="lt1"/>
+          </a:fontRef>
+        </p:style>
+        <p:txBody>
+          <a:bodyPr rtlCol="0" anchor="ctr"/>
+          <a:lstStyle/>
+          <a:p>
+            <a:pPr algn="ctr"/>
+            <a:endParaRPr lang="en-US" dirty="0"/>
+          </a:p>
+        </p:txBody>
+      </p:sp>
+      <p:sp>
+        <p:nvSpPr>
+          <p:cNvPr id="18" name="TextBox 17">
+            <a:extLst>
+              <a:ext uri="{FF2B5EF4-FFF2-40B4-BE49-F238E27FC236}">
+                <a16:creationId xmlns:a16="http://schemas.microsoft.com/office/drawing/2014/main" id="{20F90114-C87E-3743-843F-4BDE435B4945}"/>
+              </a:ext>
+            </a:extLst>
+          </p:cNvPr>
+          <p:cNvSpPr txBox="1"/>
+          <p:nvPr/>
+        </p:nvSpPr>
+        <p:spPr>
+          <a:xfrm>
+            <a:off x="9628245" y="2898197"/>
+            <a:ext cx="1940299" cy="369332"/>
+          </a:xfrm>
+          <a:prstGeom prst="rect">
+            <a:avLst/>
+          </a:prstGeom>
+          <a:noFill/>
+        </p:spPr>
+        <p:txBody>
+          <a:bodyPr wrap="square" rtlCol="0">
+            <a:spAutoFit/>
+          </a:bodyPr>
+          <a:lstStyle/>
+          <a:p>
+            <a:r>
+              <a:rPr lang="en-US" dirty="0"/>
+              <a:t>Instruction i-1</a:t>
+            </a:r>
+          </a:p>
+        </p:txBody>
+      </p:sp>
+      <p:sp>
+        <p:nvSpPr>
+          <p:cNvPr id="19" name="Rectangle 18">
+            <a:extLst>
+              <a:ext uri="{FF2B5EF4-FFF2-40B4-BE49-F238E27FC236}">
+                <a16:creationId xmlns:a16="http://schemas.microsoft.com/office/drawing/2014/main" id="{95E6B433-B6C4-1446-A384-8A6ED6F1C69B}"/>
+              </a:ext>
+            </a:extLst>
+          </p:cNvPr>
+          <p:cNvSpPr/>
+          <p:nvPr/>
+        </p:nvSpPr>
+        <p:spPr>
+          <a:xfrm>
+            <a:off x="9060872" y="3478935"/>
+            <a:ext cx="2951019" cy="709757"/>
+          </a:xfrm>
+          <a:prstGeom prst="rect">
+            <a:avLst/>
+          </a:prstGeom>
+          <a:noFill/>
+          <a:ln w="38100">
+            <a:solidFill>
+              <a:srgbClr val="0070C0"/>
+            </a:solidFill>
+          </a:ln>
+        </p:spPr>
+        <p:style>
+          <a:lnRef idx="2">
+            <a:schemeClr val="accent1">
+              <a:shade val="50000"/>
+            </a:schemeClr>
+          </a:lnRef>
+          <a:fillRef idx="1">
+            <a:schemeClr val="accent1"/>
+          </a:fillRef>
+          <a:effectRef idx="0">
+            <a:schemeClr val="accent1"/>
+          </a:effectRef>
+          <a:fontRef idx="minor">
+            <a:schemeClr val="lt1"/>
+          </a:fontRef>
+        </p:style>
+        <p:txBody>
+          <a:bodyPr rtlCol="0" anchor="ctr"/>
+          <a:lstStyle/>
+          <a:p>
+            <a:pPr algn="ctr"/>
+            <a:endParaRPr lang="en-US" dirty="0"/>
+          </a:p>
+        </p:txBody>
+      </p:sp>
+      <p:sp>
+        <p:nvSpPr>
+          <p:cNvPr id="20" name="TextBox 19">
+            <a:extLst>
+              <a:ext uri="{FF2B5EF4-FFF2-40B4-BE49-F238E27FC236}">
+                <a16:creationId xmlns:a16="http://schemas.microsoft.com/office/drawing/2014/main" id="{35AF39EA-D02B-3C40-941F-3573716DDEE4}"/>
+              </a:ext>
+            </a:extLst>
+          </p:cNvPr>
+          <p:cNvSpPr txBox="1"/>
+          <p:nvPr/>
+        </p:nvSpPr>
+        <p:spPr>
+          <a:xfrm>
+            <a:off x="9605502" y="3620655"/>
+            <a:ext cx="1748298" cy="369332"/>
+          </a:xfrm>
+          <a:prstGeom prst="rect">
+            <a:avLst/>
+          </a:prstGeom>
+          <a:noFill/>
+        </p:spPr>
+        <p:txBody>
+          <a:bodyPr wrap="square" rtlCol="0">
+            <a:spAutoFit/>
+          </a:bodyPr>
+          <a:lstStyle/>
+          <a:p>
+            <a:r>
+              <a:rPr lang="en-US" dirty="0"/>
+              <a:t>Instruction </a:t>
+            </a:r>
+            <a:r>
+              <a:rPr lang="en-US" dirty="0" err="1"/>
+              <a:t>i</a:t>
+            </a:r>
+            <a:endParaRPr lang="en-US" dirty="0"/>
+          </a:p>
+        </p:txBody>
+      </p:sp>
+      <p:sp>
+        <p:nvSpPr>
+          <p:cNvPr id="21" name="Rectangle 20">
+            <a:extLst>
+              <a:ext uri="{FF2B5EF4-FFF2-40B4-BE49-F238E27FC236}">
+                <a16:creationId xmlns:a16="http://schemas.microsoft.com/office/drawing/2014/main" id="{0F1583FC-D3BD-494D-9584-9437438AA042}"/>
+              </a:ext>
+            </a:extLst>
+          </p:cNvPr>
+          <p:cNvSpPr/>
+          <p:nvPr/>
+        </p:nvSpPr>
+        <p:spPr>
+          <a:xfrm>
+            <a:off x="9060872" y="4189846"/>
+            <a:ext cx="2951019" cy="709757"/>
+          </a:xfrm>
+          <a:prstGeom prst="rect">
+            <a:avLst/>
+          </a:prstGeom>
+          <a:noFill/>
+          <a:ln w="38100">
+            <a:solidFill>
+              <a:srgbClr val="0070C0"/>
+            </a:solidFill>
+          </a:ln>
+        </p:spPr>
+        <p:style>
+          <a:lnRef idx="2">
+            <a:schemeClr val="accent1">
+              <a:shade val="50000"/>
+            </a:schemeClr>
+          </a:lnRef>
+          <a:fillRef idx="1">
+            <a:schemeClr val="accent1"/>
+          </a:fillRef>
+          <a:effectRef idx="0">
+            <a:schemeClr val="accent1"/>
+          </a:effectRef>
+          <a:fontRef idx="minor">
+            <a:schemeClr val="lt1"/>
+          </a:fontRef>
+        </p:style>
+        <p:txBody>
+          <a:bodyPr rtlCol="0" anchor="ctr"/>
+          <a:lstStyle/>
+          <a:p>
+            <a:pPr algn="ctr"/>
+            <a:endParaRPr lang="en-US" dirty="0"/>
+          </a:p>
+        </p:txBody>
+      </p:sp>
+      <p:sp>
+        <p:nvSpPr>
+          <p:cNvPr id="22" name="TextBox 21">
+            <a:extLst>
+              <a:ext uri="{FF2B5EF4-FFF2-40B4-BE49-F238E27FC236}">
+                <a16:creationId xmlns:a16="http://schemas.microsoft.com/office/drawing/2014/main" id="{0165798D-5B7E-5E49-B6B5-60B3CBF12057}"/>
+              </a:ext>
+            </a:extLst>
+          </p:cNvPr>
+          <p:cNvSpPr txBox="1"/>
+          <p:nvPr/>
+        </p:nvSpPr>
+        <p:spPr>
+          <a:xfrm>
+            <a:off x="9646518" y="4331566"/>
+            <a:ext cx="1922025" cy="369332"/>
+          </a:xfrm>
+          <a:prstGeom prst="rect">
+            <a:avLst/>
+          </a:prstGeom>
+          <a:noFill/>
+        </p:spPr>
+        <p:txBody>
+          <a:bodyPr wrap="square" rtlCol="0">
+            <a:spAutoFit/>
+          </a:bodyPr>
+          <a:lstStyle/>
+          <a:p>
+            <a:r>
+              <a:rPr lang="en-US" dirty="0"/>
+              <a:t>Instruction </a:t>
+            </a:r>
+            <a:r>
+              <a:rPr lang="en-US" dirty="0" err="1"/>
+              <a:t>i</a:t>
+            </a:r>
+            <a:r>
+              <a:rPr lang="en-US" dirty="0"/>
+              <a:t> + 1</a:t>
+            </a:r>
+          </a:p>
+        </p:txBody>
+      </p:sp>
+      <p:sp>
+        <p:nvSpPr>
+          <p:cNvPr id="23" name="Rectangle 22">
+            <a:extLst>
+              <a:ext uri="{FF2B5EF4-FFF2-40B4-BE49-F238E27FC236}">
+                <a16:creationId xmlns:a16="http://schemas.microsoft.com/office/drawing/2014/main" id="{D019B312-D005-B647-B89F-55A862D1D1AB}"/>
+              </a:ext>
+            </a:extLst>
+          </p:cNvPr>
+          <p:cNvSpPr/>
+          <p:nvPr/>
+        </p:nvSpPr>
+        <p:spPr>
+          <a:xfrm>
+            <a:off x="9060872" y="4899603"/>
+            <a:ext cx="2951019" cy="709757"/>
+          </a:xfrm>
+          <a:prstGeom prst="rect">
+            <a:avLst/>
+          </a:prstGeom>
+          <a:noFill/>
+          <a:ln w="38100">
+            <a:solidFill>
+              <a:srgbClr val="0070C0"/>
+            </a:solidFill>
+          </a:ln>
+        </p:spPr>
+        <p:style>
+          <a:lnRef idx="2">
+            <a:schemeClr val="accent1">
+              <a:shade val="50000"/>
+            </a:schemeClr>
+          </a:lnRef>
+          <a:fillRef idx="1">
+            <a:schemeClr val="accent1"/>
+          </a:fillRef>
+          <a:effectRef idx="0">
+            <a:schemeClr val="accent1"/>
+          </a:effectRef>
+          <a:fontRef idx="minor">
+            <a:schemeClr val="lt1"/>
+          </a:fontRef>
+        </p:style>
+        <p:txBody>
+          <a:bodyPr rtlCol="0" anchor="ctr"/>
+          <a:lstStyle/>
+          <a:p>
+            <a:pPr algn="ctr"/>
+            <a:endParaRPr lang="en-US" dirty="0"/>
+          </a:p>
+        </p:txBody>
+      </p:sp>
+      <p:sp>
+        <p:nvSpPr>
+          <p:cNvPr id="24" name="TextBox 23">
+            <a:extLst>
+              <a:ext uri="{FF2B5EF4-FFF2-40B4-BE49-F238E27FC236}">
+                <a16:creationId xmlns:a16="http://schemas.microsoft.com/office/drawing/2014/main" id="{54CFA396-95FD-2247-9E60-76FACBB2B5AE}"/>
+              </a:ext>
+            </a:extLst>
+          </p:cNvPr>
+          <p:cNvSpPr txBox="1"/>
+          <p:nvPr/>
+        </p:nvSpPr>
+        <p:spPr>
+          <a:xfrm>
+            <a:off x="10001211" y="5041323"/>
+            <a:ext cx="339380" cy="369332"/>
+          </a:xfrm>
+          <a:prstGeom prst="rect">
+            <a:avLst/>
+          </a:prstGeom>
+          <a:noFill/>
+        </p:spPr>
+        <p:txBody>
+          <a:bodyPr wrap="square" rtlCol="0">
+            <a:spAutoFit/>
+          </a:bodyPr>
+          <a:lstStyle/>
+          <a:p>
+            <a:r>
+              <a:rPr lang="en-US" dirty="0"/>
+              <a:t>…</a:t>
+            </a:r>
+          </a:p>
+        </p:txBody>
+      </p:sp>
+      <p:sp>
+        <p:nvSpPr>
+          <p:cNvPr id="25" name="Rectangle 24">
+            <a:extLst>
+              <a:ext uri="{FF2B5EF4-FFF2-40B4-BE49-F238E27FC236}">
+                <a16:creationId xmlns:a16="http://schemas.microsoft.com/office/drawing/2014/main" id="{83431507-A428-8E48-84A6-DD84FE7AEECE}"/>
+              </a:ext>
+            </a:extLst>
+          </p:cNvPr>
+          <p:cNvSpPr/>
+          <p:nvPr/>
+        </p:nvSpPr>
+        <p:spPr>
+          <a:xfrm>
+            <a:off x="9060872" y="5610514"/>
+            <a:ext cx="2951019" cy="709757"/>
+          </a:xfrm>
+          <a:prstGeom prst="rect">
+            <a:avLst/>
+          </a:prstGeom>
+          <a:noFill/>
+          <a:ln w="38100">
+            <a:solidFill>
+              <a:srgbClr val="0070C0"/>
+            </a:solidFill>
+          </a:ln>
+        </p:spPr>
+        <p:style>
+          <a:lnRef idx="2">
+            <a:schemeClr val="accent1">
+              <a:shade val="50000"/>
+            </a:schemeClr>
+          </a:lnRef>
+          <a:fillRef idx="1">
+            <a:schemeClr val="accent1"/>
+          </a:fillRef>
+          <a:effectRef idx="0">
+            <a:schemeClr val="accent1"/>
+          </a:effectRef>
+          <a:fontRef idx="minor">
+            <a:schemeClr val="lt1"/>
+          </a:fontRef>
+        </p:style>
+        <p:txBody>
+          <a:bodyPr rtlCol="0" anchor="ctr"/>
+          <a:lstStyle/>
+          <a:p>
+            <a:pPr algn="ctr"/>
+            <a:endParaRPr lang="en-US" dirty="0"/>
+          </a:p>
+        </p:txBody>
+      </p:sp>
+      <p:sp>
+        <p:nvSpPr>
+          <p:cNvPr id="26" name="TextBox 25">
+            <a:extLst>
+              <a:ext uri="{FF2B5EF4-FFF2-40B4-BE49-F238E27FC236}">
+                <a16:creationId xmlns:a16="http://schemas.microsoft.com/office/drawing/2014/main" id="{25B93642-DEB4-914A-8FE8-5A9B974088E2}"/>
+              </a:ext>
+            </a:extLst>
+          </p:cNvPr>
+          <p:cNvSpPr txBox="1"/>
+          <p:nvPr/>
+        </p:nvSpPr>
+        <p:spPr>
+          <a:xfrm>
+            <a:off x="9617165" y="5752234"/>
+            <a:ext cx="1840544" cy="369332"/>
+          </a:xfrm>
+          <a:prstGeom prst="rect">
+            <a:avLst/>
+          </a:prstGeom>
+          <a:noFill/>
+        </p:spPr>
+        <p:txBody>
+          <a:bodyPr wrap="square" rtlCol="0">
+            <a:spAutoFit/>
+          </a:bodyPr>
+          <a:lstStyle/>
+          <a:p>
+            <a:r>
+              <a:rPr lang="en-US" dirty="0"/>
+              <a:t>Instruction N</a:t>
+            </a:r>
+          </a:p>
+        </p:txBody>
+      </p:sp>
+    </p:spTree>
+    <p:extLst>
+      <p:ext uri="{BB962C8B-B14F-4D97-AF65-F5344CB8AC3E}">
+        <p14:creationId xmlns:p14="http://schemas.microsoft.com/office/powerpoint/2010/main" val="1964363502"/>
+      </p:ext>
+    </p:extLst>
+  </p:cSld>
+  <p:clrMapOvr>
+    <a:masterClrMapping/>
+  </p:clrMapOvr>
+</p:sld>
+</file>
+
+<file path=ppt/slides/slide24.xml><?xml version="1.0" encoding="utf-8"?>
+<p:sld xmlns:a="http://schemas.openxmlformats.org/drawingml/2006/main" xmlns:r="http://schemas.openxmlformats.org/officeDocument/2006/relationships" xmlns:p="http://schemas.openxmlformats.org/presentationml/2006/main">
+  <p:cSld>
+    <p:spTree>
+      <p:nvGrpSpPr>
+        <p:cNvPr id="1" name=""/>
+        <p:cNvGrpSpPr/>
+        <p:nvPr/>
+      </p:nvGrpSpPr>
+      <p:grpSpPr>
+        <a:xfrm>
+          <a:off x="0" y="0"/>
+          <a:ext cx="0" cy="0"/>
+          <a:chOff x="0" y="0"/>
+          <a:chExt cx="0" cy="0"/>
+        </a:xfrm>
+      </p:grpSpPr>
+      <p:sp>
+        <p:nvSpPr>
+          <p:cNvPr id="2" name="Title 1">
+            <a:extLst>
+              <a:ext uri="{FF2B5EF4-FFF2-40B4-BE49-F238E27FC236}">
+                <a16:creationId xmlns:a16="http://schemas.microsoft.com/office/drawing/2014/main" id="{35A192E8-12F9-0C41-9DA9-5BDAE54AD17B}"/>
+              </a:ext>
+            </a:extLst>
+          </p:cNvPr>
+          <p:cNvSpPr>
+            <a:spLocks noGrp="1"/>
+          </p:cNvSpPr>
+          <p:nvPr>
+            <p:ph type="title"/>
+          </p:nvPr>
+        </p:nvSpPr>
+        <p:spPr/>
+        <p:txBody>
+          <a:bodyPr/>
+          <a:lstStyle/>
+          <a:p>
+            <a:r>
+              <a:rPr lang="en-US" dirty="0"/>
+              <a:t>Structured and Unstructured Flow</a:t>
+            </a:r>
+          </a:p>
+        </p:txBody>
+      </p:sp>
+      <p:sp>
+        <p:nvSpPr>
+          <p:cNvPr id="3" name="Content Placeholder 2">
+            <a:extLst>
+              <a:ext uri="{FF2B5EF4-FFF2-40B4-BE49-F238E27FC236}">
+                <a16:creationId xmlns:a16="http://schemas.microsoft.com/office/drawing/2014/main" id="{0CC24E84-738C-884D-9DDC-145228008448}"/>
+              </a:ext>
+            </a:extLst>
+          </p:cNvPr>
+          <p:cNvSpPr>
+            <a:spLocks noGrp="1"/>
+          </p:cNvSpPr>
+          <p:nvPr>
+            <p:ph idx="1"/>
+          </p:nvPr>
+        </p:nvSpPr>
+        <p:spPr>
+          <a:xfrm>
+            <a:off x="387927" y="1825625"/>
+            <a:ext cx="7453746" cy="4351338"/>
+          </a:xfrm>
+        </p:spPr>
+        <p:txBody>
+          <a:bodyPr>
+            <a:noAutofit/>
+          </a:bodyPr>
+          <a:lstStyle/>
+          <a:p>
+            <a:r>
+              <a:rPr lang="en-US" sz="2200" dirty="0"/>
+              <a:t>In Basic, the target of the GOTO could also be a line number</a:t>
+            </a:r>
+          </a:p>
+          <a:p>
+            <a:r>
+              <a:rPr lang="en-US" sz="2200" i="1" dirty="0"/>
+              <a:t>break</a:t>
+            </a:r>
+            <a:r>
+              <a:rPr lang="en-US" sz="2200" dirty="0"/>
+              <a:t>: stops execution of single loop construct in C/C++</a:t>
+            </a:r>
+          </a:p>
+          <a:p>
+            <a:r>
+              <a:rPr lang="en-US" sz="2200" i="1" dirty="0"/>
+              <a:t>continue</a:t>
+            </a:r>
+            <a:r>
+              <a:rPr lang="en-US" sz="2200" dirty="0"/>
+              <a:t>: skips the remaining instructions in a loop and proceeds with evaluating the condition of the next iteration</a:t>
+            </a:r>
+          </a:p>
+          <a:p>
+            <a:r>
+              <a:rPr lang="en-US" sz="2200" dirty="0"/>
+              <a:t>Multi-level returns (MLR): some construct that allows to exit from several function calls</a:t>
+            </a:r>
+          </a:p>
+          <a:p>
+            <a:r>
+              <a:rPr lang="en-US" sz="2200" dirty="0"/>
+              <a:t>Unwinding: </a:t>
+            </a:r>
+          </a:p>
+          <a:p>
+            <a:pPr lvl="1"/>
+            <a:r>
+              <a:rPr lang="en-US" sz="2200" dirty="0"/>
+              <a:t>repair stack, remove corrupted/failed functions, deallocate stack frames</a:t>
+            </a:r>
+          </a:p>
+          <a:p>
+            <a:pPr lvl="1"/>
+            <a:r>
+              <a:rPr lang="en-US" sz="2200" dirty="0"/>
+              <a:t>A lot of book-keeping: state in registers, fetching access links</a:t>
+            </a:r>
+          </a:p>
+        </p:txBody>
+      </p:sp>
+      <p:sp>
+        <p:nvSpPr>
+          <p:cNvPr id="4" name="Footer Placeholder 3">
+            <a:extLst>
+              <a:ext uri="{FF2B5EF4-FFF2-40B4-BE49-F238E27FC236}">
+                <a16:creationId xmlns:a16="http://schemas.microsoft.com/office/drawing/2014/main" id="{070394E6-5C21-4B4B-A9BF-60D31B57FC83}"/>
+              </a:ext>
+            </a:extLst>
+          </p:cNvPr>
+          <p:cNvSpPr>
+            <a:spLocks noGrp="1"/>
+          </p:cNvSpPr>
+          <p:nvPr>
+            <p:ph type="ftr" sz="quarter" idx="11"/>
+          </p:nvPr>
+        </p:nvSpPr>
+        <p:spPr/>
+        <p:txBody>
+          <a:bodyPr/>
+          <a:lstStyle/>
+          <a:p>
+            <a:r>
+              <a:rPr lang="en-US"/>
+              <a:t>Principles of Programming Languages</a:t>
+            </a:r>
+          </a:p>
+        </p:txBody>
+      </p:sp>
+      <p:sp>
+        <p:nvSpPr>
+          <p:cNvPr id="5" name="Slide Number Placeholder 4">
+            <a:extLst>
+              <a:ext uri="{FF2B5EF4-FFF2-40B4-BE49-F238E27FC236}">
+                <a16:creationId xmlns:a16="http://schemas.microsoft.com/office/drawing/2014/main" id="{AD4E7054-0612-F440-829E-1C0F74467BF7}"/>
+              </a:ext>
+            </a:extLst>
+          </p:cNvPr>
+          <p:cNvSpPr>
+            <a:spLocks noGrp="1"/>
+          </p:cNvSpPr>
+          <p:nvPr>
+            <p:ph type="sldNum" sz="quarter" idx="12"/>
+          </p:nvPr>
+        </p:nvSpPr>
+        <p:spPr/>
+        <p:txBody>
+          <a:bodyPr/>
+          <a:lstStyle/>
+          <a:p>
+            <a:fld id="{ABC98F02-4831-DB41-B2A1-83D581DBC9B9}" type="slidenum">
+              <a:rPr lang="en-US" smtClean="0"/>
+              <a:t>24</a:t>
+            </a:fld>
+            <a:endParaRPr lang="en-US" dirty="0"/>
+          </a:p>
+        </p:txBody>
+      </p:sp>
+      <p:sp>
+        <p:nvSpPr>
+          <p:cNvPr id="7" name="TextBox 6">
+            <a:extLst>
+              <a:ext uri="{FF2B5EF4-FFF2-40B4-BE49-F238E27FC236}">
+                <a16:creationId xmlns:a16="http://schemas.microsoft.com/office/drawing/2014/main" id="{64198A07-B13A-024B-B95D-5ECAF66DC3F8}"/>
+              </a:ext>
+            </a:extLst>
+          </p:cNvPr>
+          <p:cNvSpPr txBox="1"/>
+          <p:nvPr/>
+        </p:nvSpPr>
+        <p:spPr>
+          <a:xfrm>
+            <a:off x="8153400" y="1510145"/>
+            <a:ext cx="3823855" cy="4524315"/>
+          </a:xfrm>
+          <a:prstGeom prst="rect">
+            <a:avLst/>
+          </a:prstGeom>
+          <a:noFill/>
+          <a:ln w="38100">
+            <a:solidFill>
+              <a:srgbClr val="0070C0"/>
+            </a:solidFill>
+          </a:ln>
+        </p:spPr>
+        <p:txBody>
+          <a:bodyPr wrap="square" rtlCol="0">
+            <a:spAutoFit/>
+          </a:bodyPr>
+          <a:lstStyle/>
+          <a:p>
+            <a:r>
+              <a:rPr lang="en-US" dirty="0">
+                <a:latin typeface="Courier" pitchFamily="2" charset="0"/>
+              </a:rPr>
+              <a:t>function f1 () { </a:t>
+            </a:r>
+          </a:p>
+          <a:p>
+            <a:r>
+              <a:rPr lang="en-US" dirty="0">
+                <a:latin typeface="Courier" pitchFamily="2" charset="0"/>
+              </a:rPr>
+              <a:t>  … </a:t>
+            </a:r>
+          </a:p>
+          <a:p>
+            <a:r>
+              <a:rPr lang="en-US" dirty="0">
+                <a:latin typeface="Courier" pitchFamily="2" charset="0"/>
+              </a:rPr>
+              <a:t>  call f2 (); </a:t>
+            </a:r>
+          </a:p>
+          <a:p>
+            <a:r>
+              <a:rPr lang="en-US" dirty="0">
+                <a:latin typeface="Courier" pitchFamily="2" charset="0"/>
+              </a:rPr>
+              <a:t>  … </a:t>
+            </a:r>
+          </a:p>
+          <a:p>
+            <a:r>
+              <a:rPr lang="en-US" dirty="0">
+                <a:latin typeface="Courier" pitchFamily="2" charset="0"/>
+              </a:rPr>
+              <a:t>  label HERE; </a:t>
+            </a:r>
+          </a:p>
+          <a:p>
+            <a:r>
+              <a:rPr lang="en-US" dirty="0">
+                <a:latin typeface="Courier" pitchFamily="2" charset="0"/>
+              </a:rPr>
+              <a:t>…</a:t>
+            </a:r>
+          </a:p>
+          <a:p>
+            <a:r>
+              <a:rPr lang="en-US" dirty="0">
+                <a:latin typeface="Courier" pitchFamily="2" charset="0"/>
+              </a:rPr>
+              <a:t>}</a:t>
+            </a:r>
+          </a:p>
+          <a:p>
+            <a:endParaRPr lang="en-US" dirty="0">
+              <a:latin typeface="Courier" pitchFamily="2" charset="0"/>
+            </a:endParaRPr>
+          </a:p>
+          <a:p>
+            <a:r>
+              <a:rPr lang="en-US" dirty="0">
+                <a:latin typeface="Courier" pitchFamily="2" charset="0"/>
+              </a:rPr>
+              <a:t>function f2 () </a:t>
+            </a:r>
+          </a:p>
+          <a:p>
+            <a:r>
+              <a:rPr lang="en-US" dirty="0">
+                <a:latin typeface="Courier" pitchFamily="2" charset="0"/>
+              </a:rPr>
+              <a:t>{ … call f3 (); …}</a:t>
+            </a:r>
+          </a:p>
+          <a:p>
+            <a:endParaRPr lang="en-US" dirty="0">
+              <a:latin typeface="Courier" pitchFamily="2" charset="0"/>
+            </a:endParaRPr>
+          </a:p>
+          <a:p>
+            <a:r>
+              <a:rPr lang="en-US" dirty="0">
+                <a:latin typeface="Courier" pitchFamily="2" charset="0"/>
+              </a:rPr>
+              <a:t>function f3 () { </a:t>
+            </a:r>
+          </a:p>
+          <a:p>
+            <a:r>
+              <a:rPr lang="en-US" dirty="0">
+                <a:latin typeface="Courier" pitchFamily="2" charset="0"/>
+              </a:rPr>
+              <a:t>  … </a:t>
+            </a:r>
+          </a:p>
+          <a:p>
+            <a:r>
+              <a:rPr lang="en-US" dirty="0">
+                <a:latin typeface="Courier" pitchFamily="2" charset="0"/>
+              </a:rPr>
+              <a:t>  if (error) </a:t>
+            </a:r>
+            <a:r>
+              <a:rPr lang="en-US" dirty="0" err="1">
+                <a:latin typeface="Courier" pitchFamily="2" charset="0"/>
+              </a:rPr>
+              <a:t>goto</a:t>
+            </a:r>
+            <a:r>
+              <a:rPr lang="en-US" dirty="0">
+                <a:latin typeface="Courier" pitchFamily="2" charset="0"/>
+              </a:rPr>
+              <a:t> HERE;</a:t>
+            </a:r>
+          </a:p>
+          <a:p>
+            <a:r>
+              <a:rPr lang="en-US" dirty="0">
+                <a:latin typeface="Courier" pitchFamily="2" charset="0"/>
+              </a:rPr>
+              <a:t>  …</a:t>
+            </a:r>
+          </a:p>
+          <a:p>
+            <a:r>
+              <a:rPr lang="en-US" dirty="0">
+                <a:latin typeface="Courier" pitchFamily="2" charset="0"/>
+              </a:rPr>
+              <a:t>}</a:t>
+            </a:r>
+          </a:p>
+        </p:txBody>
+      </p:sp>
+      <p:sp>
+        <p:nvSpPr>
+          <p:cNvPr id="8" name="Curved Right Arrow 7">
+            <a:extLst>
+              <a:ext uri="{FF2B5EF4-FFF2-40B4-BE49-F238E27FC236}">
+                <a16:creationId xmlns:a16="http://schemas.microsoft.com/office/drawing/2014/main" id="{A1663591-2E3E-C740-A9BA-491B3608DC09}"/>
+              </a:ext>
+            </a:extLst>
+          </p:cNvPr>
+          <p:cNvSpPr/>
+          <p:nvPr/>
+        </p:nvSpPr>
+        <p:spPr>
+          <a:xfrm rot="9291016">
+            <a:off x="10803344" y="2490974"/>
+            <a:ext cx="845839" cy="2743200"/>
+          </a:xfrm>
+          <a:prstGeom prst="curvedRightArrow">
+            <a:avLst>
+              <a:gd name="adj1" fmla="val 7491"/>
+              <a:gd name="adj2" fmla="val 21000"/>
+              <a:gd name="adj3" fmla="val 14538"/>
+            </a:avLst>
+          </a:prstGeom>
+        </p:spPr>
+        <p:style>
+          <a:lnRef idx="2">
+            <a:schemeClr val="accent1">
+              <a:shade val="50000"/>
+            </a:schemeClr>
+          </a:lnRef>
+          <a:fillRef idx="1">
+            <a:schemeClr val="accent1"/>
+          </a:fillRef>
+          <a:effectRef idx="0">
+            <a:schemeClr val="accent1"/>
+          </a:effectRef>
+          <a:fontRef idx="minor">
+            <a:schemeClr val="lt1"/>
+          </a:fontRef>
+        </p:style>
+        <p:txBody>
+          <a:bodyPr rtlCol="0" anchor="ctr"/>
+          <a:lstStyle/>
+          <a:p>
+            <a:pPr algn="ctr"/>
+            <a:endParaRPr lang="en-US">
+              <a:solidFill>
+                <a:schemeClr val="tx1"/>
+              </a:solidFill>
+            </a:endParaRPr>
+          </a:p>
+        </p:txBody>
+      </p:sp>
+    </p:spTree>
+    <p:extLst>
+      <p:ext uri="{BB962C8B-B14F-4D97-AF65-F5344CB8AC3E}">
+        <p14:creationId xmlns:p14="http://schemas.microsoft.com/office/powerpoint/2010/main" val="1319137528"/>
+      </p:ext>
+    </p:extLst>
+  </p:cSld>
+  <p:clrMapOvr>
+    <a:masterClrMapping/>
+  </p:clrMapOvr>
+</p:sld>
+</file>
+
+<file path=ppt/slides/slide25.xml><?xml version="1.0" encoding="utf-8"?>
+<p:sld xmlns:a="http://schemas.openxmlformats.org/drawingml/2006/main" xmlns:r="http://schemas.openxmlformats.org/officeDocument/2006/relationships" xmlns:p="http://schemas.openxmlformats.org/presentationml/2006/main">
+  <p:cSld>
+    <p:spTree>
+      <p:nvGrpSpPr>
+        <p:cNvPr id="1" name=""/>
+        <p:cNvGrpSpPr/>
+        <p:nvPr/>
+      </p:nvGrpSpPr>
+      <p:grpSpPr>
+        <a:xfrm>
+          <a:off x="0" y="0"/>
+          <a:ext cx="0" cy="0"/>
+          <a:chOff x="0" y="0"/>
+          <a:chExt cx="0" cy="0"/>
+        </a:xfrm>
+      </p:grpSpPr>
+      <p:sp>
+        <p:nvSpPr>
+          <p:cNvPr id="2" name="Title 1">
+            <a:extLst>
+              <a:ext uri="{FF2B5EF4-FFF2-40B4-BE49-F238E27FC236}">
+                <a16:creationId xmlns:a16="http://schemas.microsoft.com/office/drawing/2014/main" id="{35A192E8-12F9-0C41-9DA9-5BDAE54AD17B}"/>
+              </a:ext>
+            </a:extLst>
+          </p:cNvPr>
+          <p:cNvSpPr>
+            <a:spLocks noGrp="1"/>
+          </p:cNvSpPr>
+          <p:nvPr>
+            <p:ph type="title"/>
+          </p:nvPr>
+        </p:nvSpPr>
+        <p:spPr/>
+        <p:txBody>
+          <a:bodyPr/>
+          <a:lstStyle/>
+          <a:p>
+            <a:r>
+              <a:rPr lang="en-US" dirty="0"/>
+              <a:t>Structured and Unstructured Flow</a:t>
+            </a:r>
+          </a:p>
+        </p:txBody>
+      </p:sp>
+      <p:sp>
+        <p:nvSpPr>
+          <p:cNvPr id="3" name="Content Placeholder 2">
+            <a:extLst>
+              <a:ext uri="{FF2B5EF4-FFF2-40B4-BE49-F238E27FC236}">
+                <a16:creationId xmlns:a16="http://schemas.microsoft.com/office/drawing/2014/main" id="{0CC24E84-738C-884D-9DDC-145228008448}"/>
+              </a:ext>
+            </a:extLst>
+          </p:cNvPr>
+          <p:cNvSpPr>
+            <a:spLocks noGrp="1"/>
+          </p:cNvSpPr>
+          <p:nvPr>
+            <p:ph idx="1"/>
+          </p:nvPr>
+        </p:nvSpPr>
+        <p:spPr>
+          <a:xfrm>
+            <a:off x="387926" y="1825625"/>
+            <a:ext cx="6511637" cy="4351338"/>
+          </a:xfrm>
+        </p:spPr>
+        <p:txBody>
+          <a:bodyPr>
+            <a:noAutofit/>
+          </a:bodyPr>
+          <a:lstStyle/>
+          <a:p>
+            <a:r>
+              <a:rPr lang="en-US" sz="2200" dirty="0"/>
+              <a:t>Exception handling: </a:t>
+            </a:r>
+          </a:p>
+          <a:p>
+            <a:pPr lvl="1"/>
+            <a:r>
+              <a:rPr lang="en-US" sz="2200" dirty="0"/>
+              <a:t>dangerous code + repair code</a:t>
+            </a:r>
+          </a:p>
+          <a:p>
+            <a:pPr lvl="1"/>
+            <a:r>
+              <a:rPr lang="en-US" sz="2200" dirty="0"/>
+              <a:t>Internally, not very different from a switch or for</a:t>
+            </a:r>
+          </a:p>
+          <a:p>
+            <a:pPr lvl="1"/>
+            <a:r>
+              <a:rPr lang="en-US" sz="2200" dirty="0"/>
+              <a:t>Several implicit jumps, depending on what happens, where, and when </a:t>
+            </a:r>
+            <a:r>
+              <a:rPr lang="en-US" sz="2200" dirty="0">
+                <a:sym typeface="Wingdings" pitchFamily="2" charset="2"/>
+              </a:rPr>
+              <a:t> control transfer</a:t>
+            </a:r>
+          </a:p>
+          <a:p>
+            <a:r>
+              <a:rPr lang="en-US" sz="2200" dirty="0">
+                <a:sym typeface="Wingdings" pitchFamily="2" charset="2"/>
+              </a:rPr>
+              <a:t>Similarities between MLR and structured exceptions:</a:t>
+            </a:r>
+          </a:p>
+          <a:p>
+            <a:pPr lvl="1"/>
+            <a:r>
+              <a:rPr lang="en-US" sz="2200" dirty="0">
+                <a:sym typeface="Wingdings" pitchFamily="2" charset="2"/>
+              </a:rPr>
+              <a:t>Control transfer from inner to outer context</a:t>
+            </a:r>
+          </a:p>
+          <a:p>
+            <a:pPr lvl="1"/>
+            <a:r>
+              <a:rPr lang="en-US" sz="2200" dirty="0"/>
+              <a:t>Unwinding stack (functions that failed)</a:t>
+            </a:r>
+          </a:p>
+          <a:p>
+            <a:r>
+              <a:rPr lang="en-US" sz="2200" dirty="0"/>
+              <a:t>Distinction between (MLR) and structured exceptions:</a:t>
+            </a:r>
+          </a:p>
+          <a:p>
+            <a:pPr lvl="1"/>
+            <a:r>
+              <a:rPr lang="en-US" sz="2200" dirty="0"/>
+              <a:t>Completion of task: success for MLR, failure for exceptions</a:t>
+            </a:r>
+          </a:p>
+        </p:txBody>
+      </p:sp>
+      <p:sp>
+        <p:nvSpPr>
+          <p:cNvPr id="4" name="Footer Placeholder 3">
+            <a:extLst>
+              <a:ext uri="{FF2B5EF4-FFF2-40B4-BE49-F238E27FC236}">
+                <a16:creationId xmlns:a16="http://schemas.microsoft.com/office/drawing/2014/main" id="{070394E6-5C21-4B4B-A9BF-60D31B57FC83}"/>
+              </a:ext>
+            </a:extLst>
+          </p:cNvPr>
+          <p:cNvSpPr>
+            <a:spLocks noGrp="1"/>
+          </p:cNvSpPr>
+          <p:nvPr>
+            <p:ph type="ftr" sz="quarter" idx="11"/>
+          </p:nvPr>
+        </p:nvSpPr>
+        <p:spPr/>
+        <p:txBody>
+          <a:bodyPr/>
+          <a:lstStyle/>
+          <a:p>
+            <a:r>
+              <a:rPr lang="en-US"/>
+              <a:t>Principles of Programming Languages</a:t>
+            </a:r>
+          </a:p>
+        </p:txBody>
+      </p:sp>
+      <p:sp>
+        <p:nvSpPr>
+          <p:cNvPr id="5" name="Slide Number Placeholder 4">
+            <a:extLst>
+              <a:ext uri="{FF2B5EF4-FFF2-40B4-BE49-F238E27FC236}">
+                <a16:creationId xmlns:a16="http://schemas.microsoft.com/office/drawing/2014/main" id="{AD4E7054-0612-F440-829E-1C0F74467BF7}"/>
+              </a:ext>
+            </a:extLst>
+          </p:cNvPr>
+          <p:cNvSpPr>
+            <a:spLocks noGrp="1"/>
+          </p:cNvSpPr>
+          <p:nvPr>
+            <p:ph type="sldNum" sz="quarter" idx="12"/>
+          </p:nvPr>
+        </p:nvSpPr>
+        <p:spPr/>
+        <p:txBody>
+          <a:bodyPr/>
+          <a:lstStyle/>
+          <a:p>
+            <a:fld id="{ABC98F02-4831-DB41-B2A1-83D581DBC9B9}" type="slidenum">
+              <a:rPr lang="en-US" smtClean="0"/>
+              <a:t>25</a:t>
+            </a:fld>
+            <a:endParaRPr lang="en-US" dirty="0"/>
+          </a:p>
+        </p:txBody>
+      </p:sp>
+      <p:sp>
+        <p:nvSpPr>
+          <p:cNvPr id="7" name="TextBox 6">
+            <a:extLst>
+              <a:ext uri="{FF2B5EF4-FFF2-40B4-BE49-F238E27FC236}">
+                <a16:creationId xmlns:a16="http://schemas.microsoft.com/office/drawing/2014/main" id="{64198A07-B13A-024B-B95D-5ECAF66DC3F8}"/>
+              </a:ext>
+            </a:extLst>
+          </p:cNvPr>
+          <p:cNvSpPr txBox="1"/>
+          <p:nvPr/>
+        </p:nvSpPr>
+        <p:spPr>
+          <a:xfrm>
+            <a:off x="7245928" y="1990292"/>
+            <a:ext cx="4509655" cy="3693319"/>
+          </a:xfrm>
+          <a:prstGeom prst="rect">
+            <a:avLst/>
+          </a:prstGeom>
+          <a:noFill/>
+          <a:ln w="38100">
+            <a:solidFill>
+              <a:srgbClr val="0070C0"/>
+            </a:solidFill>
+          </a:ln>
+        </p:spPr>
+        <p:txBody>
+          <a:bodyPr wrap="square" rtlCol="0">
+            <a:spAutoFit/>
+          </a:bodyPr>
+          <a:lstStyle/>
+          <a:p>
+            <a:r>
+              <a:rPr lang="en-US" dirty="0">
+                <a:latin typeface="Courier" pitchFamily="2" charset="0"/>
+              </a:rPr>
+              <a:t>try {</a:t>
+            </a:r>
+          </a:p>
+          <a:p>
+            <a:r>
+              <a:rPr lang="en-US" dirty="0">
+                <a:latin typeface="Courier" pitchFamily="2" charset="0"/>
+              </a:rPr>
+              <a:t>  // dangerous code</a:t>
+            </a:r>
+          </a:p>
+          <a:p>
+            <a:r>
+              <a:rPr lang="en-US" dirty="0">
+                <a:latin typeface="Courier" pitchFamily="2" charset="0"/>
+              </a:rPr>
+              <a:t>} catch (</a:t>
+            </a:r>
+            <a:r>
+              <a:rPr lang="en-US" dirty="0" err="1">
+                <a:latin typeface="Courier" pitchFamily="2" charset="0"/>
+              </a:rPr>
+              <a:t>ExceptionType</a:t>
+            </a:r>
+            <a:r>
+              <a:rPr lang="en-US" dirty="0">
+                <a:latin typeface="Courier" pitchFamily="2" charset="0"/>
+              </a:rPr>
+              <a:t> e1) {</a:t>
+            </a:r>
+          </a:p>
+          <a:p>
+            <a:r>
+              <a:rPr lang="en-US" dirty="0">
+                <a:latin typeface="Courier" pitchFamily="2" charset="0"/>
+              </a:rPr>
+              <a:t>  // do something</a:t>
+            </a:r>
+          </a:p>
+          <a:p>
+            <a:r>
+              <a:rPr lang="en-US" dirty="0">
+                <a:latin typeface="Courier" pitchFamily="2" charset="0"/>
+              </a:rPr>
+              <a:t>} catch (</a:t>
+            </a:r>
+            <a:r>
+              <a:rPr lang="en-US" dirty="0" err="1">
+                <a:latin typeface="Courier" pitchFamily="2" charset="0"/>
+              </a:rPr>
+              <a:t>ExceptionType</a:t>
+            </a:r>
+            <a:r>
+              <a:rPr lang="en-US" dirty="0">
+                <a:latin typeface="Courier" pitchFamily="2" charset="0"/>
+              </a:rPr>
+              <a:t> e2) {</a:t>
+            </a:r>
+          </a:p>
+          <a:p>
+            <a:r>
+              <a:rPr lang="en-US" dirty="0">
+                <a:latin typeface="Courier" pitchFamily="2" charset="0"/>
+              </a:rPr>
+              <a:t>  // some other error</a:t>
+            </a:r>
+          </a:p>
+          <a:p>
+            <a:r>
+              <a:rPr lang="en-US" dirty="0">
+                <a:latin typeface="Courier" pitchFamily="2" charset="0"/>
+              </a:rPr>
+              <a:t>} </a:t>
+            </a:r>
+          </a:p>
+          <a:p>
+            <a:r>
+              <a:rPr lang="en-US" dirty="0">
+                <a:latin typeface="Courier" pitchFamily="2" charset="0"/>
+              </a:rPr>
+              <a:t>[ </a:t>
+            </a:r>
+            <a:r>
+              <a:rPr lang="en-US" dirty="0" err="1">
+                <a:latin typeface="Courier" pitchFamily="2" charset="0"/>
+              </a:rPr>
+              <a:t>finaly</a:t>
+            </a:r>
+            <a:r>
+              <a:rPr lang="en-US" dirty="0">
+                <a:latin typeface="Courier" pitchFamily="2" charset="0"/>
+              </a:rPr>
+              <a:t> { </a:t>
+            </a:r>
+          </a:p>
+          <a:p>
+            <a:r>
+              <a:rPr lang="en-US" dirty="0">
+                <a:latin typeface="Courier" pitchFamily="2" charset="0"/>
+              </a:rPr>
+              <a:t>  // optional</a:t>
+            </a:r>
+          </a:p>
+          <a:p>
+            <a:r>
+              <a:rPr lang="en-US" dirty="0">
+                <a:latin typeface="Courier" pitchFamily="2" charset="0"/>
+              </a:rPr>
+              <a:t>  // code to always executed</a:t>
+            </a:r>
+          </a:p>
+          <a:p>
+            <a:r>
+              <a:rPr lang="en-US" dirty="0">
+                <a:latin typeface="Courier" pitchFamily="2" charset="0"/>
+              </a:rPr>
+              <a:t>  }</a:t>
+            </a:r>
+          </a:p>
+          <a:p>
+            <a:r>
+              <a:rPr lang="en-US" dirty="0">
+                <a:latin typeface="Courier" pitchFamily="2" charset="0"/>
+              </a:rPr>
+              <a:t>]</a:t>
+            </a:r>
+          </a:p>
+          <a:p>
+            <a:endParaRPr lang="en-US" dirty="0">
+              <a:latin typeface="Courier" pitchFamily="2" charset="0"/>
+            </a:endParaRPr>
+          </a:p>
+        </p:txBody>
+      </p:sp>
+    </p:spTree>
+    <p:extLst>
+      <p:ext uri="{BB962C8B-B14F-4D97-AF65-F5344CB8AC3E}">
+        <p14:creationId xmlns:p14="http://schemas.microsoft.com/office/powerpoint/2010/main" val="3572521605"/>
+      </p:ext>
+    </p:extLst>
+  </p:cSld>
+  <p:clrMapOvr>
+    <a:masterClrMapping/>
+  </p:clrMapOvr>
+</p:sld>
+</file>
+
+<file path=ppt/slides/slide26.xml><?xml version="1.0" encoding="utf-8"?>
+<p:sld xmlns:a="http://schemas.openxmlformats.org/drawingml/2006/main" xmlns:r="http://schemas.openxmlformats.org/officeDocument/2006/relationships" xmlns:p="http://schemas.openxmlformats.org/presentationml/2006/main">
+  <p:cSld>
+    <p:spTree>
+      <p:nvGrpSpPr>
+        <p:cNvPr id="1" name=""/>
+        <p:cNvGrpSpPr/>
+        <p:nvPr/>
+      </p:nvGrpSpPr>
+      <p:grpSpPr>
+        <a:xfrm>
+          <a:off x="0" y="0"/>
+          <a:ext cx="0" cy="0"/>
+          <a:chOff x="0" y="0"/>
+          <a:chExt cx="0" cy="0"/>
+        </a:xfrm>
+      </p:grpSpPr>
+      <p:sp>
+        <p:nvSpPr>
+          <p:cNvPr id="2" name="Title 1">
+            <a:extLst>
+              <a:ext uri="{FF2B5EF4-FFF2-40B4-BE49-F238E27FC236}">
+                <a16:creationId xmlns:a16="http://schemas.microsoft.com/office/drawing/2014/main" id="{89C0B8DA-90D3-7A42-990A-3A9F76D9B98A}"/>
+              </a:ext>
+            </a:extLst>
+          </p:cNvPr>
+          <p:cNvSpPr>
+            <a:spLocks noGrp="1"/>
+          </p:cNvSpPr>
+          <p:nvPr>
+            <p:ph type="title"/>
+          </p:nvPr>
+        </p:nvSpPr>
+        <p:spPr/>
+        <p:txBody>
+          <a:bodyPr/>
+          <a:lstStyle/>
+          <a:p>
+            <a:r>
+              <a:rPr lang="en-US" dirty="0"/>
+              <a:t>Sequencing</a:t>
+            </a:r>
+          </a:p>
+        </p:txBody>
+      </p:sp>
+      <p:sp>
+        <p:nvSpPr>
+          <p:cNvPr id="3" name="Content Placeholder 2">
+            <a:extLst>
+              <a:ext uri="{FF2B5EF4-FFF2-40B4-BE49-F238E27FC236}">
+                <a16:creationId xmlns:a16="http://schemas.microsoft.com/office/drawing/2014/main" id="{6A21A686-5ABC-1B4C-BC08-BD79185E184C}"/>
+              </a:ext>
+            </a:extLst>
+          </p:cNvPr>
+          <p:cNvSpPr>
+            <a:spLocks noGrp="1"/>
+          </p:cNvSpPr>
+          <p:nvPr>
+            <p:ph idx="1"/>
+          </p:nvPr>
+        </p:nvSpPr>
+        <p:spPr/>
+        <p:txBody>
+          <a:bodyPr>
+            <a:normAutofit/>
+          </a:bodyPr>
+          <a:lstStyle/>
+          <a:p>
+            <a:pPr>
+              <a:lnSpc>
+                <a:spcPct val="120000"/>
+              </a:lnSpc>
+            </a:pPr>
+            <a:r>
+              <a:rPr lang="en-US" sz="2200" dirty="0"/>
+              <a:t>Essentially, list of statements: </a:t>
+            </a:r>
+          </a:p>
+          <a:p>
+            <a:pPr lvl="1">
+              <a:lnSpc>
+                <a:spcPct val="120000"/>
+              </a:lnSpc>
+            </a:pPr>
+            <a:r>
+              <a:rPr lang="en-US" sz="2200" dirty="0"/>
+              <a:t>S1; S2; S3; …; Sn</a:t>
+            </a:r>
+          </a:p>
+          <a:p>
+            <a:pPr>
+              <a:lnSpc>
+                <a:spcPct val="120000"/>
+              </a:lnSpc>
+            </a:pPr>
+            <a:r>
+              <a:rPr lang="en-US" sz="2200" dirty="0"/>
+              <a:t>Effect: S1 executes first, followed by S2, S3, and so on</a:t>
+            </a:r>
+          </a:p>
+          <a:p>
+            <a:pPr>
+              <a:lnSpc>
+                <a:spcPct val="120000"/>
+              </a:lnSpc>
+            </a:pPr>
+            <a:r>
+              <a:rPr lang="en-US" sz="2200" dirty="0"/>
+              <a:t>Compilers will exploit lack of dependencies (information flow) between pairs of statements (e.g. Si and </a:t>
+            </a:r>
+            <a:r>
+              <a:rPr lang="en-US" sz="2200" dirty="0" err="1"/>
+              <a:t>Sj</a:t>
+            </a:r>
+            <a:r>
+              <a:rPr lang="en-US" sz="2200" dirty="0"/>
+              <a:t>) to reorder them in a legal fashion </a:t>
+            </a:r>
+            <a:r>
+              <a:rPr lang="en-US" sz="2200" dirty="0">
+                <a:sym typeface="Wingdings" pitchFamily="2" charset="2"/>
+              </a:rPr>
+              <a:t> similar to out-of-order (</a:t>
+            </a:r>
+            <a:r>
+              <a:rPr lang="en-US" sz="2200" dirty="0" err="1">
+                <a:sym typeface="Wingdings" pitchFamily="2" charset="2"/>
+              </a:rPr>
+              <a:t>OoO</a:t>
+            </a:r>
+            <a:r>
+              <a:rPr lang="en-US" sz="2200" dirty="0">
+                <a:sym typeface="Wingdings" pitchFamily="2" charset="2"/>
+              </a:rPr>
+              <a:t>) execution</a:t>
+            </a:r>
+          </a:p>
+          <a:p>
+            <a:pPr>
+              <a:lnSpc>
+                <a:spcPct val="120000"/>
+              </a:lnSpc>
+            </a:pPr>
+            <a:r>
+              <a:rPr lang="en-US" sz="2200" dirty="0"/>
+              <a:t>Imperative languages would provide dedicated delimiters: {/}, begin/end</a:t>
+            </a:r>
+          </a:p>
+          <a:p>
+            <a:pPr>
+              <a:lnSpc>
+                <a:spcPct val="120000"/>
+              </a:lnSpc>
+            </a:pPr>
+            <a:r>
+              <a:rPr lang="en-US" sz="2200" dirty="0"/>
+              <a:t>List of statements surrounded by delimiters = block or compounded statement</a:t>
+            </a:r>
+          </a:p>
+        </p:txBody>
+      </p:sp>
+      <p:sp>
+        <p:nvSpPr>
+          <p:cNvPr id="4" name="Footer Placeholder 3">
+            <a:extLst>
+              <a:ext uri="{FF2B5EF4-FFF2-40B4-BE49-F238E27FC236}">
+                <a16:creationId xmlns:a16="http://schemas.microsoft.com/office/drawing/2014/main" id="{E5AF2B23-3085-4647-86E3-C3993772CED1}"/>
+              </a:ext>
+            </a:extLst>
+          </p:cNvPr>
+          <p:cNvSpPr>
+            <a:spLocks noGrp="1"/>
+          </p:cNvSpPr>
+          <p:nvPr>
+            <p:ph type="ftr" sz="quarter" idx="11"/>
+          </p:nvPr>
+        </p:nvSpPr>
+        <p:spPr/>
+        <p:txBody>
+          <a:bodyPr/>
+          <a:lstStyle/>
+          <a:p>
+            <a:r>
+              <a:rPr lang="en-US"/>
+              <a:t>Principles of Programming Languages</a:t>
+            </a:r>
+          </a:p>
+        </p:txBody>
+      </p:sp>
+      <p:sp>
+        <p:nvSpPr>
+          <p:cNvPr id="5" name="Slide Number Placeholder 4">
+            <a:extLst>
+              <a:ext uri="{FF2B5EF4-FFF2-40B4-BE49-F238E27FC236}">
+                <a16:creationId xmlns:a16="http://schemas.microsoft.com/office/drawing/2014/main" id="{BB12C48D-214B-B048-A25B-4E094346C875}"/>
+              </a:ext>
+            </a:extLst>
+          </p:cNvPr>
+          <p:cNvSpPr>
+            <a:spLocks noGrp="1"/>
+          </p:cNvSpPr>
+          <p:nvPr>
+            <p:ph type="sldNum" sz="quarter" idx="12"/>
+          </p:nvPr>
+        </p:nvSpPr>
+        <p:spPr/>
+        <p:txBody>
+          <a:bodyPr/>
+          <a:lstStyle/>
+          <a:p>
+            <a:fld id="{ABC98F02-4831-DB41-B2A1-83D581DBC9B9}" type="slidenum">
+              <a:rPr lang="en-US" smtClean="0"/>
+              <a:t>26</a:t>
+            </a:fld>
+            <a:endParaRPr lang="en-US"/>
+          </a:p>
+        </p:txBody>
+      </p:sp>
+    </p:spTree>
+    <p:extLst>
+      <p:ext uri="{BB962C8B-B14F-4D97-AF65-F5344CB8AC3E}">
+        <p14:creationId xmlns:p14="http://schemas.microsoft.com/office/powerpoint/2010/main" val="1365982592"/>
+      </p:ext>
+    </p:extLst>
+  </p:cSld>
+  <p:clrMapOvr>
+    <a:masterClrMapping/>
+  </p:clrMapOvr>
+</p:sld>
+</file>
+
+<file path=ppt/slides/slide27.xml><?xml version="1.0" encoding="utf-8"?>
+<p:sld xmlns:a="http://schemas.openxmlformats.org/drawingml/2006/main" xmlns:r="http://schemas.openxmlformats.org/officeDocument/2006/relationships" xmlns:p="http://schemas.openxmlformats.org/presentationml/2006/main">
+  <p:cSld>
+    <p:spTree>
+      <p:nvGrpSpPr>
+        <p:cNvPr id="1" name=""/>
+        <p:cNvGrpSpPr/>
+        <p:nvPr/>
+      </p:nvGrpSpPr>
+      <p:grpSpPr>
+        <a:xfrm>
+          <a:off x="0" y="0"/>
+          <a:ext cx="0" cy="0"/>
+          <a:chOff x="0" y="0"/>
+          <a:chExt cx="0" cy="0"/>
+        </a:xfrm>
+      </p:grpSpPr>
+      <p:sp>
+        <p:nvSpPr>
+          <p:cNvPr id="2" name="Title 1">
+            <a:extLst>
+              <a:ext uri="{FF2B5EF4-FFF2-40B4-BE49-F238E27FC236}">
+                <a16:creationId xmlns:a16="http://schemas.microsoft.com/office/drawing/2014/main" id="{22DFA081-C8A9-534B-87EF-79FBB0C64D0C}"/>
+              </a:ext>
+            </a:extLst>
+          </p:cNvPr>
+          <p:cNvSpPr>
+            <a:spLocks noGrp="1"/>
+          </p:cNvSpPr>
+          <p:nvPr>
+            <p:ph type="title"/>
+          </p:nvPr>
+        </p:nvSpPr>
+        <p:spPr/>
+        <p:txBody>
+          <a:bodyPr/>
+          <a:lstStyle/>
+          <a:p>
+            <a:r>
+              <a:rPr lang="en-US" dirty="0"/>
+              <a:t>Continuations</a:t>
+            </a:r>
+          </a:p>
+        </p:txBody>
+      </p:sp>
+      <p:sp>
+        <p:nvSpPr>
+          <p:cNvPr id="3" name="Content Placeholder 2">
+            <a:extLst>
+              <a:ext uri="{FF2B5EF4-FFF2-40B4-BE49-F238E27FC236}">
+                <a16:creationId xmlns:a16="http://schemas.microsoft.com/office/drawing/2014/main" id="{276DABBA-E46C-A14D-8D09-DADD165B8908}"/>
+              </a:ext>
+            </a:extLst>
+          </p:cNvPr>
+          <p:cNvSpPr>
+            <a:spLocks noGrp="1"/>
+          </p:cNvSpPr>
+          <p:nvPr>
+            <p:ph idx="1"/>
+          </p:nvPr>
+        </p:nvSpPr>
+        <p:spPr/>
+        <p:txBody>
+          <a:bodyPr/>
+          <a:lstStyle/>
+          <a:p>
+            <a:r>
+              <a:rPr lang="en-US" dirty="0"/>
+              <a:t>See page 250</a:t>
+            </a:r>
+          </a:p>
+        </p:txBody>
+      </p:sp>
+      <p:sp>
+        <p:nvSpPr>
+          <p:cNvPr id="4" name="Footer Placeholder 3">
+            <a:extLst>
+              <a:ext uri="{FF2B5EF4-FFF2-40B4-BE49-F238E27FC236}">
+                <a16:creationId xmlns:a16="http://schemas.microsoft.com/office/drawing/2014/main" id="{01D0978E-4807-1D4B-90A5-D8BFA8763872}"/>
+              </a:ext>
+            </a:extLst>
+          </p:cNvPr>
+          <p:cNvSpPr>
+            <a:spLocks noGrp="1"/>
+          </p:cNvSpPr>
+          <p:nvPr>
+            <p:ph type="ftr" sz="quarter" idx="11"/>
+          </p:nvPr>
+        </p:nvSpPr>
+        <p:spPr/>
+        <p:txBody>
+          <a:bodyPr/>
+          <a:lstStyle/>
+          <a:p>
+            <a:r>
+              <a:rPr lang="en-US"/>
+              <a:t>Principles of Programming Languages</a:t>
+            </a:r>
+          </a:p>
+        </p:txBody>
+      </p:sp>
+      <p:sp>
+        <p:nvSpPr>
+          <p:cNvPr id="5" name="Slide Number Placeholder 4">
+            <a:extLst>
+              <a:ext uri="{FF2B5EF4-FFF2-40B4-BE49-F238E27FC236}">
+                <a16:creationId xmlns:a16="http://schemas.microsoft.com/office/drawing/2014/main" id="{079926D8-4CAF-BF45-9F81-6CF8EA969D25}"/>
+              </a:ext>
+            </a:extLst>
+          </p:cNvPr>
+          <p:cNvSpPr>
+            <a:spLocks noGrp="1"/>
+          </p:cNvSpPr>
+          <p:nvPr>
+            <p:ph type="sldNum" sz="quarter" idx="12"/>
+          </p:nvPr>
+        </p:nvSpPr>
+        <p:spPr/>
+        <p:txBody>
+          <a:bodyPr/>
+          <a:lstStyle/>
+          <a:p>
+            <a:fld id="{ABC98F02-4831-DB41-B2A1-83D581DBC9B9}" type="slidenum">
+              <a:rPr lang="en-US" smtClean="0"/>
+              <a:t>27</a:t>
+            </a:fld>
+            <a:endParaRPr lang="en-US"/>
+          </a:p>
+        </p:txBody>
+      </p:sp>
+    </p:spTree>
+    <p:extLst>
+      <p:ext uri="{BB962C8B-B14F-4D97-AF65-F5344CB8AC3E}">
+        <p14:creationId xmlns:p14="http://schemas.microsoft.com/office/powerpoint/2010/main" val="1871056068"/>
+      </p:ext>
+    </p:extLst>
+  </p:cSld>
+  <p:clrMapOvr>
+    <a:masterClrMapping/>
+  </p:clrMapOvr>
+</p:sld>
+</file>
+
+<file path=ppt/slides/slide28.xml><?xml version="1.0" encoding="utf-8"?>
+<p:sld xmlns:a="http://schemas.openxmlformats.org/drawingml/2006/main" xmlns:r="http://schemas.openxmlformats.org/officeDocument/2006/relationships" xmlns:p="http://schemas.openxmlformats.org/presentationml/2006/main">
+  <p:cSld>
+    <p:spTree>
+      <p:nvGrpSpPr>
+        <p:cNvPr id="1" name=""/>
+        <p:cNvGrpSpPr/>
+        <p:nvPr/>
+      </p:nvGrpSpPr>
+      <p:grpSpPr>
+        <a:xfrm>
+          <a:off x="0" y="0"/>
+          <a:ext cx="0" cy="0"/>
+          <a:chOff x="0" y="0"/>
+          <a:chExt cx="0" cy="0"/>
+        </a:xfrm>
+      </p:grpSpPr>
+      <p:sp>
+        <p:nvSpPr>
+          <p:cNvPr id="2" name="Title 1">
+            <a:extLst>
+              <a:ext uri="{FF2B5EF4-FFF2-40B4-BE49-F238E27FC236}">
+                <a16:creationId xmlns:a16="http://schemas.microsoft.com/office/drawing/2014/main" id="{9754357A-9645-9E44-B56C-F84E2961698C}"/>
+              </a:ext>
+            </a:extLst>
+          </p:cNvPr>
+          <p:cNvSpPr>
+            <a:spLocks noGrp="1"/>
+          </p:cNvSpPr>
+          <p:nvPr>
+            <p:ph type="title"/>
+          </p:nvPr>
+        </p:nvSpPr>
+        <p:spPr/>
+        <p:txBody>
+          <a:bodyPr/>
+          <a:lstStyle/>
+          <a:p>
+            <a:r>
+              <a:rPr lang="en-US" dirty="0"/>
+              <a:t>Applicative and Normal-Order Evaluation</a:t>
+            </a:r>
+          </a:p>
+        </p:txBody>
+      </p:sp>
+      <p:sp>
+        <p:nvSpPr>
+          <p:cNvPr id="3" name="Content Placeholder 2">
+            <a:extLst>
+              <a:ext uri="{FF2B5EF4-FFF2-40B4-BE49-F238E27FC236}">
+                <a16:creationId xmlns:a16="http://schemas.microsoft.com/office/drawing/2014/main" id="{D960004B-1D35-4548-9E28-BA9FEDA721EC}"/>
+              </a:ext>
+            </a:extLst>
+          </p:cNvPr>
+          <p:cNvSpPr>
+            <a:spLocks noGrp="1"/>
+          </p:cNvSpPr>
+          <p:nvPr>
+            <p:ph idx="1"/>
+          </p:nvPr>
+        </p:nvSpPr>
+        <p:spPr/>
+        <p:txBody>
+          <a:bodyPr/>
+          <a:lstStyle/>
+          <a:p>
+            <a:endParaRPr lang="en-US"/>
+          </a:p>
+        </p:txBody>
+      </p:sp>
+      <p:sp>
+        <p:nvSpPr>
+          <p:cNvPr id="4" name="Footer Placeholder 3">
+            <a:extLst>
+              <a:ext uri="{FF2B5EF4-FFF2-40B4-BE49-F238E27FC236}">
+                <a16:creationId xmlns:a16="http://schemas.microsoft.com/office/drawing/2014/main" id="{C807D11E-57E5-C14F-A641-125257DB0571}"/>
+              </a:ext>
+            </a:extLst>
+          </p:cNvPr>
+          <p:cNvSpPr>
+            <a:spLocks noGrp="1"/>
+          </p:cNvSpPr>
+          <p:nvPr>
+            <p:ph type="ftr" sz="quarter" idx="11"/>
+          </p:nvPr>
+        </p:nvSpPr>
+        <p:spPr/>
+        <p:txBody>
+          <a:bodyPr/>
+          <a:lstStyle/>
+          <a:p>
+            <a:r>
+              <a:rPr lang="en-US"/>
+              <a:t>Principles of Programming Languages</a:t>
+            </a:r>
+          </a:p>
+        </p:txBody>
+      </p:sp>
+      <p:sp>
+        <p:nvSpPr>
+          <p:cNvPr id="5" name="Slide Number Placeholder 4">
+            <a:extLst>
+              <a:ext uri="{FF2B5EF4-FFF2-40B4-BE49-F238E27FC236}">
+                <a16:creationId xmlns:a16="http://schemas.microsoft.com/office/drawing/2014/main" id="{C7AC676F-9AF2-8C44-B627-909A3642B5D3}"/>
+              </a:ext>
+            </a:extLst>
+          </p:cNvPr>
+          <p:cNvSpPr>
+            <a:spLocks noGrp="1"/>
+          </p:cNvSpPr>
+          <p:nvPr>
+            <p:ph type="sldNum" sz="quarter" idx="12"/>
+          </p:nvPr>
+        </p:nvSpPr>
+        <p:spPr/>
+        <p:txBody>
+          <a:bodyPr/>
+          <a:lstStyle/>
+          <a:p>
+            <a:fld id="{ABC98F02-4831-DB41-B2A1-83D581DBC9B9}" type="slidenum">
+              <a:rPr lang="en-US" smtClean="0"/>
+              <a:t>28</a:t>
+            </a:fld>
+            <a:endParaRPr lang="en-US"/>
+          </a:p>
+        </p:txBody>
+      </p:sp>
+    </p:spTree>
+    <p:extLst>
+      <p:ext uri="{BB962C8B-B14F-4D97-AF65-F5344CB8AC3E}">
+        <p14:creationId xmlns:p14="http://schemas.microsoft.com/office/powerpoint/2010/main" val="2248792263"/>
+      </p:ext>
+    </p:extLst>
+  </p:cSld>
+  <p:clrMapOvr>
+    <a:masterClrMapping/>
+  </p:clrMapOvr>
+</p:sld>
+</file>
+
+<file path=ppt/slides/slide29.xml><?xml version="1.0" encoding="utf-8"?>
+<p:sld xmlns:a="http://schemas.openxmlformats.org/drawingml/2006/main" xmlns:r="http://schemas.openxmlformats.org/officeDocument/2006/relationships" xmlns:p="http://schemas.openxmlformats.org/presentationml/2006/main">
+  <p:cSld>
+    <p:spTree>
+      <p:nvGrpSpPr>
+        <p:cNvPr id="1" name=""/>
+        <p:cNvGrpSpPr/>
+        <p:nvPr/>
+      </p:nvGrpSpPr>
+      <p:grpSpPr>
+        <a:xfrm>
+          <a:off x="0" y="0"/>
+          <a:ext cx="0" cy="0"/>
+          <a:chOff x="0" y="0"/>
+          <a:chExt cx="0" cy="0"/>
+        </a:xfrm>
+      </p:grpSpPr>
+      <p:sp>
+        <p:nvSpPr>
+          <p:cNvPr id="2" name="Title 1">
+            <a:extLst>
+              <a:ext uri="{FF2B5EF4-FFF2-40B4-BE49-F238E27FC236}">
+                <a16:creationId xmlns:a16="http://schemas.microsoft.com/office/drawing/2014/main" id="{52C62D39-B4AF-BB4F-B2AC-358016942985}"/>
+              </a:ext>
+            </a:extLst>
+          </p:cNvPr>
+          <p:cNvSpPr>
+            <a:spLocks noGrp="1"/>
+          </p:cNvSpPr>
+          <p:nvPr>
+            <p:ph type="title"/>
+          </p:nvPr>
+        </p:nvSpPr>
+        <p:spPr/>
+        <p:txBody>
+          <a:bodyPr/>
+          <a:lstStyle/>
+          <a:p>
+            <a:r>
+              <a:rPr lang="en-US" dirty="0" err="1"/>
+              <a:t>Nondeterminacy</a:t>
+            </a:r>
+            <a:endParaRPr lang="en-US" dirty="0"/>
+          </a:p>
+        </p:txBody>
+      </p:sp>
+      <p:sp>
+        <p:nvSpPr>
+          <p:cNvPr id="3" name="Content Placeholder 2">
+            <a:extLst>
+              <a:ext uri="{FF2B5EF4-FFF2-40B4-BE49-F238E27FC236}">
+                <a16:creationId xmlns:a16="http://schemas.microsoft.com/office/drawing/2014/main" id="{84562800-0349-3B47-A04B-45EB377A36DF}"/>
+              </a:ext>
+            </a:extLst>
+          </p:cNvPr>
+          <p:cNvSpPr>
+            <a:spLocks noGrp="1"/>
+          </p:cNvSpPr>
+          <p:nvPr>
+            <p:ph idx="1"/>
+          </p:nvPr>
+        </p:nvSpPr>
+        <p:spPr/>
+        <p:txBody>
+          <a:bodyPr/>
+          <a:lstStyle/>
+          <a:p>
+            <a:endParaRPr lang="en-US"/>
+          </a:p>
+        </p:txBody>
+      </p:sp>
+      <p:sp>
+        <p:nvSpPr>
+          <p:cNvPr id="4" name="Footer Placeholder 3">
+            <a:extLst>
+              <a:ext uri="{FF2B5EF4-FFF2-40B4-BE49-F238E27FC236}">
+                <a16:creationId xmlns:a16="http://schemas.microsoft.com/office/drawing/2014/main" id="{DBF7BEBC-74A4-444F-A220-5552F3D569A8}"/>
+              </a:ext>
+            </a:extLst>
+          </p:cNvPr>
+          <p:cNvSpPr>
+            <a:spLocks noGrp="1"/>
+          </p:cNvSpPr>
+          <p:nvPr>
+            <p:ph type="ftr" sz="quarter" idx="11"/>
+          </p:nvPr>
+        </p:nvSpPr>
+        <p:spPr/>
+        <p:txBody>
+          <a:bodyPr/>
+          <a:lstStyle/>
+          <a:p>
+            <a:r>
+              <a:rPr lang="en-US"/>
+              <a:t>Principles of Programming Languages</a:t>
+            </a:r>
+          </a:p>
+        </p:txBody>
+      </p:sp>
+      <p:sp>
+        <p:nvSpPr>
+          <p:cNvPr id="5" name="Slide Number Placeholder 4">
+            <a:extLst>
+              <a:ext uri="{FF2B5EF4-FFF2-40B4-BE49-F238E27FC236}">
+                <a16:creationId xmlns:a16="http://schemas.microsoft.com/office/drawing/2014/main" id="{9EFDB020-A1A0-6D4D-B7C4-07A3B04A8650}"/>
+              </a:ext>
+            </a:extLst>
+          </p:cNvPr>
+          <p:cNvSpPr>
+            <a:spLocks noGrp="1"/>
+          </p:cNvSpPr>
+          <p:nvPr>
+            <p:ph type="sldNum" sz="quarter" idx="12"/>
+          </p:nvPr>
+        </p:nvSpPr>
+        <p:spPr/>
+        <p:txBody>
+          <a:bodyPr/>
+          <a:lstStyle/>
+          <a:p>
+            <a:fld id="{ABC98F02-4831-DB41-B2A1-83D581DBC9B9}" type="slidenum">
+              <a:rPr lang="en-US" smtClean="0"/>
+              <a:t>29</a:t>
+            </a:fld>
+            <a:endParaRPr lang="en-US"/>
+          </a:p>
+        </p:txBody>
+      </p:sp>
+    </p:spTree>
+    <p:extLst>
+      <p:ext uri="{BB962C8B-B14F-4D97-AF65-F5344CB8AC3E}">
+        <p14:creationId xmlns:p14="http://schemas.microsoft.com/office/powerpoint/2010/main" val="198952449"/>
       </p:ext>
     </p:extLst>
   </p:cSld>

--- a/control-flow.pptx
+++ b/control-flow.pptx
@@ -225,7 +225,7 @@
           <a:p>
             <a:fld id="{11C5E079-93CC-3A49-A7E8-CDC9279F5CB2}" type="datetimeFigureOut">
               <a:rPr lang="en-US" smtClean="0"/>
-              <a:t>1/24/20</a:t>
+              <a:t>2/1/20</a:t>
             </a:fld>
             <a:endParaRPr lang="en-US"/>
           </a:p>
@@ -639,7 +639,7 @@
           <a:p>
             <a:fld id="{6628963F-B015-1848-BE19-FAC9AC65E151}" type="datetime1">
               <a:rPr lang="en-US" smtClean="0"/>
-              <a:t>1/24/20</a:t>
+              <a:t>2/1/20</a:t>
             </a:fld>
             <a:endParaRPr lang="en-US"/>
           </a:p>
@@ -840,7 +840,7 @@
           <a:p>
             <a:fld id="{583273FB-9FE4-374B-9CA1-370AC90F67F3}" type="datetime1">
               <a:rPr lang="en-US" smtClean="0"/>
-              <a:t>1/24/20</a:t>
+              <a:t>2/1/20</a:t>
             </a:fld>
             <a:endParaRPr lang="en-US"/>
           </a:p>
@@ -1051,7 +1051,7 @@
           <a:p>
             <a:fld id="{8D6543D1-4C5C-4F46-BE0A-E076C73D9C07}" type="datetime1">
               <a:rPr lang="en-US" smtClean="0"/>
-              <a:t>1/24/20</a:t>
+              <a:t>2/1/20</a:t>
             </a:fld>
             <a:endParaRPr lang="en-US"/>
           </a:p>
@@ -1252,7 +1252,7 @@
           <a:p>
             <a:fld id="{73D64961-30E1-8D4A-8B74-0D23E39AA62A}" type="datetime1">
               <a:rPr lang="en-US" smtClean="0"/>
-              <a:t>1/24/20</a:t>
+              <a:t>2/1/20</a:t>
             </a:fld>
             <a:endParaRPr lang="en-US"/>
           </a:p>
@@ -1530,7 +1530,7 @@
           <a:p>
             <a:fld id="{B89D5430-3CE5-D443-BD24-7D8BF9AF6108}" type="datetime1">
               <a:rPr lang="en-US" smtClean="0"/>
-              <a:t>1/24/20</a:t>
+              <a:t>2/1/20</a:t>
             </a:fld>
             <a:endParaRPr lang="en-US"/>
           </a:p>
@@ -1798,7 +1798,7 @@
           <a:p>
             <a:fld id="{8E9F9F15-0FC7-754E-A145-F1DB4E617FA2}" type="datetime1">
               <a:rPr lang="en-US" smtClean="0"/>
-              <a:t>1/24/20</a:t>
+              <a:t>2/1/20</a:t>
             </a:fld>
             <a:endParaRPr lang="en-US"/>
           </a:p>
@@ -2213,7 +2213,7 @@
           <a:p>
             <a:fld id="{D81B8FD6-E02C-574F-A0A2-853EEB5CBB81}" type="datetime1">
               <a:rPr lang="en-US" smtClean="0"/>
-              <a:t>1/24/20</a:t>
+              <a:t>2/1/20</a:t>
             </a:fld>
             <a:endParaRPr lang="en-US"/>
           </a:p>
@@ -2357,7 +2357,7 @@
           <a:p>
             <a:fld id="{BB502A58-1D1A-7141-9C02-0A2F0A65C726}" type="datetime1">
               <a:rPr lang="en-US" smtClean="0"/>
-              <a:t>1/24/20</a:t>
+              <a:t>2/1/20</a:t>
             </a:fld>
             <a:endParaRPr lang="en-US"/>
           </a:p>
@@ -2473,7 +2473,7 @@
           <a:p>
             <a:fld id="{66D897BC-C17E-3848-A084-9C80F62284FF}" type="datetime1">
               <a:rPr lang="en-US" smtClean="0"/>
-              <a:t>1/24/20</a:t>
+              <a:t>2/1/20</a:t>
             </a:fld>
             <a:endParaRPr lang="en-US"/>
           </a:p>
@@ -2787,7 +2787,7 @@
           <a:p>
             <a:fld id="{E5580422-3072-F64E-81EE-35E913182534}" type="datetime1">
               <a:rPr lang="en-US" smtClean="0"/>
-              <a:t>1/24/20</a:t>
+              <a:t>2/1/20</a:t>
             </a:fld>
             <a:endParaRPr lang="en-US"/>
           </a:p>
@@ -3078,7 +3078,7 @@
           <a:p>
             <a:fld id="{83AD4383-5FA7-E642-B16C-62BA5A0C7DCE}" type="datetime1">
               <a:rPr lang="en-US" smtClean="0"/>
-              <a:t>1/24/20</a:t>
+              <a:t>2/1/20</a:t>
             </a:fld>
             <a:endParaRPr lang="en-US"/>
           </a:p>
@@ -3322,7 +3322,7 @@
           <a:p>
             <a:fld id="{8B0031C1-176B-7F42-AC3F-27F1861D3040}" type="datetime1">
               <a:rPr lang="en-US" smtClean="0"/>
-              <a:t>1/24/20</a:t>
+              <a:t>2/1/20</a:t>
             </a:fld>
             <a:endParaRPr lang="en-US"/>
           </a:p>
@@ -11461,126 +11461,131 @@
             <p:ph idx="1"/>
           </p:nvPr>
         </p:nvSpPr>
-        <p:spPr/>
+        <p:spPr>
+          <a:xfrm>
+            <a:off x="838199" y="1385455"/>
+            <a:ext cx="11118273" cy="4791508"/>
+          </a:xfrm>
+        </p:spPr>
         <p:txBody>
           <a:bodyPr>
-            <a:normAutofit fontScale="92500" lnSpcReduction="10000"/>
+            <a:noAutofit/>
           </a:bodyPr>
           <a:lstStyle/>
           <a:p>
             <a:r>
-              <a:rPr lang="en-US" dirty="0"/>
+              <a:rPr lang="en-US" sz="2500" dirty="0"/>
               <a:t>An expression is either a simple object (literal or variable) or some function of these</a:t>
             </a:r>
           </a:p>
           <a:p>
             <a:r>
-              <a:rPr lang="en-US" dirty="0"/>
+              <a:rPr lang="en-US" sz="2500" dirty="0"/>
               <a:t>For the latter, we use the terms </a:t>
             </a:r>
             <a:r>
-              <a:rPr lang="en-US" i="1" dirty="0"/>
+              <a:rPr lang="en-US" sz="2500" i="1" dirty="0"/>
               <a:t>operators</a:t>
             </a:r>
             <a:r>
-              <a:rPr lang="en-US" dirty="0"/>
+              <a:rPr lang="en-US" sz="2500" dirty="0"/>
               <a:t> and </a:t>
             </a:r>
             <a:r>
-              <a:rPr lang="en-US" i="1" dirty="0"/>
+              <a:rPr lang="en-US" sz="2500" i="1" dirty="0"/>
               <a:t>operands</a:t>
             </a:r>
           </a:p>
           <a:p>
             <a:r>
-              <a:rPr lang="en-US" dirty="0"/>
+              <a:rPr lang="en-US" sz="2500" dirty="0"/>
               <a:t>Languages provide ”simple”, pre-built math functions via operators</a:t>
             </a:r>
           </a:p>
           <a:p>
             <a:r>
-              <a:rPr lang="en-US" dirty="0"/>
+              <a:rPr lang="en-US" sz="2500" dirty="0"/>
               <a:t>Operators are applied to operands</a:t>
             </a:r>
           </a:p>
           <a:p>
             <a:r>
-              <a:rPr lang="en-US" dirty="0"/>
+              <a:rPr lang="en-US" sz="2500" dirty="0"/>
               <a:t>FYI: ”simple” is relative; compare C vs. Python</a:t>
             </a:r>
           </a:p>
           <a:p>
             <a:r>
-              <a:rPr lang="en-US" dirty="0"/>
+              <a:rPr lang="en-US" sz="2500" dirty="0"/>
               <a:t>Some languages could have more than a single name for an operator, and rely on syntactic sugar to simplify writing; examples:</a:t>
             </a:r>
           </a:p>
           <a:p>
             <a:pPr lvl="1"/>
             <a:r>
-              <a:rPr lang="en-US" dirty="0"/>
+              <a:rPr lang="en-US" sz="2500" dirty="0"/>
               <a:t>Ada: a + b is short for “+”(</a:t>
             </a:r>
             <a:r>
-              <a:rPr lang="en-US" dirty="0" err="1"/>
+              <a:rPr lang="en-US" sz="2500" dirty="0" err="1"/>
               <a:t>a,b</a:t>
             </a:r>
             <a:r>
-              <a:rPr lang="en-US" dirty="0"/>
+              <a:rPr lang="en-US" sz="2500" dirty="0"/>
               <a:t>)</a:t>
             </a:r>
           </a:p>
           <a:p>
             <a:pPr lvl="1"/>
             <a:r>
-              <a:rPr lang="en-US" dirty="0"/>
+              <a:rPr lang="en-US" sz="2500" dirty="0"/>
               <a:t>C++: </a:t>
             </a:r>
             <a:r>
-              <a:rPr lang="en-US" dirty="0" err="1"/>
+              <a:rPr lang="en-US" sz="2500" dirty="0" err="1"/>
               <a:t>a+b</a:t>
             </a:r>
             <a:r>
-              <a:rPr lang="en-US" dirty="0"/>
+              <a:rPr lang="en-US" sz="2500" dirty="0"/>
               <a:t> is short for </a:t>
             </a:r>
             <a:r>
-              <a:rPr lang="en-US" dirty="0" err="1"/>
+              <a:rPr lang="en-US" sz="2500" dirty="0" err="1"/>
               <a:t>a.operator</a:t>
             </a:r>
             <a:r>
-              <a:rPr lang="en-US" dirty="0"/>
+              <a:rPr lang="en-US" sz="2500" dirty="0"/>
               <a:t>+(b) or operator+(</a:t>
             </a:r>
             <a:r>
-              <a:rPr lang="en-US" dirty="0" err="1"/>
+              <a:rPr lang="en-US" sz="2500" dirty="0" err="1"/>
               <a:t>a,b</a:t>
             </a:r>
             <a:r>
-              <a:rPr lang="en-US" dirty="0"/>
+              <a:rPr lang="en-US" sz="2500" dirty="0"/>
               <a:t>)</a:t>
             </a:r>
           </a:p>
           <a:p>
             <a:pPr lvl="1"/>
             <a:r>
-              <a:rPr lang="en-US" dirty="0"/>
+              <a:rPr lang="en-US" sz="2500" dirty="0"/>
               <a:t>Other (some language): 0 &lt;= </a:t>
             </a:r>
             <a:r>
-              <a:rPr lang="en-US" dirty="0" err="1"/>
+              <a:rPr lang="en-US" sz="2500" dirty="0" err="1"/>
               <a:t>i,j</a:t>
             </a:r>
             <a:r>
-              <a:rPr lang="en-US" dirty="0"/>
+              <a:rPr lang="en-US" sz="2500" dirty="0"/>
               <a:t> &lt; N could be short for 0 &lt;= </a:t>
             </a:r>
             <a:r>
-              <a:rPr lang="en-US" dirty="0" err="1"/>
+              <a:rPr lang="en-US" sz="2500" dirty="0" err="1"/>
               <a:t>i</a:t>
             </a:r>
             <a:r>
-              <a:rPr lang="en-US" dirty="0"/>
+              <a:rPr lang="en-US" sz="2500" dirty="0"/>
               <a:t> &lt; N and 0 &lt;= j &lt; N</a:t>
             </a:r>
           </a:p>
